--- a/MSA_K-VCMall.pptx
+++ b/MSA_K-VCMall.pptx
@@ -6,9 +6,9 @@
   </p:sldMasterIdLst>
   <p:sldIdLst>
     <p:sldId id="256" r:id="rId2"/>
-    <p:sldId id="257" r:id="rId3"/>
-    <p:sldId id="272" r:id="rId4"/>
-    <p:sldId id="270" r:id="rId5"/>
+    <p:sldId id="272" r:id="rId3"/>
+    <p:sldId id="270" r:id="rId4"/>
+    <p:sldId id="257" r:id="rId5"/>
     <p:sldId id="269" r:id="rId6"/>
     <p:sldId id="258" r:id="rId7"/>
     <p:sldId id="263" r:id="rId8"/>
@@ -4884,2843 +4884,6 @@
           <a:chExt cx="0" cy="0"/>
         </a:xfrm>
       </p:grpSpPr>
-      <p:sp>
-        <p:nvSpPr>
-          <p:cNvPr id="57" name="직사각형 56">
-            <a:extLst>
-              <a:ext uri="{FF2B5EF4-FFF2-40B4-BE49-F238E27FC236}">
-                <a16:creationId xmlns:a16="http://schemas.microsoft.com/office/drawing/2014/main" id="{8227AECE-640C-45CE-B96B-B059DFFF09E2}"/>
-              </a:ext>
-            </a:extLst>
-          </p:cNvPr>
-          <p:cNvSpPr/>
-          <p:nvPr/>
-        </p:nvSpPr>
-        <p:spPr>
-          <a:xfrm>
-            <a:off x="1641176" y="638067"/>
-            <a:ext cx="9323235" cy="6106682"/>
-          </a:xfrm>
-          <a:prstGeom prst="rect">
-            <a:avLst/>
-          </a:prstGeom>
-          <a:solidFill>
-            <a:schemeClr val="accent3">
-              <a:alpha val="50000"/>
-            </a:schemeClr>
-          </a:solidFill>
-          <a:ln>
-            <a:noFill/>
-          </a:ln>
-        </p:spPr>
-        <p:style>
-          <a:lnRef idx="0">
-            <a:scrgbClr r="0" g="0" b="0"/>
-          </a:lnRef>
-          <a:fillRef idx="0">
-            <a:scrgbClr r="0" g="0" b="0"/>
-          </a:fillRef>
-          <a:effectRef idx="0">
-            <a:scrgbClr r="0" g="0" b="0"/>
-          </a:effectRef>
-          <a:fontRef idx="minor">
-            <a:schemeClr val="lt1"/>
-          </a:fontRef>
-        </p:style>
-        <p:txBody>
-          <a:bodyPr rtlCol="0" anchor="ctr"/>
-          <a:lstStyle/>
-          <a:p>
-            <a:endParaRPr lang="ko-KR" altLang="en-US" dirty="0"/>
-          </a:p>
-        </p:txBody>
-      </p:sp>
-      <p:sp>
-        <p:nvSpPr>
-          <p:cNvPr id="15" name="직사각형 14">
-            <a:extLst>
-              <a:ext uri="{FF2B5EF4-FFF2-40B4-BE49-F238E27FC236}">
-                <a16:creationId xmlns:a16="http://schemas.microsoft.com/office/drawing/2014/main" id="{D63AF542-D901-4E0E-AF31-36984B6CFF5D}"/>
-              </a:ext>
-            </a:extLst>
-          </p:cNvPr>
-          <p:cNvSpPr/>
-          <p:nvPr/>
-        </p:nvSpPr>
-        <p:spPr>
-          <a:xfrm>
-            <a:off x="696286" y="3398729"/>
-            <a:ext cx="9520220" cy="836842"/>
-          </a:xfrm>
-          <a:prstGeom prst="rect">
-            <a:avLst/>
-          </a:prstGeom>
-        </p:spPr>
-        <p:style>
-          <a:lnRef idx="3">
-            <a:schemeClr val="lt1"/>
-          </a:lnRef>
-          <a:fillRef idx="1">
-            <a:schemeClr val="accent2"/>
-          </a:fillRef>
-          <a:effectRef idx="1">
-            <a:schemeClr val="accent2"/>
-          </a:effectRef>
-          <a:fontRef idx="minor">
-            <a:schemeClr val="lt1"/>
-          </a:fontRef>
-        </p:style>
-        <p:txBody>
-          <a:bodyPr rtlCol="0" anchor="ctr"/>
-          <a:lstStyle/>
-          <a:p>
-            <a:r>
-              <a:rPr lang="en-US" altLang="ko-KR" sz="1400" dirty="0"/>
-              <a:t>Inner</a:t>
-            </a:r>
-          </a:p>
-          <a:p>
-            <a:r>
-              <a:rPr lang="en-US" altLang="ko-KR" sz="1400" dirty="0"/>
-              <a:t>Architecture</a:t>
-            </a:r>
-            <a:endParaRPr lang="ko-KR" altLang="en-US" sz="1400" dirty="0"/>
-          </a:p>
-        </p:txBody>
-      </p:sp>
-      <p:sp>
-        <p:nvSpPr>
-          <p:cNvPr id="16" name="직사각형 15">
-            <a:extLst>
-              <a:ext uri="{FF2B5EF4-FFF2-40B4-BE49-F238E27FC236}">
-                <a16:creationId xmlns:a16="http://schemas.microsoft.com/office/drawing/2014/main" id="{50F31076-8043-41D6-BF6A-232D71C9802F}"/>
-              </a:ext>
-            </a:extLst>
-          </p:cNvPr>
-          <p:cNvSpPr/>
-          <p:nvPr/>
-        </p:nvSpPr>
-        <p:spPr>
-          <a:xfrm>
-            <a:off x="1814236" y="3091716"/>
-            <a:ext cx="1270406" cy="293856"/>
-          </a:xfrm>
-          <a:prstGeom prst="rect">
-            <a:avLst/>
-          </a:prstGeom>
-        </p:spPr>
-        <p:style>
-          <a:lnRef idx="2">
-            <a:schemeClr val="accent1">
-              <a:shade val="50000"/>
-            </a:schemeClr>
-          </a:lnRef>
-          <a:fillRef idx="1">
-            <a:schemeClr val="accent1"/>
-          </a:fillRef>
-          <a:effectRef idx="0">
-            <a:schemeClr val="accent1"/>
-          </a:effectRef>
-          <a:fontRef idx="minor">
-            <a:schemeClr val="lt1"/>
-          </a:fontRef>
-        </p:style>
-        <p:txBody>
-          <a:bodyPr rtlCol="0" anchor="ctr"/>
-          <a:lstStyle/>
-          <a:p>
-            <a:pPr algn="ctr"/>
-            <a:r>
-              <a:rPr lang="en-US" altLang="ko-KR" sz="1000" dirty="0"/>
-              <a:t>Load Balancing</a:t>
-            </a:r>
-            <a:endParaRPr lang="ko-KR" altLang="en-US" sz="1000" dirty="0"/>
-          </a:p>
-        </p:txBody>
-      </p:sp>
-      <p:sp>
-        <p:nvSpPr>
-          <p:cNvPr id="4" name="직사각형 3">
-            <a:extLst>
-              <a:ext uri="{FF2B5EF4-FFF2-40B4-BE49-F238E27FC236}">
-                <a16:creationId xmlns:a16="http://schemas.microsoft.com/office/drawing/2014/main" id="{CFC41E04-26B2-4BEA-B33C-548D70BE31A4}"/>
-              </a:ext>
-            </a:extLst>
-          </p:cNvPr>
-          <p:cNvSpPr/>
-          <p:nvPr/>
-        </p:nvSpPr>
-        <p:spPr>
-          <a:xfrm>
-            <a:off x="2004736" y="1815461"/>
-            <a:ext cx="7450763" cy="677898"/>
-          </a:xfrm>
-          <a:prstGeom prst="rect">
-            <a:avLst/>
-          </a:prstGeom>
-        </p:spPr>
-        <p:style>
-          <a:lnRef idx="2">
-            <a:schemeClr val="accent1">
-              <a:shade val="50000"/>
-            </a:schemeClr>
-          </a:lnRef>
-          <a:fillRef idx="1">
-            <a:schemeClr val="accent1"/>
-          </a:fillRef>
-          <a:effectRef idx="0">
-            <a:schemeClr val="accent1"/>
-          </a:effectRef>
-          <a:fontRef idx="minor">
-            <a:schemeClr val="lt1"/>
-          </a:fontRef>
-        </p:style>
-        <p:txBody>
-          <a:bodyPr rtlCol="0" anchor="ctr"/>
-          <a:lstStyle/>
-          <a:p>
-            <a:pPr algn="ctr"/>
-            <a:r>
-              <a:rPr lang="en-US" altLang="ko-KR" dirty="0"/>
-              <a:t>Microservice Management Capabilities</a:t>
-            </a:r>
-            <a:endParaRPr lang="ko-KR" altLang="en-US" dirty="0"/>
-          </a:p>
-        </p:txBody>
-      </p:sp>
-      <p:sp>
-        <p:nvSpPr>
-          <p:cNvPr id="6" name="직사각형 5">
-            <a:extLst>
-              <a:ext uri="{FF2B5EF4-FFF2-40B4-BE49-F238E27FC236}">
-                <a16:creationId xmlns:a16="http://schemas.microsoft.com/office/drawing/2014/main" id="{CFA265CD-1B45-4547-8D7A-60F1CFD0F768}"/>
-              </a:ext>
-            </a:extLst>
-          </p:cNvPr>
-          <p:cNvSpPr/>
-          <p:nvPr/>
-        </p:nvSpPr>
-        <p:spPr>
-          <a:xfrm>
-            <a:off x="3211236" y="3421016"/>
-            <a:ext cx="1092312" cy="783615"/>
-          </a:xfrm>
-          <a:prstGeom prst="rect">
-            <a:avLst/>
-          </a:prstGeom>
-          <a:gradFill flip="none" rotWithShape="1">
-            <a:gsLst>
-              <a:gs pos="0">
-                <a:schemeClr val="accent4">
-                  <a:lumMod val="67000"/>
-                </a:schemeClr>
-              </a:gs>
-              <a:gs pos="48000">
-                <a:schemeClr val="accent4">
-                  <a:lumMod val="97000"/>
-                  <a:lumOff val="3000"/>
-                </a:schemeClr>
-              </a:gs>
-              <a:gs pos="100000">
-                <a:schemeClr val="accent4">
-                  <a:lumMod val="60000"/>
-                  <a:lumOff val="40000"/>
-                </a:schemeClr>
-              </a:gs>
-            </a:gsLst>
-            <a:lin ang="16200000" scaled="1"/>
-            <a:tileRect/>
-          </a:gradFill>
-          <a:ln>
-            <a:noFill/>
-          </a:ln>
-        </p:spPr>
-        <p:style>
-          <a:lnRef idx="0">
-            <a:scrgbClr r="0" g="0" b="0"/>
-          </a:lnRef>
-          <a:fillRef idx="0">
-            <a:scrgbClr r="0" g="0" b="0"/>
-          </a:fillRef>
-          <a:effectRef idx="0">
-            <a:scrgbClr r="0" g="0" b="0"/>
-          </a:effectRef>
-          <a:fontRef idx="minor">
-            <a:schemeClr val="lt1"/>
-          </a:fontRef>
-        </p:style>
-        <p:txBody>
-          <a:bodyPr rtlCol="0" anchor="ctr"/>
-          <a:lstStyle/>
-          <a:p>
-            <a:pPr algn="ctr"/>
-            <a:r>
-              <a:rPr lang="en-US" altLang="ko-KR" sz="1400" dirty="0"/>
-              <a:t>voucher</a:t>
-            </a:r>
-            <a:endParaRPr lang="ko-KR" altLang="en-US" sz="1400" dirty="0"/>
-          </a:p>
-        </p:txBody>
-      </p:sp>
-      <p:sp>
-        <p:nvSpPr>
-          <p:cNvPr id="8" name="직사각형 7">
-            <a:extLst>
-              <a:ext uri="{FF2B5EF4-FFF2-40B4-BE49-F238E27FC236}">
-                <a16:creationId xmlns:a16="http://schemas.microsoft.com/office/drawing/2014/main" id="{2A8A770C-64A6-4553-8E44-D26F8F2E4ADB}"/>
-              </a:ext>
-            </a:extLst>
-          </p:cNvPr>
-          <p:cNvSpPr/>
-          <p:nvPr/>
-        </p:nvSpPr>
-        <p:spPr>
-          <a:xfrm>
-            <a:off x="4427260" y="3414664"/>
-            <a:ext cx="1412881" cy="783615"/>
-          </a:xfrm>
-          <a:prstGeom prst="rect">
-            <a:avLst/>
-          </a:prstGeom>
-          <a:gradFill flip="none" rotWithShape="1">
-            <a:gsLst>
-              <a:gs pos="0">
-                <a:schemeClr val="accent4">
-                  <a:lumMod val="67000"/>
-                </a:schemeClr>
-              </a:gs>
-              <a:gs pos="48000">
-                <a:schemeClr val="accent4">
-                  <a:lumMod val="97000"/>
-                  <a:lumOff val="3000"/>
-                </a:schemeClr>
-              </a:gs>
-              <a:gs pos="100000">
-                <a:schemeClr val="accent4">
-                  <a:lumMod val="60000"/>
-                  <a:lumOff val="40000"/>
-                </a:schemeClr>
-              </a:gs>
-            </a:gsLst>
-            <a:lin ang="16200000" scaled="1"/>
-            <a:tileRect/>
-          </a:gradFill>
-          <a:ln>
-            <a:noFill/>
-          </a:ln>
-        </p:spPr>
-        <p:style>
-          <a:lnRef idx="0">
-            <a:scrgbClr r="0" g="0" b="0"/>
-          </a:lnRef>
-          <a:fillRef idx="0">
-            <a:scrgbClr r="0" g="0" b="0"/>
-          </a:fillRef>
-          <a:effectRef idx="0">
-            <a:scrgbClr r="0" g="0" b="0"/>
-          </a:effectRef>
-          <a:fontRef idx="minor">
-            <a:schemeClr val="lt1"/>
-          </a:fontRef>
-        </p:style>
-        <p:txBody>
-          <a:bodyPr rtlCol="0" anchor="ctr"/>
-          <a:lstStyle/>
-          <a:p>
-            <a:pPr algn="ctr"/>
-            <a:r>
-              <a:rPr lang="en-US" altLang="ko-KR" sz="1400" dirty="0"/>
-              <a:t>Customer</a:t>
-            </a:r>
-          </a:p>
-          <a:p>
-            <a:pPr algn="ctr"/>
-            <a:r>
-              <a:rPr lang="en-US" altLang="ko-KR" sz="1400" dirty="0"/>
-              <a:t>Voucher</a:t>
-            </a:r>
-            <a:endParaRPr lang="ko-KR" altLang="en-US" sz="1400" dirty="0"/>
-          </a:p>
-        </p:txBody>
-      </p:sp>
-      <p:sp>
-        <p:nvSpPr>
-          <p:cNvPr id="9" name="직사각형 8">
-            <a:extLst>
-              <a:ext uri="{FF2B5EF4-FFF2-40B4-BE49-F238E27FC236}">
-                <a16:creationId xmlns:a16="http://schemas.microsoft.com/office/drawing/2014/main" id="{91A8723C-D179-40D0-9D8E-36BDFD6D446D}"/>
-              </a:ext>
-            </a:extLst>
-          </p:cNvPr>
-          <p:cNvSpPr/>
-          <p:nvPr/>
-        </p:nvSpPr>
-        <p:spPr>
-          <a:xfrm>
-            <a:off x="6014760" y="3421016"/>
-            <a:ext cx="1163549" cy="783615"/>
-          </a:xfrm>
-          <a:prstGeom prst="rect">
-            <a:avLst/>
-          </a:prstGeom>
-          <a:gradFill flip="none" rotWithShape="1">
-            <a:gsLst>
-              <a:gs pos="0">
-                <a:schemeClr val="accent4">
-                  <a:lumMod val="67000"/>
-                </a:schemeClr>
-              </a:gs>
-              <a:gs pos="48000">
-                <a:schemeClr val="accent4">
-                  <a:lumMod val="97000"/>
-                  <a:lumOff val="3000"/>
-                </a:schemeClr>
-              </a:gs>
-              <a:gs pos="100000">
-                <a:schemeClr val="accent4">
-                  <a:lumMod val="60000"/>
-                  <a:lumOff val="40000"/>
-                </a:schemeClr>
-              </a:gs>
-            </a:gsLst>
-            <a:lin ang="16200000" scaled="1"/>
-            <a:tileRect/>
-          </a:gradFill>
-          <a:ln>
-            <a:noFill/>
-          </a:ln>
-        </p:spPr>
-        <p:style>
-          <a:lnRef idx="0">
-            <a:scrgbClr r="0" g="0" b="0"/>
-          </a:lnRef>
-          <a:fillRef idx="0">
-            <a:scrgbClr r="0" g="0" b="0"/>
-          </a:fillRef>
-          <a:effectRef idx="0">
-            <a:scrgbClr r="0" g="0" b="0"/>
-          </a:effectRef>
-          <a:fontRef idx="minor">
-            <a:schemeClr val="lt1"/>
-          </a:fontRef>
-        </p:style>
-        <p:txBody>
-          <a:bodyPr rtlCol="0" anchor="ctr"/>
-          <a:lstStyle/>
-          <a:p>
-            <a:pPr algn="ctr"/>
-            <a:r>
-              <a:rPr lang="en-US" altLang="ko-KR" sz="1400" dirty="0"/>
-              <a:t>payment</a:t>
-            </a:r>
-            <a:endParaRPr lang="ko-KR" altLang="en-US" sz="1400" dirty="0"/>
-          </a:p>
-        </p:txBody>
-      </p:sp>
-      <p:sp>
-        <p:nvSpPr>
-          <p:cNvPr id="10" name="직사각형 9">
-            <a:extLst>
-              <a:ext uri="{FF2B5EF4-FFF2-40B4-BE49-F238E27FC236}">
-                <a16:creationId xmlns:a16="http://schemas.microsoft.com/office/drawing/2014/main" id="{8CCC858C-66E2-4F4B-82A3-8B55D6AE3FAA}"/>
-              </a:ext>
-            </a:extLst>
-          </p:cNvPr>
-          <p:cNvSpPr/>
-          <p:nvPr/>
-        </p:nvSpPr>
-        <p:spPr>
-          <a:xfrm>
-            <a:off x="2004736" y="5726068"/>
-            <a:ext cx="7741165" cy="979518"/>
-          </a:xfrm>
-          <a:prstGeom prst="rect">
-            <a:avLst/>
-          </a:prstGeom>
-        </p:spPr>
-        <p:style>
-          <a:lnRef idx="2">
-            <a:schemeClr val="accent1">
-              <a:shade val="50000"/>
-            </a:schemeClr>
-          </a:lnRef>
-          <a:fillRef idx="1">
-            <a:schemeClr val="accent1"/>
-          </a:fillRef>
-          <a:effectRef idx="0">
-            <a:schemeClr val="accent1"/>
-          </a:effectRef>
-          <a:fontRef idx="minor">
-            <a:schemeClr val="lt1"/>
-          </a:fontRef>
-        </p:style>
-        <p:txBody>
-          <a:bodyPr rtlCol="0" anchor="ctr"/>
-          <a:lstStyle/>
-          <a:p>
-            <a:pPr algn="ctr"/>
-            <a:r>
-              <a:rPr lang="en-US" altLang="ko-KR" dirty="0"/>
-              <a:t>Operational Capabilities (Automation, Monitoring, etc.)</a:t>
-            </a:r>
-            <a:endParaRPr lang="ko-KR" altLang="en-US" dirty="0"/>
-          </a:p>
-        </p:txBody>
-      </p:sp>
-      <p:sp>
-        <p:nvSpPr>
-          <p:cNvPr id="11" name="사각형: 둥근 모서리 10">
-            <a:extLst>
-              <a:ext uri="{FF2B5EF4-FFF2-40B4-BE49-F238E27FC236}">
-                <a16:creationId xmlns:a16="http://schemas.microsoft.com/office/drawing/2014/main" id="{0F005DD3-B432-47F8-B577-82A4CFE90267}"/>
-              </a:ext>
-            </a:extLst>
-          </p:cNvPr>
-          <p:cNvSpPr/>
-          <p:nvPr/>
-        </p:nvSpPr>
-        <p:spPr>
-          <a:xfrm>
-            <a:off x="2271436" y="5359360"/>
-            <a:ext cx="7201433" cy="255582"/>
-          </a:xfrm>
-          <a:prstGeom prst="roundRect">
-            <a:avLst/>
-          </a:prstGeom>
-        </p:spPr>
-        <p:style>
-          <a:lnRef idx="2">
-            <a:schemeClr val="accent1">
-              <a:shade val="50000"/>
-            </a:schemeClr>
-          </a:lnRef>
-          <a:fillRef idx="1">
-            <a:schemeClr val="accent1"/>
-          </a:fillRef>
-          <a:effectRef idx="0">
-            <a:schemeClr val="accent1"/>
-          </a:effectRef>
-          <a:fontRef idx="minor">
-            <a:schemeClr val="lt1"/>
-          </a:fontRef>
-        </p:style>
-        <p:txBody>
-          <a:bodyPr rtlCol="0" anchor="ctr"/>
-          <a:lstStyle/>
-          <a:p>
-            <a:pPr algn="ctr"/>
-            <a:r>
-              <a:rPr lang="en-US" altLang="ko-KR" sz="1400" dirty="0"/>
-              <a:t>Messaging Channel</a:t>
-            </a:r>
-            <a:endParaRPr lang="ko-KR" altLang="en-US" sz="1400" dirty="0"/>
-          </a:p>
-        </p:txBody>
-      </p:sp>
-      <p:sp>
-        <p:nvSpPr>
-          <p:cNvPr id="12" name="직사각형 11">
-            <a:extLst>
-              <a:ext uri="{FF2B5EF4-FFF2-40B4-BE49-F238E27FC236}">
-                <a16:creationId xmlns:a16="http://schemas.microsoft.com/office/drawing/2014/main" id="{A3BEA4B3-0F54-4059-A720-1F91C2395148}"/>
-              </a:ext>
-            </a:extLst>
-          </p:cNvPr>
-          <p:cNvSpPr/>
-          <p:nvPr/>
-        </p:nvSpPr>
-        <p:spPr>
-          <a:xfrm>
-            <a:off x="8808760" y="3408317"/>
-            <a:ext cx="1187295" cy="783615"/>
-          </a:xfrm>
-          <a:prstGeom prst="rect">
-            <a:avLst/>
-          </a:prstGeom>
-          <a:gradFill flip="none" rotWithShape="1">
-            <a:gsLst>
-              <a:gs pos="0">
-                <a:schemeClr val="accent4">
-                  <a:lumMod val="67000"/>
-                </a:schemeClr>
-              </a:gs>
-              <a:gs pos="48000">
-                <a:schemeClr val="accent4">
-                  <a:lumMod val="97000"/>
-                  <a:lumOff val="3000"/>
-                </a:schemeClr>
-              </a:gs>
-              <a:gs pos="100000">
-                <a:schemeClr val="accent4">
-                  <a:lumMod val="60000"/>
-                  <a:lumOff val="40000"/>
-                </a:schemeClr>
-              </a:gs>
-            </a:gsLst>
-            <a:lin ang="16200000" scaled="1"/>
-            <a:tileRect/>
-          </a:gradFill>
-          <a:ln>
-            <a:noFill/>
-          </a:ln>
-        </p:spPr>
-        <p:style>
-          <a:lnRef idx="0">
-            <a:scrgbClr r="0" g="0" b="0"/>
-          </a:lnRef>
-          <a:fillRef idx="0">
-            <a:scrgbClr r="0" g="0" b="0"/>
-          </a:fillRef>
-          <a:effectRef idx="0">
-            <a:scrgbClr r="0" g="0" b="0"/>
-          </a:effectRef>
-          <a:fontRef idx="minor">
-            <a:schemeClr val="lt1"/>
-          </a:fontRef>
-        </p:style>
-        <p:txBody>
-          <a:bodyPr rtlCol="0" anchor="ctr"/>
-          <a:lstStyle/>
-          <a:p>
-            <a:pPr algn="ctr"/>
-            <a:r>
-              <a:rPr lang="en-US" altLang="ko-KR" sz="1400" dirty="0" err="1"/>
-              <a:t>myPage</a:t>
-            </a:r>
-            <a:endParaRPr lang="ko-KR" altLang="en-US" sz="1400" dirty="0"/>
-          </a:p>
-        </p:txBody>
-      </p:sp>
-      <p:sp>
-        <p:nvSpPr>
-          <p:cNvPr id="13" name="직사각형 12">
-            <a:extLst>
-              <a:ext uri="{FF2B5EF4-FFF2-40B4-BE49-F238E27FC236}">
-                <a16:creationId xmlns:a16="http://schemas.microsoft.com/office/drawing/2014/main" id="{9E3F675D-593C-482A-A6B9-A7EA35EA5C72}"/>
-              </a:ext>
-            </a:extLst>
-          </p:cNvPr>
-          <p:cNvSpPr/>
-          <p:nvPr/>
-        </p:nvSpPr>
-        <p:spPr>
-          <a:xfrm>
-            <a:off x="7310160" y="3433715"/>
-            <a:ext cx="1294152" cy="783615"/>
-          </a:xfrm>
-          <a:prstGeom prst="rect">
-            <a:avLst/>
-          </a:prstGeom>
-          <a:gradFill flip="none" rotWithShape="1">
-            <a:gsLst>
-              <a:gs pos="0">
-                <a:schemeClr val="accent4">
-                  <a:lumMod val="67000"/>
-                </a:schemeClr>
-              </a:gs>
-              <a:gs pos="48000">
-                <a:schemeClr val="accent4">
-                  <a:lumMod val="97000"/>
-                  <a:lumOff val="3000"/>
-                </a:schemeClr>
-              </a:gs>
-              <a:gs pos="100000">
-                <a:schemeClr val="accent4">
-                  <a:lumMod val="60000"/>
-                  <a:lumOff val="40000"/>
-                </a:schemeClr>
-              </a:gs>
-            </a:gsLst>
-            <a:lin ang="16200000" scaled="1"/>
-            <a:tileRect/>
-          </a:gradFill>
-          <a:ln>
-            <a:noFill/>
-          </a:ln>
-        </p:spPr>
-        <p:style>
-          <a:lnRef idx="0">
-            <a:scrgbClr r="0" g="0" b="0"/>
-          </a:lnRef>
-          <a:fillRef idx="0">
-            <a:scrgbClr r="0" g="0" b="0"/>
-          </a:fillRef>
-          <a:effectRef idx="0">
-            <a:scrgbClr r="0" g="0" b="0"/>
-          </a:effectRef>
-          <a:fontRef idx="minor">
-            <a:schemeClr val="lt1"/>
-          </a:fontRef>
-        </p:style>
-        <p:txBody>
-          <a:bodyPr rtlCol="0" anchor="ctr"/>
-          <a:lstStyle/>
-          <a:p>
-            <a:pPr algn="ctr"/>
-            <a:r>
-              <a:rPr lang="en-US" altLang="ko-KR" sz="1400" dirty="0"/>
-              <a:t>notification</a:t>
-            </a:r>
-            <a:endParaRPr lang="ko-KR" altLang="en-US" sz="1400" dirty="0"/>
-          </a:p>
-        </p:txBody>
-      </p:sp>
-      <p:sp>
-        <p:nvSpPr>
-          <p:cNvPr id="17" name="직사각형 16">
-            <a:extLst>
-              <a:ext uri="{FF2B5EF4-FFF2-40B4-BE49-F238E27FC236}">
-                <a16:creationId xmlns:a16="http://schemas.microsoft.com/office/drawing/2014/main" id="{3E7D3B88-E83E-4DC3-A3A2-4097773C7BD6}"/>
-              </a:ext>
-            </a:extLst>
-          </p:cNvPr>
-          <p:cNvSpPr/>
-          <p:nvPr/>
-        </p:nvSpPr>
-        <p:spPr>
-          <a:xfrm>
-            <a:off x="3211236" y="3091716"/>
-            <a:ext cx="1092312" cy="293856"/>
-          </a:xfrm>
-          <a:prstGeom prst="rect">
-            <a:avLst/>
-          </a:prstGeom>
-        </p:spPr>
-        <p:style>
-          <a:lnRef idx="2">
-            <a:schemeClr val="accent1">
-              <a:shade val="50000"/>
-            </a:schemeClr>
-          </a:lnRef>
-          <a:fillRef idx="1">
-            <a:schemeClr val="accent1"/>
-          </a:fillRef>
-          <a:effectRef idx="0">
-            <a:schemeClr val="accent1"/>
-          </a:effectRef>
-          <a:fontRef idx="minor">
-            <a:schemeClr val="lt1"/>
-          </a:fontRef>
-        </p:style>
-        <p:txBody>
-          <a:bodyPr rtlCol="0" anchor="ctr"/>
-          <a:lstStyle/>
-          <a:p>
-            <a:pPr algn="ctr"/>
-            <a:r>
-              <a:rPr lang="en-US" altLang="ko-KR" sz="1000" dirty="0"/>
-              <a:t>Load Balancing</a:t>
-            </a:r>
-            <a:endParaRPr lang="ko-KR" altLang="en-US" sz="1000" dirty="0"/>
-          </a:p>
-        </p:txBody>
-      </p:sp>
-      <p:sp>
-        <p:nvSpPr>
-          <p:cNvPr id="5" name="직사각형 4">
-            <a:extLst>
-              <a:ext uri="{FF2B5EF4-FFF2-40B4-BE49-F238E27FC236}">
-                <a16:creationId xmlns:a16="http://schemas.microsoft.com/office/drawing/2014/main" id="{9D4B3810-61AA-4F52-883A-4D05AACEDBA1}"/>
-              </a:ext>
-            </a:extLst>
-          </p:cNvPr>
-          <p:cNvSpPr/>
-          <p:nvPr/>
-        </p:nvSpPr>
-        <p:spPr>
-          <a:xfrm>
-            <a:off x="1826936" y="3401964"/>
-            <a:ext cx="1258533" cy="795863"/>
-          </a:xfrm>
-          <a:prstGeom prst="rect">
-            <a:avLst/>
-          </a:prstGeom>
-          <a:gradFill flip="none" rotWithShape="1">
-            <a:gsLst>
-              <a:gs pos="0">
-                <a:schemeClr val="accent4">
-                  <a:lumMod val="67000"/>
-                </a:schemeClr>
-              </a:gs>
-              <a:gs pos="48000">
-                <a:schemeClr val="accent4">
-                  <a:lumMod val="97000"/>
-                  <a:lumOff val="3000"/>
-                </a:schemeClr>
-              </a:gs>
-              <a:gs pos="100000">
-                <a:schemeClr val="accent4">
-                  <a:lumMod val="60000"/>
-                  <a:lumOff val="40000"/>
-                </a:schemeClr>
-              </a:gs>
-            </a:gsLst>
-            <a:lin ang="16200000" scaled="1"/>
-            <a:tileRect/>
-          </a:gradFill>
-          <a:ln>
-            <a:noFill/>
-          </a:ln>
-        </p:spPr>
-        <p:style>
-          <a:lnRef idx="0">
-            <a:scrgbClr r="0" g="0" b="0"/>
-          </a:lnRef>
-          <a:fillRef idx="0">
-            <a:scrgbClr r="0" g="0" b="0"/>
-          </a:fillRef>
-          <a:effectRef idx="0">
-            <a:scrgbClr r="0" g="0" b="0"/>
-          </a:effectRef>
-          <a:fontRef idx="minor">
-            <a:schemeClr val="lt1"/>
-          </a:fontRef>
-        </p:style>
-        <p:txBody>
-          <a:bodyPr rtlCol="0" anchor="ctr"/>
-          <a:lstStyle/>
-          <a:p>
-            <a:pPr algn="ctr"/>
-            <a:r>
-              <a:rPr lang="en-US" altLang="ko-KR" sz="1400" dirty="0"/>
-              <a:t>purchase</a:t>
-            </a:r>
-            <a:endParaRPr lang="ko-KR" altLang="en-US" sz="1400" dirty="0"/>
-          </a:p>
-        </p:txBody>
-      </p:sp>
-      <p:sp>
-        <p:nvSpPr>
-          <p:cNvPr id="23" name="직사각형 22">
-            <a:extLst>
-              <a:ext uri="{FF2B5EF4-FFF2-40B4-BE49-F238E27FC236}">
-                <a16:creationId xmlns:a16="http://schemas.microsoft.com/office/drawing/2014/main" id="{13EED354-EF15-4289-B624-2C887891DAD1}"/>
-              </a:ext>
-            </a:extLst>
-          </p:cNvPr>
-          <p:cNvSpPr/>
-          <p:nvPr/>
-        </p:nvSpPr>
-        <p:spPr>
-          <a:xfrm>
-            <a:off x="1814236" y="4205238"/>
-            <a:ext cx="1270406" cy="293856"/>
-          </a:xfrm>
-          <a:prstGeom prst="rect">
-            <a:avLst/>
-          </a:prstGeom>
-        </p:spPr>
-        <p:style>
-          <a:lnRef idx="2">
-            <a:schemeClr val="accent1">
-              <a:shade val="50000"/>
-            </a:schemeClr>
-          </a:lnRef>
-          <a:fillRef idx="1">
-            <a:schemeClr val="accent1"/>
-          </a:fillRef>
-          <a:effectRef idx="0">
-            <a:schemeClr val="accent1"/>
-          </a:effectRef>
-          <a:fontRef idx="minor">
-            <a:schemeClr val="lt1"/>
-          </a:fontRef>
-        </p:style>
-        <p:txBody>
-          <a:bodyPr rtlCol="0" anchor="ctr"/>
-          <a:lstStyle/>
-          <a:p>
-            <a:pPr algn="ctr"/>
-            <a:r>
-              <a:rPr lang="en-US" altLang="ko-KR" sz="1000" dirty="0"/>
-              <a:t>Execution Env</a:t>
-            </a:r>
-            <a:endParaRPr lang="ko-KR" altLang="en-US" sz="1000" dirty="0"/>
-          </a:p>
-        </p:txBody>
-      </p:sp>
-      <p:sp>
-        <p:nvSpPr>
-          <p:cNvPr id="24" name="직사각형 23">
-            <a:extLst>
-              <a:ext uri="{FF2B5EF4-FFF2-40B4-BE49-F238E27FC236}">
-                <a16:creationId xmlns:a16="http://schemas.microsoft.com/office/drawing/2014/main" id="{7596C1A6-E51C-40A6-856D-9A24469DF66E}"/>
-              </a:ext>
-            </a:extLst>
-          </p:cNvPr>
-          <p:cNvSpPr/>
-          <p:nvPr/>
-        </p:nvSpPr>
-        <p:spPr>
-          <a:xfrm>
-            <a:off x="3211236" y="4205238"/>
-            <a:ext cx="1092312" cy="293856"/>
-          </a:xfrm>
-          <a:prstGeom prst="rect">
-            <a:avLst/>
-          </a:prstGeom>
-        </p:spPr>
-        <p:style>
-          <a:lnRef idx="2">
-            <a:schemeClr val="accent1">
-              <a:shade val="50000"/>
-            </a:schemeClr>
-          </a:lnRef>
-          <a:fillRef idx="1">
-            <a:schemeClr val="accent1"/>
-          </a:fillRef>
-          <a:effectRef idx="0">
-            <a:schemeClr val="accent1"/>
-          </a:effectRef>
-          <a:fontRef idx="minor">
-            <a:schemeClr val="lt1"/>
-          </a:fontRef>
-        </p:style>
-        <p:txBody>
-          <a:bodyPr rtlCol="0" anchor="ctr"/>
-          <a:lstStyle/>
-          <a:p>
-            <a:pPr algn="ctr"/>
-            <a:r>
-              <a:rPr lang="en-US" altLang="ko-KR" sz="1000" dirty="0"/>
-              <a:t>Execution Env</a:t>
-            </a:r>
-            <a:endParaRPr lang="ko-KR" altLang="en-US" sz="1000" dirty="0"/>
-          </a:p>
-        </p:txBody>
-      </p:sp>
-      <p:sp>
-        <p:nvSpPr>
-          <p:cNvPr id="26" name="직사각형 25">
-            <a:extLst>
-              <a:ext uri="{FF2B5EF4-FFF2-40B4-BE49-F238E27FC236}">
-                <a16:creationId xmlns:a16="http://schemas.microsoft.com/office/drawing/2014/main" id="{D3AAFD0D-4D88-495D-8324-BA0BA0EBAB9D}"/>
-              </a:ext>
-            </a:extLst>
-          </p:cNvPr>
-          <p:cNvSpPr/>
-          <p:nvPr/>
-        </p:nvSpPr>
-        <p:spPr>
-          <a:xfrm>
-            <a:off x="4427260" y="4205238"/>
-            <a:ext cx="1412881" cy="293856"/>
-          </a:xfrm>
-          <a:prstGeom prst="rect">
-            <a:avLst/>
-          </a:prstGeom>
-        </p:spPr>
-        <p:style>
-          <a:lnRef idx="2">
-            <a:schemeClr val="accent1">
-              <a:shade val="50000"/>
-            </a:schemeClr>
-          </a:lnRef>
-          <a:fillRef idx="1">
-            <a:schemeClr val="accent1"/>
-          </a:fillRef>
-          <a:effectRef idx="0">
-            <a:schemeClr val="accent1"/>
-          </a:effectRef>
-          <a:fontRef idx="minor">
-            <a:schemeClr val="lt1"/>
-          </a:fontRef>
-        </p:style>
-        <p:txBody>
-          <a:bodyPr rtlCol="0" anchor="ctr"/>
-          <a:lstStyle/>
-          <a:p>
-            <a:pPr algn="ctr"/>
-            <a:r>
-              <a:rPr lang="en-US" altLang="ko-KR" sz="1000" dirty="0"/>
-              <a:t>Load Execution Env</a:t>
-            </a:r>
-            <a:endParaRPr lang="ko-KR" altLang="en-US" sz="1000" dirty="0"/>
-          </a:p>
-        </p:txBody>
-      </p:sp>
-      <p:sp>
-        <p:nvSpPr>
-          <p:cNvPr id="27" name="직사각형 26">
-            <a:extLst>
-              <a:ext uri="{FF2B5EF4-FFF2-40B4-BE49-F238E27FC236}">
-                <a16:creationId xmlns:a16="http://schemas.microsoft.com/office/drawing/2014/main" id="{9587038C-5D4C-48CC-8AC8-1E704C51C472}"/>
-              </a:ext>
-            </a:extLst>
-          </p:cNvPr>
-          <p:cNvSpPr/>
-          <p:nvPr/>
-        </p:nvSpPr>
-        <p:spPr>
-          <a:xfrm>
-            <a:off x="6014760" y="4205238"/>
-            <a:ext cx="1163549" cy="293856"/>
-          </a:xfrm>
-          <a:prstGeom prst="rect">
-            <a:avLst/>
-          </a:prstGeom>
-        </p:spPr>
-        <p:style>
-          <a:lnRef idx="2">
-            <a:schemeClr val="accent1">
-              <a:shade val="50000"/>
-            </a:schemeClr>
-          </a:lnRef>
-          <a:fillRef idx="1">
-            <a:schemeClr val="accent1"/>
-          </a:fillRef>
-          <a:effectRef idx="0">
-            <a:schemeClr val="accent1"/>
-          </a:effectRef>
-          <a:fontRef idx="minor">
-            <a:schemeClr val="lt1"/>
-          </a:fontRef>
-        </p:style>
-        <p:txBody>
-          <a:bodyPr rtlCol="0" anchor="ctr"/>
-          <a:lstStyle/>
-          <a:p>
-            <a:pPr algn="ctr"/>
-            <a:r>
-              <a:rPr lang="en-US" altLang="ko-KR" sz="1000" dirty="0"/>
-              <a:t>Execution Env</a:t>
-            </a:r>
-            <a:endParaRPr lang="ko-KR" altLang="en-US" sz="1000" dirty="0"/>
-          </a:p>
-        </p:txBody>
-      </p:sp>
-      <p:sp>
-        <p:nvSpPr>
-          <p:cNvPr id="28" name="직사각형 27">
-            <a:extLst>
-              <a:ext uri="{FF2B5EF4-FFF2-40B4-BE49-F238E27FC236}">
-                <a16:creationId xmlns:a16="http://schemas.microsoft.com/office/drawing/2014/main" id="{0B15446B-19C1-496B-AF15-8D4632C0E3C7}"/>
-              </a:ext>
-            </a:extLst>
-          </p:cNvPr>
-          <p:cNvSpPr/>
-          <p:nvPr/>
-        </p:nvSpPr>
-        <p:spPr>
-          <a:xfrm>
-            <a:off x="7335560" y="4205238"/>
-            <a:ext cx="1270406" cy="293856"/>
-          </a:xfrm>
-          <a:prstGeom prst="rect">
-            <a:avLst/>
-          </a:prstGeom>
-        </p:spPr>
-        <p:style>
-          <a:lnRef idx="2">
-            <a:schemeClr val="accent1">
-              <a:shade val="50000"/>
-            </a:schemeClr>
-          </a:lnRef>
-          <a:fillRef idx="1">
-            <a:schemeClr val="accent1"/>
-          </a:fillRef>
-          <a:effectRef idx="0">
-            <a:schemeClr val="accent1"/>
-          </a:effectRef>
-          <a:fontRef idx="minor">
-            <a:schemeClr val="lt1"/>
-          </a:fontRef>
-        </p:style>
-        <p:txBody>
-          <a:bodyPr rtlCol="0" anchor="ctr"/>
-          <a:lstStyle/>
-          <a:p>
-            <a:pPr algn="ctr"/>
-            <a:r>
-              <a:rPr lang="en-US" altLang="ko-KR" sz="1000" dirty="0"/>
-              <a:t>Execution Env</a:t>
-            </a:r>
-            <a:endParaRPr lang="ko-KR" altLang="en-US" sz="1000" dirty="0"/>
-          </a:p>
-        </p:txBody>
-      </p:sp>
-      <p:sp>
-        <p:nvSpPr>
-          <p:cNvPr id="29" name="직사각형 28">
-            <a:extLst>
-              <a:ext uri="{FF2B5EF4-FFF2-40B4-BE49-F238E27FC236}">
-                <a16:creationId xmlns:a16="http://schemas.microsoft.com/office/drawing/2014/main" id="{FEAC25D8-C585-4ADE-BFB3-89BACFDF0C4B}"/>
-              </a:ext>
-            </a:extLst>
-          </p:cNvPr>
-          <p:cNvSpPr/>
-          <p:nvPr/>
-        </p:nvSpPr>
-        <p:spPr>
-          <a:xfrm>
-            <a:off x="8796060" y="4205238"/>
-            <a:ext cx="1163549" cy="293856"/>
-          </a:xfrm>
-          <a:prstGeom prst="rect">
-            <a:avLst/>
-          </a:prstGeom>
-        </p:spPr>
-        <p:style>
-          <a:lnRef idx="2">
-            <a:schemeClr val="accent1">
-              <a:shade val="50000"/>
-            </a:schemeClr>
-          </a:lnRef>
-          <a:fillRef idx="1">
-            <a:schemeClr val="accent1"/>
-          </a:fillRef>
-          <a:effectRef idx="0">
-            <a:schemeClr val="accent1"/>
-          </a:effectRef>
-          <a:fontRef idx="minor">
-            <a:schemeClr val="lt1"/>
-          </a:fontRef>
-        </p:style>
-        <p:txBody>
-          <a:bodyPr rtlCol="0" anchor="ctr"/>
-          <a:lstStyle/>
-          <a:p>
-            <a:pPr algn="ctr"/>
-            <a:r>
-              <a:rPr lang="en-US" altLang="ko-KR" sz="1000" dirty="0"/>
-              <a:t>Execution Env</a:t>
-            </a:r>
-            <a:endParaRPr lang="ko-KR" altLang="en-US" sz="1000" dirty="0"/>
-          </a:p>
-        </p:txBody>
-      </p:sp>
-      <p:cxnSp>
-        <p:nvCxnSpPr>
-          <p:cNvPr id="31" name="직선 화살표 연결선 30">
-            <a:extLst>
-              <a:ext uri="{FF2B5EF4-FFF2-40B4-BE49-F238E27FC236}">
-                <a16:creationId xmlns:a16="http://schemas.microsoft.com/office/drawing/2014/main" id="{9AED4A1E-97CC-4AE8-87FF-96910C6EBBB1}"/>
-              </a:ext>
-            </a:extLst>
-          </p:cNvPr>
-          <p:cNvCxnSpPr>
-            <a:cxnSpLocks/>
-          </p:cNvCxnSpPr>
-          <p:nvPr/>
-        </p:nvCxnSpPr>
-        <p:spPr>
-          <a:xfrm flipH="1">
-            <a:off x="2493686" y="4528673"/>
-            <a:ext cx="7054" cy="824338"/>
-          </a:xfrm>
-          <a:prstGeom prst="straightConnector1">
-            <a:avLst/>
-          </a:prstGeom>
-          <a:ln>
-            <a:tailEnd type="triangle"/>
-          </a:ln>
-        </p:spPr>
-        <p:style>
-          <a:lnRef idx="1">
-            <a:schemeClr val="accent1"/>
-          </a:lnRef>
-          <a:fillRef idx="0">
-            <a:schemeClr val="accent1"/>
-          </a:fillRef>
-          <a:effectRef idx="0">
-            <a:schemeClr val="accent1"/>
-          </a:effectRef>
-          <a:fontRef idx="minor">
-            <a:schemeClr val="tx1"/>
-          </a:fontRef>
-        </p:style>
-      </p:cxnSp>
-      <p:sp>
-        <p:nvSpPr>
-          <p:cNvPr id="35" name="TextBox 34">
-            <a:extLst>
-              <a:ext uri="{FF2B5EF4-FFF2-40B4-BE49-F238E27FC236}">
-                <a16:creationId xmlns:a16="http://schemas.microsoft.com/office/drawing/2014/main" id="{A357ADB4-EE7D-4F25-AE90-0B329AC0DD6D}"/>
-              </a:ext>
-            </a:extLst>
-          </p:cNvPr>
-          <p:cNvSpPr txBox="1"/>
-          <p:nvPr/>
-        </p:nvSpPr>
-        <p:spPr>
-          <a:xfrm>
-            <a:off x="1814237" y="4681493"/>
-            <a:ext cx="673790" cy="338554"/>
-          </a:xfrm>
-          <a:prstGeom prst="rect">
-            <a:avLst/>
-          </a:prstGeom>
-          <a:noFill/>
-        </p:spPr>
-        <p:txBody>
-          <a:bodyPr wrap="square" rtlCol="0">
-            <a:spAutoFit/>
-          </a:bodyPr>
-          <a:lstStyle/>
-          <a:p>
-            <a:r>
-              <a:rPr lang="en-US" altLang="ko-KR" sz="800" dirty="0"/>
-              <a:t>Events Published</a:t>
-            </a:r>
-            <a:endParaRPr lang="ko-KR" altLang="en-US" sz="800" dirty="0"/>
-          </a:p>
-        </p:txBody>
-      </p:sp>
-      <p:cxnSp>
-        <p:nvCxnSpPr>
-          <p:cNvPr id="38" name="직선 화살표 연결선 37">
-            <a:extLst>
-              <a:ext uri="{FF2B5EF4-FFF2-40B4-BE49-F238E27FC236}">
-                <a16:creationId xmlns:a16="http://schemas.microsoft.com/office/drawing/2014/main" id="{B8F4E96A-E04A-424D-BE28-96AEF4B23F37}"/>
-              </a:ext>
-            </a:extLst>
-          </p:cNvPr>
-          <p:cNvCxnSpPr>
-            <a:cxnSpLocks/>
-          </p:cNvCxnSpPr>
-          <p:nvPr/>
-        </p:nvCxnSpPr>
-        <p:spPr>
-          <a:xfrm flipV="1">
-            <a:off x="4125636" y="5360842"/>
-            <a:ext cx="0" cy="30270"/>
-          </a:xfrm>
-          <a:prstGeom prst="straightConnector1">
-            <a:avLst/>
-          </a:prstGeom>
-          <a:ln>
-            <a:tailEnd type="triangle"/>
-          </a:ln>
-        </p:spPr>
-        <p:style>
-          <a:lnRef idx="1">
-            <a:schemeClr val="accent1"/>
-          </a:lnRef>
-          <a:fillRef idx="0">
-            <a:schemeClr val="accent1"/>
-          </a:fillRef>
-          <a:effectRef idx="0">
-            <a:schemeClr val="accent1"/>
-          </a:effectRef>
-          <a:fontRef idx="minor">
-            <a:schemeClr val="tx1"/>
-          </a:fontRef>
-        </p:style>
-      </p:cxnSp>
-      <p:sp>
-        <p:nvSpPr>
-          <p:cNvPr id="39" name="TextBox 38">
-            <a:extLst>
-              <a:ext uri="{FF2B5EF4-FFF2-40B4-BE49-F238E27FC236}">
-                <a16:creationId xmlns:a16="http://schemas.microsoft.com/office/drawing/2014/main" id="{1C471805-9ACA-4C2D-954C-07D40095CC3D}"/>
-              </a:ext>
-            </a:extLst>
-          </p:cNvPr>
-          <p:cNvSpPr txBox="1"/>
-          <p:nvPr/>
-        </p:nvSpPr>
-        <p:spPr>
-          <a:xfrm>
-            <a:off x="3319186" y="4729118"/>
-            <a:ext cx="709397" cy="338554"/>
-          </a:xfrm>
-          <a:prstGeom prst="rect">
-            <a:avLst/>
-          </a:prstGeom>
-          <a:noFill/>
-        </p:spPr>
-        <p:txBody>
-          <a:bodyPr wrap="square" rtlCol="0">
-            <a:spAutoFit/>
-          </a:bodyPr>
-          <a:lstStyle/>
-          <a:p>
-            <a:r>
-              <a:rPr lang="en-US" altLang="ko-KR" sz="800" dirty="0"/>
-              <a:t>Events Subscribed</a:t>
-            </a:r>
-            <a:endParaRPr lang="ko-KR" altLang="en-US" sz="800" dirty="0"/>
-          </a:p>
-        </p:txBody>
-      </p:sp>
-      <p:sp>
-        <p:nvSpPr>
-          <p:cNvPr id="40" name="TextBox 39">
-            <a:extLst>
-              <a:ext uri="{FF2B5EF4-FFF2-40B4-BE49-F238E27FC236}">
-                <a16:creationId xmlns:a16="http://schemas.microsoft.com/office/drawing/2014/main" id="{D46E9749-383A-4757-A828-FF3267269C62}"/>
-              </a:ext>
-            </a:extLst>
-          </p:cNvPr>
-          <p:cNvSpPr txBox="1"/>
-          <p:nvPr/>
-        </p:nvSpPr>
-        <p:spPr>
-          <a:xfrm>
-            <a:off x="5963947" y="4667562"/>
-            <a:ext cx="673790" cy="584775"/>
-          </a:xfrm>
-          <a:prstGeom prst="rect">
-            <a:avLst/>
-          </a:prstGeom>
-          <a:noFill/>
-        </p:spPr>
-        <p:txBody>
-          <a:bodyPr wrap="square" rtlCol="0">
-            <a:spAutoFit/>
-          </a:bodyPr>
-          <a:lstStyle/>
-          <a:p>
-            <a:r>
-              <a:rPr lang="en-US" altLang="ko-KR" sz="800" dirty="0"/>
-              <a:t>Events Published/Subscribed</a:t>
-            </a:r>
-            <a:endParaRPr lang="ko-KR" altLang="en-US" sz="800" dirty="0"/>
-          </a:p>
-        </p:txBody>
-      </p:sp>
-      <p:sp>
-        <p:nvSpPr>
-          <p:cNvPr id="41" name="TextBox 40">
-            <a:extLst>
-              <a:ext uri="{FF2B5EF4-FFF2-40B4-BE49-F238E27FC236}">
-                <a16:creationId xmlns:a16="http://schemas.microsoft.com/office/drawing/2014/main" id="{0A0DD3A5-34CE-46D1-B5BB-1A7207A64E5E}"/>
-              </a:ext>
-            </a:extLst>
-          </p:cNvPr>
-          <p:cNvSpPr txBox="1"/>
-          <p:nvPr/>
-        </p:nvSpPr>
-        <p:spPr>
-          <a:xfrm>
-            <a:off x="4462186" y="4659859"/>
-            <a:ext cx="673790" cy="584775"/>
-          </a:xfrm>
-          <a:prstGeom prst="rect">
-            <a:avLst/>
-          </a:prstGeom>
-          <a:noFill/>
-        </p:spPr>
-        <p:txBody>
-          <a:bodyPr wrap="square" rtlCol="0">
-            <a:spAutoFit/>
-          </a:bodyPr>
-          <a:lstStyle/>
-          <a:p>
-            <a:r>
-              <a:rPr lang="en-US" altLang="ko-KR" sz="800" dirty="0"/>
-              <a:t>Events Published/Subscribed</a:t>
-            </a:r>
-            <a:endParaRPr lang="ko-KR" altLang="en-US" sz="800" dirty="0"/>
-          </a:p>
-        </p:txBody>
-      </p:sp>
-      <p:sp>
-        <p:nvSpPr>
-          <p:cNvPr id="43" name="TextBox 42">
-            <a:extLst>
-              <a:ext uri="{FF2B5EF4-FFF2-40B4-BE49-F238E27FC236}">
-                <a16:creationId xmlns:a16="http://schemas.microsoft.com/office/drawing/2014/main" id="{E44C5ECF-7A0C-410C-A537-E9AD10433B0B}"/>
-              </a:ext>
-            </a:extLst>
-          </p:cNvPr>
-          <p:cNvSpPr txBox="1"/>
-          <p:nvPr/>
-        </p:nvSpPr>
-        <p:spPr>
-          <a:xfrm>
-            <a:off x="7546310" y="4707661"/>
-            <a:ext cx="709397" cy="338554"/>
-          </a:xfrm>
-          <a:prstGeom prst="rect">
-            <a:avLst/>
-          </a:prstGeom>
-          <a:noFill/>
-        </p:spPr>
-        <p:txBody>
-          <a:bodyPr wrap="square" rtlCol="0">
-            <a:spAutoFit/>
-          </a:bodyPr>
-          <a:lstStyle/>
-          <a:p>
-            <a:r>
-              <a:rPr lang="en-US" altLang="ko-KR" sz="800" dirty="0"/>
-              <a:t>Events Subscribed</a:t>
-            </a:r>
-            <a:endParaRPr lang="ko-KR" altLang="en-US" sz="800" dirty="0"/>
-          </a:p>
-        </p:txBody>
-      </p:sp>
-      <p:cxnSp>
-        <p:nvCxnSpPr>
-          <p:cNvPr id="46" name="직선 화살표 연결선 45">
-            <a:extLst>
-              <a:ext uri="{FF2B5EF4-FFF2-40B4-BE49-F238E27FC236}">
-                <a16:creationId xmlns:a16="http://schemas.microsoft.com/office/drawing/2014/main" id="{2C02E26D-E036-4D6D-98AB-F6364D4B2107}"/>
-              </a:ext>
-            </a:extLst>
-          </p:cNvPr>
-          <p:cNvCxnSpPr>
-            <a:cxnSpLocks/>
-          </p:cNvCxnSpPr>
-          <p:nvPr/>
-        </p:nvCxnSpPr>
-        <p:spPr>
-          <a:xfrm flipV="1">
-            <a:off x="9168841" y="4532014"/>
-            <a:ext cx="16731" cy="755453"/>
-          </a:xfrm>
-          <a:prstGeom prst="straightConnector1">
-            <a:avLst/>
-          </a:prstGeom>
-          <a:ln>
-            <a:tailEnd type="triangle"/>
-          </a:ln>
-        </p:spPr>
-        <p:style>
-          <a:lnRef idx="1">
-            <a:schemeClr val="accent1"/>
-          </a:lnRef>
-          <a:fillRef idx="0">
-            <a:schemeClr val="accent1"/>
-          </a:fillRef>
-          <a:effectRef idx="0">
-            <a:schemeClr val="accent1"/>
-          </a:effectRef>
-          <a:fontRef idx="minor">
-            <a:schemeClr val="tx1"/>
-          </a:fontRef>
-        </p:style>
-      </p:cxnSp>
-      <p:cxnSp>
-        <p:nvCxnSpPr>
-          <p:cNvPr id="48" name="직선 화살표 연결선 47">
-            <a:extLst>
-              <a:ext uri="{FF2B5EF4-FFF2-40B4-BE49-F238E27FC236}">
-                <a16:creationId xmlns:a16="http://schemas.microsoft.com/office/drawing/2014/main" id="{35851377-1E79-4F0B-8611-07BC7A7A2F2A}"/>
-              </a:ext>
-            </a:extLst>
-          </p:cNvPr>
-          <p:cNvCxnSpPr>
-            <a:cxnSpLocks/>
-          </p:cNvCxnSpPr>
-          <p:nvPr/>
-        </p:nvCxnSpPr>
-        <p:spPr>
-          <a:xfrm>
-            <a:off x="5322610" y="4516386"/>
-            <a:ext cx="0" cy="812704"/>
-          </a:xfrm>
-          <a:prstGeom prst="straightConnector1">
-            <a:avLst/>
-          </a:prstGeom>
-          <a:ln>
-            <a:tailEnd type="triangle"/>
-          </a:ln>
-        </p:spPr>
-        <p:style>
-          <a:lnRef idx="1">
-            <a:schemeClr val="accent1"/>
-          </a:lnRef>
-          <a:fillRef idx="0">
-            <a:schemeClr val="accent1"/>
-          </a:fillRef>
-          <a:effectRef idx="0">
-            <a:schemeClr val="accent1"/>
-          </a:effectRef>
-          <a:fontRef idx="minor">
-            <a:schemeClr val="tx1"/>
-          </a:fontRef>
-        </p:style>
-      </p:cxnSp>
-      <p:cxnSp>
-        <p:nvCxnSpPr>
-          <p:cNvPr id="49" name="직선 화살표 연결선 48">
-            <a:extLst>
-              <a:ext uri="{FF2B5EF4-FFF2-40B4-BE49-F238E27FC236}">
-                <a16:creationId xmlns:a16="http://schemas.microsoft.com/office/drawing/2014/main" id="{914510FB-F34E-404F-98B8-B0470E291739}"/>
-              </a:ext>
-            </a:extLst>
-          </p:cNvPr>
-          <p:cNvCxnSpPr>
-            <a:cxnSpLocks/>
-          </p:cNvCxnSpPr>
-          <p:nvPr/>
-        </p:nvCxnSpPr>
-        <p:spPr>
-          <a:xfrm flipV="1">
-            <a:off x="6913273" y="5341692"/>
-            <a:ext cx="0" cy="30270"/>
-          </a:xfrm>
-          <a:prstGeom prst="straightConnector1">
-            <a:avLst/>
-          </a:prstGeom>
-          <a:ln>
-            <a:tailEnd type="triangle"/>
-          </a:ln>
-        </p:spPr>
-        <p:style>
-          <a:lnRef idx="1">
-            <a:schemeClr val="accent1"/>
-          </a:lnRef>
-          <a:fillRef idx="0">
-            <a:schemeClr val="accent1"/>
-          </a:fillRef>
-          <a:effectRef idx="0">
-            <a:schemeClr val="accent1"/>
-          </a:effectRef>
-          <a:fontRef idx="minor">
-            <a:schemeClr val="tx1"/>
-          </a:fontRef>
-        </p:style>
-      </p:cxnSp>
-      <p:cxnSp>
-        <p:nvCxnSpPr>
-          <p:cNvPr id="50" name="직선 화살표 연결선 49">
-            <a:extLst>
-              <a:ext uri="{FF2B5EF4-FFF2-40B4-BE49-F238E27FC236}">
-                <a16:creationId xmlns:a16="http://schemas.microsoft.com/office/drawing/2014/main" id="{4206AD40-743B-47BF-A2FE-75C3AE07C539}"/>
-              </a:ext>
-            </a:extLst>
-          </p:cNvPr>
-          <p:cNvCxnSpPr>
-            <a:cxnSpLocks/>
-          </p:cNvCxnSpPr>
-          <p:nvPr/>
-        </p:nvCxnSpPr>
-        <p:spPr>
-          <a:xfrm>
-            <a:off x="6732310" y="4551902"/>
-            <a:ext cx="0" cy="812704"/>
-          </a:xfrm>
-          <a:prstGeom prst="straightConnector1">
-            <a:avLst/>
-          </a:prstGeom>
-          <a:ln>
-            <a:tailEnd type="triangle"/>
-          </a:ln>
-        </p:spPr>
-        <p:style>
-          <a:lnRef idx="1">
-            <a:schemeClr val="accent1"/>
-          </a:lnRef>
-          <a:fillRef idx="0">
-            <a:schemeClr val="accent1"/>
-          </a:fillRef>
-          <a:effectRef idx="0">
-            <a:schemeClr val="accent1"/>
-          </a:effectRef>
-          <a:fontRef idx="minor">
-            <a:schemeClr val="tx1"/>
-          </a:fontRef>
-        </p:style>
-      </p:cxnSp>
-      <p:sp>
-        <p:nvSpPr>
-          <p:cNvPr id="51" name="번개 50">
-            <a:extLst>
-              <a:ext uri="{FF2B5EF4-FFF2-40B4-BE49-F238E27FC236}">
-                <a16:creationId xmlns:a16="http://schemas.microsoft.com/office/drawing/2014/main" id="{F301577C-B5D1-4666-A5EC-F4F0C4408F89}"/>
-              </a:ext>
-            </a:extLst>
-          </p:cNvPr>
-          <p:cNvSpPr/>
-          <p:nvPr/>
-        </p:nvSpPr>
-        <p:spPr>
-          <a:xfrm>
-            <a:off x="2293649" y="4611646"/>
-            <a:ext cx="261215" cy="404047"/>
-          </a:xfrm>
-          <a:prstGeom prst="lightningBolt">
-            <a:avLst/>
-          </a:prstGeom>
-        </p:spPr>
-        <p:style>
-          <a:lnRef idx="2">
-            <a:schemeClr val="accent6">
-              <a:shade val="50000"/>
-            </a:schemeClr>
-          </a:lnRef>
-          <a:fillRef idx="1">
-            <a:schemeClr val="accent6"/>
-          </a:fillRef>
-          <a:effectRef idx="0">
-            <a:schemeClr val="accent6"/>
-          </a:effectRef>
-          <a:fontRef idx="minor">
-            <a:schemeClr val="lt1"/>
-          </a:fontRef>
-        </p:style>
-        <p:txBody>
-          <a:bodyPr rtlCol="0" anchor="ctr"/>
-          <a:lstStyle/>
-          <a:p>
-            <a:pPr algn="ctr"/>
-            <a:endParaRPr lang="ko-KR" altLang="en-US"/>
-          </a:p>
-        </p:txBody>
-      </p:sp>
-      <p:sp>
-        <p:nvSpPr>
-          <p:cNvPr id="52" name="번개 51">
-            <a:extLst>
-              <a:ext uri="{FF2B5EF4-FFF2-40B4-BE49-F238E27FC236}">
-                <a16:creationId xmlns:a16="http://schemas.microsoft.com/office/drawing/2014/main" id="{5DC517F2-282B-47D8-902E-33F50273A806}"/>
-              </a:ext>
-            </a:extLst>
-          </p:cNvPr>
-          <p:cNvSpPr/>
-          <p:nvPr/>
-        </p:nvSpPr>
-        <p:spPr>
-          <a:xfrm>
-            <a:off x="3716748" y="4525501"/>
-            <a:ext cx="261215" cy="404047"/>
-          </a:xfrm>
-          <a:prstGeom prst="lightningBolt">
-            <a:avLst/>
-          </a:prstGeom>
-        </p:spPr>
-        <p:style>
-          <a:lnRef idx="2">
-            <a:schemeClr val="accent6">
-              <a:shade val="50000"/>
-            </a:schemeClr>
-          </a:lnRef>
-          <a:fillRef idx="1">
-            <a:schemeClr val="accent6"/>
-          </a:fillRef>
-          <a:effectRef idx="0">
-            <a:schemeClr val="accent6"/>
-          </a:effectRef>
-          <a:fontRef idx="minor">
-            <a:schemeClr val="lt1"/>
-          </a:fontRef>
-        </p:style>
-        <p:txBody>
-          <a:bodyPr rtlCol="0" anchor="ctr"/>
-          <a:lstStyle/>
-          <a:p>
-            <a:pPr algn="ctr"/>
-            <a:endParaRPr lang="ko-KR" altLang="en-US"/>
-          </a:p>
-        </p:txBody>
-      </p:sp>
-      <p:sp>
-        <p:nvSpPr>
-          <p:cNvPr id="54" name="번개 53">
-            <a:extLst>
-              <a:ext uri="{FF2B5EF4-FFF2-40B4-BE49-F238E27FC236}">
-                <a16:creationId xmlns:a16="http://schemas.microsoft.com/office/drawing/2014/main" id="{1CEA9DA3-E972-4245-A5EB-90601A6249FE}"/>
-              </a:ext>
-            </a:extLst>
-          </p:cNvPr>
-          <p:cNvSpPr/>
-          <p:nvPr/>
-        </p:nvSpPr>
-        <p:spPr>
-          <a:xfrm>
-            <a:off x="5206699" y="4583866"/>
-            <a:ext cx="261215" cy="404047"/>
-          </a:xfrm>
-          <a:prstGeom prst="lightningBolt">
-            <a:avLst/>
-          </a:prstGeom>
-        </p:spPr>
-        <p:style>
-          <a:lnRef idx="2">
-            <a:schemeClr val="accent6">
-              <a:shade val="50000"/>
-            </a:schemeClr>
-          </a:lnRef>
-          <a:fillRef idx="1">
-            <a:schemeClr val="accent6"/>
-          </a:fillRef>
-          <a:effectRef idx="0">
-            <a:schemeClr val="accent6"/>
-          </a:effectRef>
-          <a:fontRef idx="minor">
-            <a:schemeClr val="lt1"/>
-          </a:fontRef>
-        </p:style>
-        <p:txBody>
-          <a:bodyPr rtlCol="0" anchor="ctr"/>
-          <a:lstStyle/>
-          <a:p>
-            <a:pPr algn="ctr"/>
-            <a:endParaRPr lang="ko-KR" altLang="en-US"/>
-          </a:p>
-        </p:txBody>
-      </p:sp>
-      <p:sp>
-        <p:nvSpPr>
-          <p:cNvPr id="55" name="번개 54">
-            <a:extLst>
-              <a:ext uri="{FF2B5EF4-FFF2-40B4-BE49-F238E27FC236}">
-                <a16:creationId xmlns:a16="http://schemas.microsoft.com/office/drawing/2014/main" id="{92B74832-C077-47E8-BAF2-02C74AC591BE}"/>
-              </a:ext>
-            </a:extLst>
-          </p:cNvPr>
-          <p:cNvSpPr/>
-          <p:nvPr/>
-        </p:nvSpPr>
-        <p:spPr>
-          <a:xfrm>
-            <a:off x="6627513" y="4667561"/>
-            <a:ext cx="261215" cy="404047"/>
-          </a:xfrm>
-          <a:prstGeom prst="lightningBolt">
-            <a:avLst/>
-          </a:prstGeom>
-        </p:spPr>
-        <p:style>
-          <a:lnRef idx="2">
-            <a:schemeClr val="accent6">
-              <a:shade val="50000"/>
-            </a:schemeClr>
-          </a:lnRef>
-          <a:fillRef idx="1">
-            <a:schemeClr val="accent6"/>
-          </a:fillRef>
-          <a:effectRef idx="0">
-            <a:schemeClr val="accent6"/>
-          </a:effectRef>
-          <a:fontRef idx="minor">
-            <a:schemeClr val="lt1"/>
-          </a:fontRef>
-        </p:style>
-        <p:txBody>
-          <a:bodyPr rtlCol="0" anchor="ctr"/>
-          <a:lstStyle/>
-          <a:p>
-            <a:pPr algn="ctr"/>
-            <a:endParaRPr lang="ko-KR" altLang="en-US"/>
-          </a:p>
-        </p:txBody>
-      </p:sp>
-      <p:sp>
-        <p:nvSpPr>
-          <p:cNvPr id="56" name="번개 55">
-            <a:extLst>
-              <a:ext uri="{FF2B5EF4-FFF2-40B4-BE49-F238E27FC236}">
-                <a16:creationId xmlns:a16="http://schemas.microsoft.com/office/drawing/2014/main" id="{692C974A-D065-4A7A-9B63-BE0A7F6EB937}"/>
-              </a:ext>
-            </a:extLst>
-          </p:cNvPr>
-          <p:cNvSpPr/>
-          <p:nvPr/>
-        </p:nvSpPr>
-        <p:spPr>
-          <a:xfrm>
-            <a:off x="8997063" y="4628288"/>
-            <a:ext cx="261215" cy="404047"/>
-          </a:xfrm>
-          <a:prstGeom prst="lightningBolt">
-            <a:avLst/>
-          </a:prstGeom>
-        </p:spPr>
-        <p:style>
-          <a:lnRef idx="2">
-            <a:schemeClr val="accent6">
-              <a:shade val="50000"/>
-            </a:schemeClr>
-          </a:lnRef>
-          <a:fillRef idx="1">
-            <a:schemeClr val="accent6"/>
-          </a:fillRef>
-          <a:effectRef idx="0">
-            <a:schemeClr val="accent6"/>
-          </a:effectRef>
-          <a:fontRef idx="minor">
-            <a:schemeClr val="lt1"/>
-          </a:fontRef>
-        </p:style>
-        <p:txBody>
-          <a:bodyPr rtlCol="0" anchor="ctr"/>
-          <a:lstStyle/>
-          <a:p>
-            <a:pPr algn="ctr"/>
-            <a:endParaRPr lang="ko-KR" altLang="en-US"/>
-          </a:p>
-        </p:txBody>
-      </p:sp>
-      <p:sp>
-        <p:nvSpPr>
-          <p:cNvPr id="58" name="TextBox 57">
-            <a:extLst>
-              <a:ext uri="{FF2B5EF4-FFF2-40B4-BE49-F238E27FC236}">
-                <a16:creationId xmlns:a16="http://schemas.microsoft.com/office/drawing/2014/main" id="{453E64D4-0AE0-4BA5-96DC-4EE20159A862}"/>
-              </a:ext>
-            </a:extLst>
-          </p:cNvPr>
-          <p:cNvSpPr txBox="1"/>
-          <p:nvPr/>
-        </p:nvSpPr>
-        <p:spPr>
-          <a:xfrm>
-            <a:off x="1871386" y="726515"/>
-            <a:ext cx="1977750" cy="646331"/>
-          </a:xfrm>
-          <a:prstGeom prst="rect">
-            <a:avLst/>
-          </a:prstGeom>
-          <a:noFill/>
-        </p:spPr>
-        <p:txBody>
-          <a:bodyPr wrap="square" rtlCol="0">
-            <a:spAutoFit/>
-          </a:bodyPr>
-          <a:lstStyle/>
-          <a:p>
-            <a:r>
-              <a:rPr lang="en-US" altLang="ko-KR" dirty="0"/>
-              <a:t>Outer Architecture</a:t>
-            </a:r>
-            <a:endParaRPr lang="ko-KR" altLang="en-US" dirty="0"/>
-          </a:p>
-        </p:txBody>
-      </p:sp>
-      <p:pic>
-        <p:nvPicPr>
-          <p:cNvPr id="60" name="그래픽 59" descr="스마트폰">
-            <a:extLst>
-              <a:ext uri="{FF2B5EF4-FFF2-40B4-BE49-F238E27FC236}">
-                <a16:creationId xmlns:a16="http://schemas.microsoft.com/office/drawing/2014/main" id="{1B562B10-B6C5-4CCF-A3F2-8084AC6DE5E8}"/>
-              </a:ext>
-            </a:extLst>
-          </p:cNvPr>
-          <p:cNvPicPr>
-            <a:picLocks noChangeAspect="1"/>
-          </p:cNvPicPr>
-          <p:nvPr/>
-        </p:nvPicPr>
-        <p:blipFill>
-          <a:blip r:embed="rId2">
-            <a:extLst>
-              <a:ext uri="{28A0092B-C50C-407E-A947-70E740481C1C}">
-                <a14:useLocalDpi xmlns:a14="http://schemas.microsoft.com/office/drawing/2010/main" val="0"/>
-              </a:ext>
-              <a:ext uri="{96DAC541-7B7A-43D3-8B79-37D633B846F1}">
-                <asvg:svgBlip xmlns:asvg="http://schemas.microsoft.com/office/drawing/2016/SVG/main" r:embed="rId3"/>
-              </a:ext>
-            </a:extLst>
-          </a:blip>
-          <a:stretch>
-            <a:fillRect/>
-          </a:stretch>
-        </p:blipFill>
-        <p:spPr>
-          <a:xfrm>
-            <a:off x="4893099" y="786348"/>
-            <a:ext cx="524273" cy="524273"/>
-          </a:xfrm>
-          <a:prstGeom prst="rect">
-            <a:avLst/>
-          </a:prstGeom>
-        </p:spPr>
-      </p:pic>
-      <p:pic>
-        <p:nvPicPr>
-          <p:cNvPr id="62" name="그래픽 61" descr="구름">
-            <a:extLst>
-              <a:ext uri="{FF2B5EF4-FFF2-40B4-BE49-F238E27FC236}">
-                <a16:creationId xmlns:a16="http://schemas.microsoft.com/office/drawing/2014/main" id="{EAD00BFB-38D6-4531-91C7-5B833028FE23}"/>
-              </a:ext>
-            </a:extLst>
-          </p:cNvPr>
-          <p:cNvPicPr>
-            <a:picLocks noChangeAspect="1"/>
-          </p:cNvPicPr>
-          <p:nvPr/>
-        </p:nvPicPr>
-        <p:blipFill>
-          <a:blip r:embed="rId4">
-            <a:extLst>
-              <a:ext uri="{28A0092B-C50C-407E-A947-70E740481C1C}">
-                <a14:useLocalDpi xmlns:a14="http://schemas.microsoft.com/office/drawing/2010/main" val="0"/>
-              </a:ext>
-              <a:ext uri="{96DAC541-7B7A-43D3-8B79-37D633B846F1}">
-                <asvg:svgBlip xmlns:asvg="http://schemas.microsoft.com/office/drawing/2016/SVG/main" r:embed="rId5"/>
-              </a:ext>
-            </a:extLst>
-          </a:blip>
-          <a:stretch>
-            <a:fillRect/>
-          </a:stretch>
-        </p:blipFill>
-        <p:spPr>
-          <a:xfrm>
-            <a:off x="5822673" y="739041"/>
-            <a:ext cx="569345" cy="569345"/>
-          </a:xfrm>
-          <a:prstGeom prst="rect">
-            <a:avLst/>
-          </a:prstGeom>
-        </p:spPr>
-      </p:pic>
-      <p:pic>
-        <p:nvPicPr>
-          <p:cNvPr id="64" name="그래픽 63" descr="랩톱">
-            <a:extLst>
-              <a:ext uri="{FF2B5EF4-FFF2-40B4-BE49-F238E27FC236}">
-                <a16:creationId xmlns:a16="http://schemas.microsoft.com/office/drawing/2014/main" id="{CE0451AB-1B75-46B4-B848-14E4BE6CF77D}"/>
-              </a:ext>
-            </a:extLst>
-          </p:cNvPr>
-          <p:cNvPicPr>
-            <a:picLocks noChangeAspect="1"/>
-          </p:cNvPicPr>
-          <p:nvPr/>
-        </p:nvPicPr>
-        <p:blipFill>
-          <a:blip r:embed="rId6">
-            <a:extLst>
-              <a:ext uri="{28A0092B-C50C-407E-A947-70E740481C1C}">
-                <a14:useLocalDpi xmlns:a14="http://schemas.microsoft.com/office/drawing/2010/main" val="0"/>
-              </a:ext>
-              <a:ext uri="{96DAC541-7B7A-43D3-8B79-37D633B846F1}">
-                <asvg:svgBlip xmlns:asvg="http://schemas.microsoft.com/office/drawing/2016/SVG/main" r:embed="rId7"/>
-              </a:ext>
-            </a:extLst>
-          </a:blip>
-          <a:stretch>
-            <a:fillRect/>
-          </a:stretch>
-        </p:blipFill>
-        <p:spPr>
-          <a:xfrm>
-            <a:off x="6949780" y="739041"/>
-            <a:ext cx="584281" cy="584281"/>
-          </a:xfrm>
-          <a:prstGeom prst="rect">
-            <a:avLst/>
-          </a:prstGeom>
-        </p:spPr>
-      </p:pic>
-      <p:cxnSp>
-        <p:nvCxnSpPr>
-          <p:cNvPr id="66" name="직선 화살표 연결선 65">
-            <a:extLst>
-              <a:ext uri="{FF2B5EF4-FFF2-40B4-BE49-F238E27FC236}">
-                <a16:creationId xmlns:a16="http://schemas.microsoft.com/office/drawing/2014/main" id="{03A5FF69-57E5-498C-80B2-51C7BCEB143E}"/>
-              </a:ext>
-            </a:extLst>
-          </p:cNvPr>
-          <p:cNvCxnSpPr>
-            <a:cxnSpLocks/>
-          </p:cNvCxnSpPr>
-          <p:nvPr/>
-        </p:nvCxnSpPr>
-        <p:spPr>
-          <a:xfrm flipH="1">
-            <a:off x="6144937" y="1345084"/>
-            <a:ext cx="1" cy="482952"/>
-          </a:xfrm>
-          <a:prstGeom prst="straightConnector1">
-            <a:avLst/>
-          </a:prstGeom>
-          <a:ln>
-            <a:tailEnd type="triangle"/>
-          </a:ln>
-        </p:spPr>
-        <p:style>
-          <a:lnRef idx="1">
-            <a:schemeClr val="accent1"/>
-          </a:lnRef>
-          <a:fillRef idx="0">
-            <a:schemeClr val="accent1"/>
-          </a:fillRef>
-          <a:effectRef idx="0">
-            <a:schemeClr val="accent1"/>
-          </a:effectRef>
-          <a:fontRef idx="minor">
-            <a:schemeClr val="tx1"/>
-          </a:fontRef>
-        </p:style>
-      </p:cxnSp>
-      <p:cxnSp>
-        <p:nvCxnSpPr>
-          <p:cNvPr id="68" name="직선 화살표 연결선 67">
-            <a:extLst>
-              <a:ext uri="{FF2B5EF4-FFF2-40B4-BE49-F238E27FC236}">
-                <a16:creationId xmlns:a16="http://schemas.microsoft.com/office/drawing/2014/main" id="{D49730AC-E64E-41ED-A098-C9E3A6DD4493}"/>
-              </a:ext>
-            </a:extLst>
-          </p:cNvPr>
-          <p:cNvCxnSpPr>
-            <a:cxnSpLocks/>
-            <a:stCxn id="60" idx="2"/>
-          </p:cNvCxnSpPr>
-          <p:nvPr/>
-        </p:nvCxnSpPr>
-        <p:spPr>
-          <a:xfrm>
-            <a:off x="5155236" y="1310621"/>
-            <a:ext cx="9763" cy="519776"/>
-          </a:xfrm>
-          <a:prstGeom prst="straightConnector1">
-            <a:avLst/>
-          </a:prstGeom>
-          <a:ln>
-            <a:tailEnd type="triangle"/>
-          </a:ln>
-        </p:spPr>
-        <p:style>
-          <a:lnRef idx="1">
-            <a:schemeClr val="accent1"/>
-          </a:lnRef>
-          <a:fillRef idx="0">
-            <a:schemeClr val="accent1"/>
-          </a:fillRef>
-          <a:effectRef idx="0">
-            <a:schemeClr val="accent1"/>
-          </a:effectRef>
-          <a:fontRef idx="minor">
-            <a:schemeClr val="tx1"/>
-          </a:fontRef>
-        </p:style>
-      </p:cxnSp>
-      <p:cxnSp>
-        <p:nvCxnSpPr>
-          <p:cNvPr id="71" name="직선 화살표 연결선 70">
-            <a:extLst>
-              <a:ext uri="{FF2B5EF4-FFF2-40B4-BE49-F238E27FC236}">
-                <a16:creationId xmlns:a16="http://schemas.microsoft.com/office/drawing/2014/main" id="{2470FB8D-23A5-4C06-B0AC-298B02009239}"/>
-              </a:ext>
-            </a:extLst>
-          </p:cNvPr>
-          <p:cNvCxnSpPr>
-            <a:cxnSpLocks/>
-            <a:stCxn id="64" idx="2"/>
-          </p:cNvCxnSpPr>
-          <p:nvPr/>
-        </p:nvCxnSpPr>
-        <p:spPr>
-          <a:xfrm>
-            <a:off x="7241921" y="1323322"/>
-            <a:ext cx="10881" cy="507075"/>
-          </a:xfrm>
-          <a:prstGeom prst="straightConnector1">
-            <a:avLst/>
-          </a:prstGeom>
-          <a:ln>
-            <a:tailEnd type="triangle"/>
-          </a:ln>
-        </p:spPr>
-        <p:style>
-          <a:lnRef idx="1">
-            <a:schemeClr val="accent1"/>
-          </a:lnRef>
-          <a:fillRef idx="0">
-            <a:schemeClr val="accent1"/>
-          </a:fillRef>
-          <a:effectRef idx="0">
-            <a:schemeClr val="accent1"/>
-          </a:effectRef>
-          <a:fontRef idx="minor">
-            <a:schemeClr val="tx1"/>
-          </a:fontRef>
-        </p:style>
-      </p:cxnSp>
-      <p:cxnSp>
-        <p:nvCxnSpPr>
-          <p:cNvPr id="77" name="연결선: 꺾임 76">
-            <a:extLst>
-              <a:ext uri="{FF2B5EF4-FFF2-40B4-BE49-F238E27FC236}">
-                <a16:creationId xmlns:a16="http://schemas.microsoft.com/office/drawing/2014/main" id="{52585B62-461C-4EAC-A122-E3244E8C9B3C}"/>
-              </a:ext>
-            </a:extLst>
-          </p:cNvPr>
-          <p:cNvCxnSpPr>
-            <a:cxnSpLocks/>
-            <a:stCxn id="4" idx="2"/>
-            <a:endCxn id="16" idx="0"/>
-          </p:cNvCxnSpPr>
-          <p:nvPr/>
-        </p:nvCxnSpPr>
-        <p:spPr>
-          <a:xfrm rot="5400000">
-            <a:off x="3790601" y="1152198"/>
-            <a:ext cx="598357" cy="3280679"/>
-          </a:xfrm>
-          <a:prstGeom prst="bentConnector3">
-            <a:avLst>
-              <a:gd name="adj1" fmla="val 76638"/>
-            </a:avLst>
-          </a:prstGeom>
-          <a:ln>
-            <a:tailEnd type="triangle"/>
-          </a:ln>
-        </p:spPr>
-        <p:style>
-          <a:lnRef idx="1">
-            <a:schemeClr val="accent1"/>
-          </a:lnRef>
-          <a:fillRef idx="0">
-            <a:schemeClr val="accent1"/>
-          </a:fillRef>
-          <a:effectRef idx="0">
-            <a:schemeClr val="accent1"/>
-          </a:effectRef>
-          <a:fontRef idx="minor">
-            <a:schemeClr val="tx1"/>
-          </a:fontRef>
-        </p:style>
-      </p:cxnSp>
-      <p:cxnSp>
-        <p:nvCxnSpPr>
-          <p:cNvPr id="59" name="연결선: 꺾임 58">
-            <a:extLst>
-              <a:ext uri="{FF2B5EF4-FFF2-40B4-BE49-F238E27FC236}">
-                <a16:creationId xmlns:a16="http://schemas.microsoft.com/office/drawing/2014/main" id="{D6B35727-251C-4DD2-8727-734318079507}"/>
-              </a:ext>
-            </a:extLst>
-          </p:cNvPr>
-          <p:cNvCxnSpPr>
-            <a:cxnSpLocks/>
-            <a:stCxn id="4" idx="2"/>
-            <a:endCxn id="17" idx="0"/>
-          </p:cNvCxnSpPr>
-          <p:nvPr/>
-        </p:nvCxnSpPr>
-        <p:spPr>
-          <a:xfrm rot="5400000">
-            <a:off x="4444577" y="1806174"/>
-            <a:ext cx="598357" cy="1972726"/>
-          </a:xfrm>
-          <a:prstGeom prst="bentConnector3">
-            <a:avLst>
-              <a:gd name="adj1" fmla="val 76638"/>
-            </a:avLst>
-          </a:prstGeom>
-          <a:ln>
-            <a:tailEnd type="triangle"/>
-          </a:ln>
-        </p:spPr>
-        <p:style>
-          <a:lnRef idx="1">
-            <a:schemeClr val="accent1"/>
-          </a:lnRef>
-          <a:fillRef idx="0">
-            <a:schemeClr val="accent1"/>
-          </a:fillRef>
-          <a:effectRef idx="0">
-            <a:schemeClr val="accent1"/>
-          </a:effectRef>
-          <a:fontRef idx="minor">
-            <a:schemeClr val="tx1"/>
-          </a:fontRef>
-        </p:style>
-      </p:cxnSp>
-      <p:sp>
-        <p:nvSpPr>
-          <p:cNvPr id="69" name="직사각형 68">
-            <a:extLst>
-              <a:ext uri="{FF2B5EF4-FFF2-40B4-BE49-F238E27FC236}">
-                <a16:creationId xmlns:a16="http://schemas.microsoft.com/office/drawing/2014/main" id="{4890601A-40E0-41C3-89F5-D391A23E418F}"/>
-              </a:ext>
-            </a:extLst>
-          </p:cNvPr>
-          <p:cNvSpPr/>
-          <p:nvPr/>
-        </p:nvSpPr>
-        <p:spPr>
-          <a:xfrm>
-            <a:off x="523667" y="143761"/>
-            <a:ext cx="3254929" cy="478173"/>
-          </a:xfrm>
-          <a:prstGeom prst="rect">
-            <a:avLst/>
-          </a:prstGeom>
-        </p:spPr>
-        <p:style>
-          <a:lnRef idx="0">
-            <a:schemeClr val="accent3"/>
-          </a:lnRef>
-          <a:fillRef idx="3">
-            <a:schemeClr val="accent3"/>
-          </a:fillRef>
-          <a:effectRef idx="3">
-            <a:schemeClr val="accent3"/>
-          </a:effectRef>
-          <a:fontRef idx="minor">
-            <a:schemeClr val="lt1"/>
-          </a:fontRef>
-        </p:style>
-        <p:txBody>
-          <a:bodyPr rot="0" spcFirstLastPara="0" vertOverflow="overflow" horzOverflow="overflow" vert="horz" wrap="square" lIns="91440" tIns="45720" rIns="91440" bIns="45720" numCol="1" spcCol="0" rtlCol="0" fromWordArt="0" anchor="ctr" anchorCtr="0" forceAA="0" compatLnSpc="1">
-            <a:prstTxWarp prst="textNoShape">
-              <a:avLst/>
-            </a:prstTxWarp>
-            <a:noAutofit/>
-          </a:bodyPr>
-          <a:lstStyle/>
-          <a:p>
-            <a:pPr algn="ctr"/>
-            <a:r>
-              <a:rPr lang="ko-KR" altLang="en-US" b="1" dirty="0">
-                <a:ln w="10160">
-                  <a:solidFill>
-                    <a:schemeClr val="accent5"/>
-                  </a:solidFill>
-                  <a:prstDash val="solid"/>
-                </a:ln>
-                <a:solidFill>
-                  <a:srgbClr val="FFFFFF"/>
-                </a:solidFill>
-                <a:effectLst>
-                  <a:outerShdw blurRad="38100" dist="22860" dir="5400000" algn="tl" rotWithShape="0">
-                    <a:srgbClr val="000000">
-                      <a:alpha val="30000"/>
-                    </a:srgbClr>
-                  </a:outerShdw>
-                </a:effectLst>
-                <a:latin typeface="맑은 고딕" panose="020B0503020000020004" pitchFamily="50" charset="-127"/>
-              </a:rPr>
-              <a:t>클라우드 아키텍처 구성</a:t>
-            </a:r>
-            <a:endParaRPr lang="ko-KR" altLang="en-US" b="1" dirty="0">
-              <a:ln w="10160">
-                <a:solidFill>
-                  <a:schemeClr val="accent5"/>
-                </a:solidFill>
-                <a:prstDash val="solid"/>
-              </a:ln>
-              <a:solidFill>
-                <a:srgbClr val="FFFFFF"/>
-              </a:solidFill>
-              <a:effectLst>
-                <a:outerShdw blurRad="38100" dist="22860" dir="5400000" algn="tl" rotWithShape="0">
-                  <a:srgbClr val="000000">
-                    <a:alpha val="30000"/>
-                  </a:srgbClr>
-                </a:outerShdw>
-              </a:effectLst>
-            </a:endParaRPr>
-          </a:p>
-        </p:txBody>
-      </p:sp>
-      <p:cxnSp>
-        <p:nvCxnSpPr>
-          <p:cNvPr id="47" name="직선 화살표 연결선 46">
-            <a:extLst>
-              <a:ext uri="{FF2B5EF4-FFF2-40B4-BE49-F238E27FC236}">
-                <a16:creationId xmlns:a16="http://schemas.microsoft.com/office/drawing/2014/main" id="{9D78F892-0528-4A20-9351-5E22E1581E58}"/>
-              </a:ext>
-            </a:extLst>
-          </p:cNvPr>
-          <p:cNvCxnSpPr>
-            <a:cxnSpLocks/>
-          </p:cNvCxnSpPr>
-          <p:nvPr/>
-        </p:nvCxnSpPr>
-        <p:spPr>
-          <a:xfrm flipV="1">
-            <a:off x="5503573" y="4551902"/>
-            <a:ext cx="0" cy="784544"/>
-          </a:xfrm>
-          <a:prstGeom prst="straightConnector1">
-            <a:avLst/>
-          </a:prstGeom>
-          <a:ln>
-            <a:tailEnd type="triangle"/>
-          </a:ln>
-        </p:spPr>
-        <p:style>
-          <a:lnRef idx="1">
-            <a:schemeClr val="accent1"/>
-          </a:lnRef>
-          <a:fillRef idx="0">
-            <a:schemeClr val="accent1"/>
-          </a:fillRef>
-          <a:effectRef idx="0">
-            <a:schemeClr val="accent1"/>
-          </a:effectRef>
-          <a:fontRef idx="minor">
-            <a:schemeClr val="tx1"/>
-          </a:fontRef>
-        </p:style>
-      </p:cxnSp>
-      <p:cxnSp>
-        <p:nvCxnSpPr>
-          <p:cNvPr id="61" name="직선 화살표 연결선 60">
-            <a:extLst>
-              <a:ext uri="{FF2B5EF4-FFF2-40B4-BE49-F238E27FC236}">
-                <a16:creationId xmlns:a16="http://schemas.microsoft.com/office/drawing/2014/main" id="{B583F4C3-2F80-40EE-868B-EB3C97F0C272}"/>
-              </a:ext>
-            </a:extLst>
-          </p:cNvPr>
-          <p:cNvCxnSpPr>
-            <a:cxnSpLocks/>
-          </p:cNvCxnSpPr>
-          <p:nvPr/>
-        </p:nvCxnSpPr>
-        <p:spPr>
-          <a:xfrm>
-            <a:off x="3878613" y="4535343"/>
-            <a:ext cx="0" cy="812704"/>
-          </a:xfrm>
-          <a:prstGeom prst="straightConnector1">
-            <a:avLst/>
-          </a:prstGeom>
-          <a:ln>
-            <a:tailEnd type="triangle"/>
-          </a:ln>
-        </p:spPr>
-        <p:style>
-          <a:lnRef idx="1">
-            <a:schemeClr val="accent1"/>
-          </a:lnRef>
-          <a:fillRef idx="0">
-            <a:schemeClr val="accent1"/>
-          </a:fillRef>
-          <a:effectRef idx="0">
-            <a:schemeClr val="accent1"/>
-          </a:effectRef>
-          <a:fontRef idx="minor">
-            <a:schemeClr val="tx1"/>
-          </a:fontRef>
-        </p:style>
-      </p:cxnSp>
-      <p:cxnSp>
-        <p:nvCxnSpPr>
-          <p:cNvPr id="63" name="직선 화살표 연결선 62">
-            <a:extLst>
-              <a:ext uri="{FF2B5EF4-FFF2-40B4-BE49-F238E27FC236}">
-                <a16:creationId xmlns:a16="http://schemas.microsoft.com/office/drawing/2014/main" id="{F3B4F2BE-337B-4BF3-895D-3BCACEF12ECE}"/>
-              </a:ext>
-            </a:extLst>
-          </p:cNvPr>
-          <p:cNvCxnSpPr>
-            <a:cxnSpLocks/>
-          </p:cNvCxnSpPr>
-          <p:nvPr/>
-        </p:nvCxnSpPr>
-        <p:spPr>
-          <a:xfrm flipV="1">
-            <a:off x="3958908" y="4535343"/>
-            <a:ext cx="0" cy="784544"/>
-          </a:xfrm>
-          <a:prstGeom prst="straightConnector1">
-            <a:avLst/>
-          </a:prstGeom>
-          <a:ln>
-            <a:tailEnd type="triangle"/>
-          </a:ln>
-        </p:spPr>
-        <p:style>
-          <a:lnRef idx="1">
-            <a:schemeClr val="accent1"/>
-          </a:lnRef>
-          <a:fillRef idx="0">
-            <a:schemeClr val="accent1"/>
-          </a:fillRef>
-          <a:effectRef idx="0">
-            <a:schemeClr val="accent1"/>
-          </a:effectRef>
-          <a:fontRef idx="minor">
-            <a:schemeClr val="tx1"/>
-          </a:fontRef>
-        </p:style>
-      </p:cxnSp>
-      <p:cxnSp>
-        <p:nvCxnSpPr>
-          <p:cNvPr id="65" name="직선 화살표 연결선 64">
-            <a:extLst>
-              <a:ext uri="{FF2B5EF4-FFF2-40B4-BE49-F238E27FC236}">
-                <a16:creationId xmlns:a16="http://schemas.microsoft.com/office/drawing/2014/main" id="{894F5E9D-48D8-43D7-9FCC-CDEA6C5785FB}"/>
-              </a:ext>
-            </a:extLst>
-          </p:cNvPr>
-          <p:cNvCxnSpPr>
-            <a:cxnSpLocks/>
-          </p:cNvCxnSpPr>
-          <p:nvPr/>
-        </p:nvCxnSpPr>
-        <p:spPr>
-          <a:xfrm>
-            <a:off x="9377834" y="4551902"/>
-            <a:ext cx="0" cy="812704"/>
-          </a:xfrm>
-          <a:prstGeom prst="straightConnector1">
-            <a:avLst/>
-          </a:prstGeom>
-          <a:ln>
-            <a:tailEnd type="triangle"/>
-          </a:ln>
-        </p:spPr>
-        <p:style>
-          <a:lnRef idx="1">
-            <a:schemeClr val="accent1"/>
-          </a:lnRef>
-          <a:fillRef idx="0">
-            <a:schemeClr val="accent1"/>
-          </a:fillRef>
-          <a:effectRef idx="0">
-            <a:schemeClr val="accent1"/>
-          </a:effectRef>
-          <a:fontRef idx="minor">
-            <a:schemeClr val="tx1"/>
-          </a:fontRef>
-        </p:style>
-      </p:cxnSp>
-      <p:cxnSp>
-        <p:nvCxnSpPr>
-          <p:cNvPr id="67" name="직선 화살표 연결선 66">
-            <a:extLst>
-              <a:ext uri="{FF2B5EF4-FFF2-40B4-BE49-F238E27FC236}">
-                <a16:creationId xmlns:a16="http://schemas.microsoft.com/office/drawing/2014/main" id="{7DDFA5D6-9623-48FD-AE5E-555934114DAE}"/>
-              </a:ext>
-            </a:extLst>
-          </p:cNvPr>
-          <p:cNvCxnSpPr>
-            <a:cxnSpLocks/>
-          </p:cNvCxnSpPr>
-          <p:nvPr/>
-        </p:nvCxnSpPr>
-        <p:spPr>
-          <a:xfrm flipV="1">
-            <a:off x="6888728" y="4544546"/>
-            <a:ext cx="0" cy="784544"/>
-          </a:xfrm>
-          <a:prstGeom prst="straightConnector1">
-            <a:avLst/>
-          </a:prstGeom>
-          <a:ln>
-            <a:tailEnd type="triangle"/>
-          </a:ln>
-        </p:spPr>
-        <p:style>
-          <a:lnRef idx="1">
-            <a:schemeClr val="accent1"/>
-          </a:lnRef>
-          <a:fillRef idx="0">
-            <a:schemeClr val="accent1"/>
-          </a:fillRef>
-          <a:effectRef idx="0">
-            <a:schemeClr val="accent1"/>
-          </a:effectRef>
-          <a:fontRef idx="minor">
-            <a:schemeClr val="tx1"/>
-          </a:fontRef>
-        </p:style>
-      </p:cxnSp>
-      <p:cxnSp>
-        <p:nvCxnSpPr>
-          <p:cNvPr id="70" name="직선 화살표 연결선 69">
-            <a:extLst>
-              <a:ext uri="{FF2B5EF4-FFF2-40B4-BE49-F238E27FC236}">
-                <a16:creationId xmlns:a16="http://schemas.microsoft.com/office/drawing/2014/main" id="{93ACB0B6-4A58-4DEA-9BAF-D1B1A7C26928}"/>
-              </a:ext>
-            </a:extLst>
-          </p:cNvPr>
-          <p:cNvCxnSpPr>
-            <a:cxnSpLocks/>
-          </p:cNvCxnSpPr>
-          <p:nvPr/>
-        </p:nvCxnSpPr>
-        <p:spPr>
-          <a:xfrm flipV="1">
-            <a:off x="8350741" y="4601374"/>
-            <a:ext cx="16731" cy="755453"/>
-          </a:xfrm>
-          <a:prstGeom prst="straightConnector1">
-            <a:avLst/>
-          </a:prstGeom>
-          <a:ln>
-            <a:tailEnd type="triangle"/>
-          </a:ln>
-        </p:spPr>
-        <p:style>
-          <a:lnRef idx="1">
-            <a:schemeClr val="accent1"/>
-          </a:lnRef>
-          <a:fillRef idx="0">
-            <a:schemeClr val="accent1"/>
-          </a:fillRef>
-          <a:effectRef idx="0">
-            <a:schemeClr val="accent1"/>
-          </a:effectRef>
-          <a:fontRef idx="minor">
-            <a:schemeClr val="tx1"/>
-          </a:fontRef>
-        </p:style>
-      </p:cxnSp>
-      <p:sp>
-        <p:nvSpPr>
-          <p:cNvPr id="72" name="번개 71">
-            <a:extLst>
-              <a:ext uri="{FF2B5EF4-FFF2-40B4-BE49-F238E27FC236}">
-                <a16:creationId xmlns:a16="http://schemas.microsoft.com/office/drawing/2014/main" id="{F00E3764-29DD-47A0-9A56-CF16FD26899E}"/>
-              </a:ext>
-            </a:extLst>
-          </p:cNvPr>
-          <p:cNvSpPr/>
-          <p:nvPr/>
-        </p:nvSpPr>
-        <p:spPr>
-          <a:xfrm>
-            <a:off x="8015640" y="4638033"/>
-            <a:ext cx="261215" cy="404047"/>
-          </a:xfrm>
-          <a:prstGeom prst="lightningBolt">
-            <a:avLst/>
-          </a:prstGeom>
-        </p:spPr>
-        <p:style>
-          <a:lnRef idx="2">
-            <a:schemeClr val="accent6">
-              <a:shade val="50000"/>
-            </a:schemeClr>
-          </a:lnRef>
-          <a:fillRef idx="1">
-            <a:schemeClr val="accent6"/>
-          </a:fillRef>
-          <a:effectRef idx="0">
-            <a:schemeClr val="accent6"/>
-          </a:effectRef>
-          <a:fontRef idx="minor">
-            <a:schemeClr val="lt1"/>
-          </a:fontRef>
-        </p:style>
-        <p:txBody>
-          <a:bodyPr rtlCol="0" anchor="ctr"/>
-          <a:lstStyle/>
-          <a:p>
-            <a:pPr algn="ctr"/>
-            <a:endParaRPr lang="ko-KR" altLang="en-US"/>
-          </a:p>
-        </p:txBody>
-      </p:sp>
-      <p:cxnSp>
-        <p:nvCxnSpPr>
-          <p:cNvPr id="73" name="직선 화살표 연결선 72">
-            <a:extLst>
-              <a:ext uri="{FF2B5EF4-FFF2-40B4-BE49-F238E27FC236}">
-                <a16:creationId xmlns:a16="http://schemas.microsoft.com/office/drawing/2014/main" id="{93660F23-44C3-4985-81C7-7B270067F11C}"/>
-              </a:ext>
-            </a:extLst>
-          </p:cNvPr>
-          <p:cNvCxnSpPr>
-            <a:cxnSpLocks/>
-          </p:cNvCxnSpPr>
-          <p:nvPr/>
-        </p:nvCxnSpPr>
-        <p:spPr>
-          <a:xfrm>
-            <a:off x="8223950" y="4572748"/>
-            <a:ext cx="0" cy="812704"/>
-          </a:xfrm>
-          <a:prstGeom prst="straightConnector1">
-            <a:avLst/>
-          </a:prstGeom>
-          <a:ln>
-            <a:tailEnd type="triangle"/>
-          </a:ln>
-        </p:spPr>
-        <p:style>
-          <a:lnRef idx="1">
-            <a:schemeClr val="accent1"/>
-          </a:lnRef>
-          <a:fillRef idx="0">
-            <a:schemeClr val="accent1"/>
-          </a:fillRef>
-          <a:effectRef idx="0">
-            <a:schemeClr val="accent1"/>
-          </a:effectRef>
-          <a:fontRef idx="minor">
-            <a:schemeClr val="tx1"/>
-          </a:fontRef>
-        </p:style>
-      </p:cxnSp>
-      <p:sp>
-        <p:nvSpPr>
-          <p:cNvPr id="74" name="TextBox 73">
-            <a:extLst>
-              <a:ext uri="{FF2B5EF4-FFF2-40B4-BE49-F238E27FC236}">
-                <a16:creationId xmlns:a16="http://schemas.microsoft.com/office/drawing/2014/main" id="{F84A5B52-B60E-481A-9EC9-542BB69B67FF}"/>
-              </a:ext>
-            </a:extLst>
-          </p:cNvPr>
-          <p:cNvSpPr txBox="1"/>
-          <p:nvPr/>
-        </p:nvSpPr>
-        <p:spPr>
-          <a:xfrm>
-            <a:off x="8604312" y="4844980"/>
-            <a:ext cx="709397" cy="338554"/>
-          </a:xfrm>
-          <a:prstGeom prst="rect">
-            <a:avLst/>
-          </a:prstGeom>
-          <a:noFill/>
-        </p:spPr>
-        <p:txBody>
-          <a:bodyPr wrap="square" rtlCol="0">
-            <a:spAutoFit/>
-          </a:bodyPr>
-          <a:lstStyle/>
-          <a:p>
-            <a:r>
-              <a:rPr lang="en-US" altLang="ko-KR" sz="800" dirty="0"/>
-              <a:t>Events Subscribed</a:t>
-            </a:r>
-            <a:endParaRPr lang="ko-KR" altLang="en-US" sz="800" dirty="0"/>
-          </a:p>
-        </p:txBody>
-      </p:sp>
-      <p:cxnSp>
-        <p:nvCxnSpPr>
-          <p:cNvPr id="75" name="직선 화살표 연결선 74">
-            <a:extLst>
-              <a:ext uri="{FF2B5EF4-FFF2-40B4-BE49-F238E27FC236}">
-                <a16:creationId xmlns:a16="http://schemas.microsoft.com/office/drawing/2014/main" id="{7B0A3DE9-DDF7-416B-8D61-97E6342391E8}"/>
-              </a:ext>
-            </a:extLst>
-          </p:cNvPr>
-          <p:cNvCxnSpPr>
-            <a:cxnSpLocks/>
-          </p:cNvCxnSpPr>
-          <p:nvPr/>
-        </p:nvCxnSpPr>
-        <p:spPr>
-          <a:xfrm flipV="1">
-            <a:off x="2743903" y="4517468"/>
-            <a:ext cx="0" cy="784544"/>
-          </a:xfrm>
-          <a:prstGeom prst="straightConnector1">
-            <a:avLst/>
-          </a:prstGeom>
-          <a:ln>
-            <a:tailEnd type="triangle"/>
-          </a:ln>
-        </p:spPr>
-        <p:style>
-          <a:lnRef idx="1">
-            <a:schemeClr val="accent1"/>
-          </a:lnRef>
-          <a:fillRef idx="0">
-            <a:schemeClr val="accent1"/>
-          </a:fillRef>
-          <a:effectRef idx="0">
-            <a:schemeClr val="accent1"/>
-          </a:effectRef>
-          <a:fontRef idx="minor">
-            <a:schemeClr val="tx1"/>
-          </a:fontRef>
-        </p:style>
-      </p:cxnSp>
-      <p:cxnSp>
-        <p:nvCxnSpPr>
-          <p:cNvPr id="78" name="연결선: 꺾임 77">
-            <a:extLst>
-              <a:ext uri="{FF2B5EF4-FFF2-40B4-BE49-F238E27FC236}">
-                <a16:creationId xmlns:a16="http://schemas.microsoft.com/office/drawing/2014/main" id="{F456BDFF-316C-4E92-9CF9-108542288F45}"/>
-              </a:ext>
-            </a:extLst>
-          </p:cNvPr>
-          <p:cNvCxnSpPr>
-            <a:cxnSpLocks/>
-            <a:stCxn id="4" idx="2"/>
-            <a:endCxn id="8" idx="0"/>
-          </p:cNvCxnSpPr>
-          <p:nvPr/>
-        </p:nvCxnSpPr>
-        <p:spPr>
-          <a:xfrm rot="5400000">
-            <a:off x="4971258" y="2655803"/>
-            <a:ext cx="921305" cy="596417"/>
-          </a:xfrm>
-          <a:prstGeom prst="bentConnector3">
-            <a:avLst>
-              <a:gd name="adj1" fmla="val 50000"/>
-            </a:avLst>
-          </a:prstGeom>
-          <a:ln>
-            <a:tailEnd type="triangle"/>
-          </a:ln>
-        </p:spPr>
-        <p:style>
-          <a:lnRef idx="1">
-            <a:schemeClr val="accent1"/>
-          </a:lnRef>
-          <a:fillRef idx="0">
-            <a:schemeClr val="accent1"/>
-          </a:fillRef>
-          <a:effectRef idx="0">
-            <a:schemeClr val="accent1"/>
-          </a:effectRef>
-          <a:fontRef idx="minor">
-            <a:schemeClr val="tx1"/>
-          </a:fontRef>
-        </p:style>
-      </p:cxnSp>
-      <p:cxnSp>
-        <p:nvCxnSpPr>
-          <p:cNvPr id="79" name="연결선: 꺾임 78">
-            <a:extLst>
-              <a:ext uri="{FF2B5EF4-FFF2-40B4-BE49-F238E27FC236}">
-                <a16:creationId xmlns:a16="http://schemas.microsoft.com/office/drawing/2014/main" id="{009145BA-9D94-4992-81CB-D84A8DCAFD52}"/>
-              </a:ext>
-            </a:extLst>
-          </p:cNvPr>
-          <p:cNvCxnSpPr>
-            <a:cxnSpLocks/>
-            <a:stCxn id="4" idx="2"/>
-            <a:endCxn id="9" idx="0"/>
-          </p:cNvCxnSpPr>
-          <p:nvPr/>
-        </p:nvCxnSpPr>
-        <p:spPr>
-          <a:xfrm rot="16200000" flipH="1">
-            <a:off x="5699498" y="2523978"/>
-            <a:ext cx="927657" cy="866417"/>
-          </a:xfrm>
-          <a:prstGeom prst="bentConnector3">
-            <a:avLst>
-              <a:gd name="adj1" fmla="val 50904"/>
-            </a:avLst>
-          </a:prstGeom>
-          <a:ln>
-            <a:tailEnd type="triangle"/>
-          </a:ln>
-        </p:spPr>
-        <p:style>
-          <a:lnRef idx="1">
-            <a:schemeClr val="accent1"/>
-          </a:lnRef>
-          <a:fillRef idx="0">
-            <a:schemeClr val="accent1"/>
-          </a:fillRef>
-          <a:effectRef idx="0">
-            <a:schemeClr val="accent1"/>
-          </a:effectRef>
-          <a:fontRef idx="minor">
-            <a:schemeClr val="tx1"/>
-          </a:fontRef>
-        </p:style>
-      </p:cxnSp>
-      <p:cxnSp>
-        <p:nvCxnSpPr>
-          <p:cNvPr id="80" name="연결선: 꺾임 79">
-            <a:extLst>
-              <a:ext uri="{FF2B5EF4-FFF2-40B4-BE49-F238E27FC236}">
-                <a16:creationId xmlns:a16="http://schemas.microsoft.com/office/drawing/2014/main" id="{949C24AA-0633-4C87-B103-A341528C2D6F}"/>
-              </a:ext>
-            </a:extLst>
-          </p:cNvPr>
-          <p:cNvCxnSpPr>
-            <a:cxnSpLocks/>
-            <a:stCxn id="4" idx="2"/>
-            <a:endCxn id="13" idx="0"/>
-          </p:cNvCxnSpPr>
-          <p:nvPr/>
-        </p:nvCxnSpPr>
-        <p:spPr>
-          <a:xfrm rot="16200000" flipH="1">
-            <a:off x="6373499" y="1849978"/>
-            <a:ext cx="940356" cy="2227118"/>
-          </a:xfrm>
-          <a:prstGeom prst="bentConnector3">
-            <a:avLst>
-              <a:gd name="adj1" fmla="val 50000"/>
-            </a:avLst>
-          </a:prstGeom>
-          <a:ln>
-            <a:tailEnd type="triangle"/>
-          </a:ln>
-        </p:spPr>
-        <p:style>
-          <a:lnRef idx="1">
-            <a:schemeClr val="accent1"/>
-          </a:lnRef>
-          <a:fillRef idx="0">
-            <a:schemeClr val="accent1"/>
-          </a:fillRef>
-          <a:effectRef idx="0">
-            <a:schemeClr val="accent1"/>
-          </a:effectRef>
-          <a:fontRef idx="minor">
-            <a:schemeClr val="tx1"/>
-          </a:fontRef>
-        </p:style>
-      </p:cxnSp>
-      <p:cxnSp>
-        <p:nvCxnSpPr>
-          <p:cNvPr id="81" name="연결선: 꺾임 80">
-            <a:extLst>
-              <a:ext uri="{FF2B5EF4-FFF2-40B4-BE49-F238E27FC236}">
-                <a16:creationId xmlns:a16="http://schemas.microsoft.com/office/drawing/2014/main" id="{68250273-D2B6-40B8-AA1F-1D41BE8B1D2F}"/>
-              </a:ext>
-            </a:extLst>
-          </p:cNvPr>
-          <p:cNvCxnSpPr>
-            <a:cxnSpLocks/>
-            <a:stCxn id="4" idx="2"/>
-            <a:endCxn id="12" idx="0"/>
-          </p:cNvCxnSpPr>
-          <p:nvPr/>
-        </p:nvCxnSpPr>
-        <p:spPr>
-          <a:xfrm rot="16200000" flipH="1">
-            <a:off x="7108784" y="1114693"/>
-            <a:ext cx="914958" cy="3672290"/>
-          </a:xfrm>
-          <a:prstGeom prst="bentConnector3">
-            <a:avLst>
-              <a:gd name="adj1" fmla="val 50000"/>
-            </a:avLst>
-          </a:prstGeom>
-          <a:ln>
-            <a:tailEnd type="triangle"/>
-          </a:ln>
-        </p:spPr>
-        <p:style>
-          <a:lnRef idx="1">
-            <a:schemeClr val="accent1"/>
-          </a:lnRef>
-          <a:fillRef idx="0">
-            <a:schemeClr val="accent1"/>
-          </a:fillRef>
-          <a:effectRef idx="0">
-            <a:schemeClr val="accent1"/>
-          </a:effectRef>
-          <a:fontRef idx="minor">
-            <a:schemeClr val="tx1"/>
-          </a:fontRef>
-        </p:style>
-      </p:cxnSp>
-    </p:spTree>
-    <p:extLst>
-      <p:ext uri="{BB962C8B-B14F-4D97-AF65-F5344CB8AC3E}">
-        <p14:creationId xmlns:p14="http://schemas.microsoft.com/office/powerpoint/2010/main" val="319514090"/>
-      </p:ext>
-    </p:extLst>
-  </p:cSld>
-  <p:clrMapOvr>
-    <a:masterClrMapping/>
-  </p:clrMapOvr>
-</p:sld>
-</file>
-
-<file path=ppt/slides/slide3.xml><?xml version="1.0" encoding="utf-8"?>
-<p:sld xmlns:a="http://schemas.openxmlformats.org/drawingml/2006/main" xmlns:r="http://schemas.openxmlformats.org/officeDocument/2006/relationships" xmlns:p="http://schemas.openxmlformats.org/presentationml/2006/main">
-  <p:cSld>
-    <p:spTree>
-      <p:nvGrpSpPr>
-        <p:cNvPr id="1" name=""/>
-        <p:cNvGrpSpPr/>
-        <p:nvPr/>
-      </p:nvGrpSpPr>
-      <p:grpSpPr>
-        <a:xfrm>
-          <a:off x="0" y="0"/>
-          <a:ext cx="0" cy="0"/>
-          <a:chOff x="0" y="0"/>
-          <a:chExt cx="0" cy="0"/>
-        </a:xfrm>
-      </p:grpSpPr>
       <p:grpSp>
         <p:nvGrpSpPr>
           <p:cNvPr id="6" name="그룹 5">
@@ -8378,6 +5541,380 @@
 </p:sld>
 </file>
 
+<file path=ppt/slides/slide3.xml><?xml version="1.0" encoding="utf-8"?>
+<p:sld xmlns:a="http://schemas.openxmlformats.org/drawingml/2006/main" xmlns:r="http://schemas.openxmlformats.org/officeDocument/2006/relationships" xmlns:p="http://schemas.openxmlformats.org/presentationml/2006/main">
+  <p:cSld>
+    <p:spTree>
+      <p:nvGrpSpPr>
+        <p:cNvPr id="1" name=""/>
+        <p:cNvGrpSpPr/>
+        <p:nvPr/>
+      </p:nvGrpSpPr>
+      <p:grpSpPr>
+        <a:xfrm>
+          <a:off x="0" y="0"/>
+          <a:ext cx="0" cy="0"/>
+          <a:chOff x="0" y="0"/>
+          <a:chExt cx="0" cy="0"/>
+        </a:xfrm>
+      </p:grpSpPr>
+      <p:sp>
+        <p:nvSpPr>
+          <p:cNvPr id="6" name="직사각형 5">
+            <a:extLst>
+              <a:ext uri="{FF2B5EF4-FFF2-40B4-BE49-F238E27FC236}">
+                <a16:creationId xmlns:a16="http://schemas.microsoft.com/office/drawing/2014/main" id="{5EC61822-44FE-4CC5-8130-843700E9ED1A}"/>
+              </a:ext>
+            </a:extLst>
+          </p:cNvPr>
+          <p:cNvSpPr/>
+          <p:nvPr/>
+        </p:nvSpPr>
+        <p:spPr>
+          <a:xfrm>
+            <a:off x="1206187" y="566678"/>
+            <a:ext cx="7647963" cy="2959208"/>
+          </a:xfrm>
+          <a:prstGeom prst="rect">
+            <a:avLst/>
+          </a:prstGeom>
+        </p:spPr>
+        <p:txBody>
+          <a:bodyPr wrap="square">
+            <a:spAutoFit/>
+          </a:bodyPr>
+          <a:lstStyle/>
+          <a:p>
+            <a:pPr>
+              <a:lnSpc>
+                <a:spcPct val="150000"/>
+              </a:lnSpc>
+            </a:pPr>
+            <a:r>
+              <a:rPr lang="en-US" altLang="ko-KR" sz="1400" dirty="0">
+                <a:solidFill>
+                  <a:srgbClr val="000000"/>
+                </a:solidFill>
+                <a:latin typeface="Arial" panose="020B0604020202020204" pitchFamily="34" charset="0"/>
+              </a:rPr>
+              <a:t>[</a:t>
+            </a:r>
+            <a:r>
+              <a:rPr lang="ko-KR" altLang="en-US" sz="1400" dirty="0">
+                <a:solidFill>
+                  <a:srgbClr val="000000"/>
+                </a:solidFill>
+                <a:latin typeface="Arial" panose="020B0604020202020204" pitchFamily="34" charset="0"/>
+              </a:rPr>
+              <a:t>도메인</a:t>
+            </a:r>
+            <a:r>
+              <a:rPr lang="en-US" altLang="ko-KR" sz="1400" dirty="0">
+                <a:solidFill>
+                  <a:srgbClr val="000000"/>
+                </a:solidFill>
+                <a:latin typeface="Arial" panose="020B0604020202020204" pitchFamily="34" charset="0"/>
+              </a:rPr>
+              <a:t>]</a:t>
+            </a:r>
+          </a:p>
+          <a:p>
+            <a:pPr>
+              <a:lnSpc>
+                <a:spcPct val="150000"/>
+              </a:lnSpc>
+            </a:pPr>
+            <a:endParaRPr lang="ko-KR" altLang="en-US" sz="1400" b="0" dirty="0">
+              <a:effectLst/>
+            </a:endParaRPr>
+          </a:p>
+          <a:p>
+            <a:pPr marL="285750" indent="-285750">
+              <a:lnSpc>
+                <a:spcPct val="150000"/>
+              </a:lnSpc>
+              <a:buFont typeface="Wingdings" panose="05000000000000000000" pitchFamily="2" charset="2"/>
+              <a:buChar char="§"/>
+            </a:pPr>
+            <a:r>
+              <a:rPr lang="ko-KR" altLang="en-US" sz="1400" dirty="0">
+                <a:solidFill>
+                  <a:srgbClr val="000000"/>
+                </a:solidFill>
+                <a:latin typeface="Arial" panose="020B0604020202020204" pitchFamily="34" charset="0"/>
+              </a:rPr>
+              <a:t>상품권</a:t>
+            </a:r>
+            <a:r>
+              <a:rPr lang="en-US" altLang="ko-KR" sz="1400" dirty="0">
+                <a:solidFill>
+                  <a:srgbClr val="000000"/>
+                </a:solidFill>
+                <a:latin typeface="Arial" panose="020B0604020202020204" pitchFamily="34" charset="0"/>
+              </a:rPr>
+              <a:t>(Voucher): </a:t>
+            </a:r>
+            <a:r>
+              <a:rPr lang="ko-KR" altLang="en-US" sz="1400" dirty="0">
+                <a:solidFill>
+                  <a:srgbClr val="000000"/>
+                </a:solidFill>
+                <a:latin typeface="Arial" panose="020B0604020202020204" pitchFamily="34" charset="0"/>
+              </a:rPr>
+              <a:t>상품권 총 발행금액과 상태를 관리</a:t>
+            </a:r>
+            <a:endParaRPr lang="ko-KR" altLang="en-US" sz="1400" b="0" dirty="0">
+              <a:effectLst/>
+            </a:endParaRPr>
+          </a:p>
+          <a:p>
+            <a:pPr marL="285750" indent="-285750">
+              <a:lnSpc>
+                <a:spcPct val="150000"/>
+              </a:lnSpc>
+              <a:buFont typeface="Wingdings" panose="05000000000000000000" pitchFamily="2" charset="2"/>
+              <a:buChar char="§"/>
+            </a:pPr>
+            <a:r>
+              <a:rPr lang="ko-KR" altLang="en-US" sz="1400" dirty="0">
+                <a:solidFill>
+                  <a:srgbClr val="000000"/>
+                </a:solidFill>
+                <a:latin typeface="Arial" panose="020B0604020202020204" pitchFamily="34" charset="0"/>
+              </a:rPr>
+              <a:t>구매</a:t>
+            </a:r>
+            <a:r>
+              <a:rPr lang="en-US" altLang="ko-KR" sz="1400" dirty="0">
+                <a:solidFill>
+                  <a:srgbClr val="000000"/>
+                </a:solidFill>
+                <a:latin typeface="Arial" panose="020B0604020202020204" pitchFamily="34" charset="0"/>
+              </a:rPr>
+              <a:t>(Purchase): </a:t>
+            </a:r>
+            <a:r>
+              <a:rPr lang="ko-KR" altLang="en-US" sz="1400" dirty="0">
+                <a:solidFill>
+                  <a:srgbClr val="000000"/>
+                </a:solidFill>
+                <a:latin typeface="Arial" panose="020B0604020202020204" pitchFamily="34" charset="0"/>
+              </a:rPr>
+              <a:t>상품권 구매 및 취소 요청 관리</a:t>
+            </a:r>
+            <a:endParaRPr lang="ko-KR" altLang="en-US" sz="1400" b="0" dirty="0">
+              <a:effectLst/>
+            </a:endParaRPr>
+          </a:p>
+          <a:p>
+            <a:pPr marL="285750" indent="-285750">
+              <a:lnSpc>
+                <a:spcPct val="150000"/>
+              </a:lnSpc>
+              <a:buFont typeface="Wingdings" panose="05000000000000000000" pitchFamily="2" charset="2"/>
+              <a:buChar char="§"/>
+            </a:pPr>
+            <a:r>
+              <a:rPr lang="ko-KR" altLang="en-US" sz="1400" dirty="0">
+                <a:solidFill>
+                  <a:srgbClr val="000000"/>
+                </a:solidFill>
+                <a:latin typeface="Arial" panose="020B0604020202020204" pitchFamily="34" charset="0"/>
+              </a:rPr>
+              <a:t>고객상품권발행내역</a:t>
+            </a:r>
+            <a:r>
+              <a:rPr lang="en-US" altLang="ko-KR" sz="1400" dirty="0">
+                <a:solidFill>
+                  <a:srgbClr val="000000"/>
+                </a:solidFill>
+                <a:latin typeface="Arial" panose="020B0604020202020204" pitchFamily="34" charset="0"/>
+              </a:rPr>
+              <a:t>(</a:t>
+            </a:r>
+            <a:r>
+              <a:rPr lang="en-US" altLang="ko-KR" sz="1400" dirty="0" err="1">
+                <a:solidFill>
+                  <a:srgbClr val="000000"/>
+                </a:solidFill>
+                <a:latin typeface="Arial" panose="020B0604020202020204" pitchFamily="34" charset="0"/>
+              </a:rPr>
+              <a:t>CustomerVoucher</a:t>
+            </a:r>
+            <a:r>
+              <a:rPr lang="en-US" altLang="ko-KR" sz="1400" dirty="0">
+                <a:solidFill>
+                  <a:srgbClr val="000000"/>
+                </a:solidFill>
+                <a:latin typeface="Arial" panose="020B0604020202020204" pitchFamily="34" charset="0"/>
+              </a:rPr>
+              <a:t>) : </a:t>
+            </a:r>
+            <a:r>
+              <a:rPr lang="ko-KR" altLang="en-US" sz="1400" dirty="0">
+                <a:solidFill>
+                  <a:srgbClr val="000000"/>
+                </a:solidFill>
+                <a:latin typeface="Arial" panose="020B0604020202020204" pitchFamily="34" charset="0"/>
+              </a:rPr>
+              <a:t>고객 상품권 발행 관리</a:t>
+            </a:r>
+            <a:endParaRPr lang="ko-KR" altLang="en-US" sz="1400" b="0" dirty="0">
+              <a:effectLst/>
+            </a:endParaRPr>
+          </a:p>
+          <a:p>
+            <a:pPr marL="285750" indent="-285750">
+              <a:lnSpc>
+                <a:spcPct val="150000"/>
+              </a:lnSpc>
+              <a:buFont typeface="Wingdings" panose="05000000000000000000" pitchFamily="2" charset="2"/>
+              <a:buChar char="§"/>
+            </a:pPr>
+            <a:r>
+              <a:rPr lang="ko-KR" altLang="en-US" sz="1400" dirty="0">
+                <a:solidFill>
+                  <a:srgbClr val="000000"/>
+                </a:solidFill>
+                <a:latin typeface="Arial" panose="020B0604020202020204" pitchFamily="34" charset="0"/>
+              </a:rPr>
+              <a:t>알림</a:t>
+            </a:r>
+            <a:r>
+              <a:rPr lang="en-US" altLang="ko-KR" sz="1400" dirty="0">
+                <a:solidFill>
+                  <a:srgbClr val="000000"/>
+                </a:solidFill>
+                <a:latin typeface="Arial" panose="020B0604020202020204" pitchFamily="34" charset="0"/>
+              </a:rPr>
+              <a:t>(Notification): </a:t>
+            </a:r>
+            <a:r>
+              <a:rPr lang="ko-KR" altLang="en-US" sz="1400" dirty="0">
+                <a:solidFill>
+                  <a:srgbClr val="000000"/>
+                </a:solidFill>
+                <a:latin typeface="Arial" panose="020B0604020202020204" pitchFamily="34" charset="0"/>
+              </a:rPr>
+              <a:t>카카오톡 알림 발송 처리</a:t>
+            </a:r>
+            <a:endParaRPr lang="ko-KR" altLang="en-US" sz="1400" b="0" dirty="0">
+              <a:effectLst/>
+            </a:endParaRPr>
+          </a:p>
+          <a:p>
+            <a:pPr marL="285750" indent="-285750">
+              <a:lnSpc>
+                <a:spcPct val="150000"/>
+              </a:lnSpc>
+              <a:buFont typeface="Wingdings" panose="05000000000000000000" pitchFamily="2" charset="2"/>
+              <a:buChar char="§"/>
+            </a:pPr>
+            <a:r>
+              <a:rPr lang="ko-KR" altLang="en-US" sz="1400" dirty="0">
+                <a:solidFill>
+                  <a:srgbClr val="000000"/>
+                </a:solidFill>
+                <a:latin typeface="Arial" panose="020B0604020202020204" pitchFamily="34" charset="0"/>
+              </a:rPr>
+              <a:t>결제</a:t>
+            </a:r>
+            <a:r>
+              <a:rPr lang="en-US" altLang="ko-KR" sz="1400" dirty="0">
+                <a:solidFill>
+                  <a:srgbClr val="000000"/>
+                </a:solidFill>
+                <a:latin typeface="Arial" panose="020B0604020202020204" pitchFamily="34" charset="0"/>
+              </a:rPr>
+              <a:t>(payment): </a:t>
+            </a:r>
+            <a:r>
+              <a:rPr lang="ko-KR" altLang="en-US" sz="1400" dirty="0">
+                <a:solidFill>
+                  <a:srgbClr val="000000"/>
+                </a:solidFill>
+                <a:latin typeface="Arial" panose="020B0604020202020204" pitchFamily="34" charset="0"/>
+              </a:rPr>
+              <a:t>결제 승인</a:t>
+            </a:r>
+            <a:r>
+              <a:rPr lang="en-US" altLang="ko-KR" sz="1400" dirty="0">
+                <a:solidFill>
+                  <a:srgbClr val="000000"/>
+                </a:solidFill>
+                <a:latin typeface="Arial" panose="020B0604020202020204" pitchFamily="34" charset="0"/>
+              </a:rPr>
+              <a:t>/</a:t>
+            </a:r>
+            <a:r>
+              <a:rPr lang="ko-KR" altLang="en-US" sz="1400" dirty="0">
+                <a:solidFill>
+                  <a:srgbClr val="000000"/>
+                </a:solidFill>
+                <a:latin typeface="Arial" panose="020B0604020202020204" pitchFamily="34" charset="0"/>
+              </a:rPr>
+              <a:t>취소 처리</a:t>
+            </a:r>
+            <a:endParaRPr lang="ko-KR" altLang="en-US" sz="1400" b="0" dirty="0">
+              <a:effectLst/>
+            </a:endParaRPr>
+          </a:p>
+          <a:p>
+            <a:pPr>
+              <a:lnSpc>
+                <a:spcPct val="150000"/>
+              </a:lnSpc>
+            </a:pPr>
+            <a:br>
+              <a:rPr lang="ko-KR" altLang="en-US" sz="1400" dirty="0"/>
+            </a:br>
+            <a:endParaRPr lang="ko-KR" altLang="en-US" sz="1400" dirty="0"/>
+          </a:p>
+        </p:txBody>
+      </p:sp>
+      <p:pic>
+        <p:nvPicPr>
+          <p:cNvPr id="2" name="그림 1">
+            <a:extLst>
+              <a:ext uri="{FF2B5EF4-FFF2-40B4-BE49-F238E27FC236}">
+                <a16:creationId xmlns:a16="http://schemas.microsoft.com/office/drawing/2014/main" id="{45F0A250-DD34-4F39-BA57-34BF5D446575}"/>
+              </a:ext>
+            </a:extLst>
+          </p:cNvPr>
+          <p:cNvPicPr>
+            <a:picLocks noChangeAspect="1"/>
+          </p:cNvPicPr>
+          <p:nvPr/>
+        </p:nvPicPr>
+        <p:blipFill>
+          <a:blip r:embed="rId2"/>
+          <a:stretch>
+            <a:fillRect/>
+          </a:stretch>
+        </p:blipFill>
+        <p:spPr>
+          <a:xfrm>
+            <a:off x="1576873" y="3234811"/>
+            <a:ext cx="6465604" cy="3541703"/>
+          </a:xfrm>
+          <a:prstGeom prst="rect">
+            <a:avLst/>
+          </a:prstGeom>
+        </p:spPr>
+      </p:pic>
+    </p:spTree>
+    <p:extLst>
+      <p:ext uri="{BB962C8B-B14F-4D97-AF65-F5344CB8AC3E}">
+        <p14:creationId xmlns:p14="http://schemas.microsoft.com/office/powerpoint/2010/main" val="547569038"/>
+      </p:ext>
+    </p:extLst>
+  </p:cSld>
+  <p:clrMapOvr>
+    <a:masterClrMapping/>
+  </p:clrMapOvr>
+</p:sld>
+</file>
+
 <file path=ppt/slides/slide4.xml><?xml version="1.0" encoding="utf-8"?>
 <p:sld xmlns:a="http://schemas.openxmlformats.org/drawingml/2006/main" xmlns:r="http://schemas.openxmlformats.org/officeDocument/2006/relationships" xmlns:p="http://schemas.openxmlformats.org/presentationml/2006/main">
   <p:cSld>
@@ -8397,10 +5934,214 @@
       </p:grpSpPr>
       <p:sp>
         <p:nvSpPr>
+          <p:cNvPr id="57" name="직사각형 56">
+            <a:extLst>
+              <a:ext uri="{FF2B5EF4-FFF2-40B4-BE49-F238E27FC236}">
+                <a16:creationId xmlns:a16="http://schemas.microsoft.com/office/drawing/2014/main" id="{8227AECE-640C-45CE-B96B-B059DFFF09E2}"/>
+              </a:ext>
+            </a:extLst>
+          </p:cNvPr>
+          <p:cNvSpPr/>
+          <p:nvPr/>
+        </p:nvSpPr>
+        <p:spPr>
+          <a:xfrm>
+            <a:off x="1641176" y="638067"/>
+            <a:ext cx="9323235" cy="6106682"/>
+          </a:xfrm>
+          <a:prstGeom prst="rect">
+            <a:avLst/>
+          </a:prstGeom>
+          <a:solidFill>
+            <a:schemeClr val="accent3">
+              <a:alpha val="50000"/>
+            </a:schemeClr>
+          </a:solidFill>
+          <a:ln>
+            <a:noFill/>
+          </a:ln>
+        </p:spPr>
+        <p:style>
+          <a:lnRef idx="0">
+            <a:scrgbClr r="0" g="0" b="0"/>
+          </a:lnRef>
+          <a:fillRef idx="0">
+            <a:scrgbClr r="0" g="0" b="0"/>
+          </a:fillRef>
+          <a:effectRef idx="0">
+            <a:scrgbClr r="0" g="0" b="0"/>
+          </a:effectRef>
+          <a:fontRef idx="minor">
+            <a:schemeClr val="lt1"/>
+          </a:fontRef>
+        </p:style>
+        <p:txBody>
+          <a:bodyPr rtlCol="0" anchor="ctr"/>
+          <a:lstStyle/>
+          <a:p>
+            <a:endParaRPr lang="ko-KR" altLang="en-US" dirty="0"/>
+          </a:p>
+        </p:txBody>
+      </p:sp>
+      <p:sp>
+        <p:nvSpPr>
+          <p:cNvPr id="15" name="직사각형 14">
+            <a:extLst>
+              <a:ext uri="{FF2B5EF4-FFF2-40B4-BE49-F238E27FC236}">
+                <a16:creationId xmlns:a16="http://schemas.microsoft.com/office/drawing/2014/main" id="{D63AF542-D901-4E0E-AF31-36984B6CFF5D}"/>
+              </a:ext>
+            </a:extLst>
+          </p:cNvPr>
+          <p:cNvSpPr/>
+          <p:nvPr/>
+        </p:nvSpPr>
+        <p:spPr>
+          <a:xfrm>
+            <a:off x="696286" y="3398729"/>
+            <a:ext cx="9520220" cy="836842"/>
+          </a:xfrm>
+          <a:prstGeom prst="rect">
+            <a:avLst/>
+          </a:prstGeom>
+        </p:spPr>
+        <p:style>
+          <a:lnRef idx="3">
+            <a:schemeClr val="lt1"/>
+          </a:lnRef>
+          <a:fillRef idx="1">
+            <a:schemeClr val="accent2"/>
+          </a:fillRef>
+          <a:effectRef idx="1">
+            <a:schemeClr val="accent2"/>
+          </a:effectRef>
+          <a:fontRef idx="minor">
+            <a:schemeClr val="lt1"/>
+          </a:fontRef>
+        </p:style>
+        <p:txBody>
+          <a:bodyPr rtlCol="0" anchor="ctr"/>
+          <a:lstStyle/>
+          <a:p>
+            <a:r>
+              <a:rPr lang="en-US" altLang="ko-KR" sz="1400" dirty="0"/>
+              <a:t>Inner</a:t>
+            </a:r>
+          </a:p>
+          <a:p>
+            <a:r>
+              <a:rPr lang="en-US" altLang="ko-KR" sz="1400" dirty="0"/>
+              <a:t>Architecture</a:t>
+            </a:r>
+            <a:endParaRPr lang="ko-KR" altLang="en-US" sz="1400" dirty="0"/>
+          </a:p>
+        </p:txBody>
+      </p:sp>
+      <p:sp>
+        <p:nvSpPr>
+          <p:cNvPr id="16" name="직사각형 15">
+            <a:extLst>
+              <a:ext uri="{FF2B5EF4-FFF2-40B4-BE49-F238E27FC236}">
+                <a16:creationId xmlns:a16="http://schemas.microsoft.com/office/drawing/2014/main" id="{50F31076-8043-41D6-BF6A-232D71C9802F}"/>
+              </a:ext>
+            </a:extLst>
+          </p:cNvPr>
+          <p:cNvSpPr/>
+          <p:nvPr/>
+        </p:nvSpPr>
+        <p:spPr>
+          <a:xfrm>
+            <a:off x="1814236" y="3091716"/>
+            <a:ext cx="1270406" cy="293856"/>
+          </a:xfrm>
+          <a:prstGeom prst="rect">
+            <a:avLst/>
+          </a:prstGeom>
+        </p:spPr>
+        <p:style>
+          <a:lnRef idx="2">
+            <a:schemeClr val="accent1">
+              <a:shade val="50000"/>
+            </a:schemeClr>
+          </a:lnRef>
+          <a:fillRef idx="1">
+            <a:schemeClr val="accent1"/>
+          </a:fillRef>
+          <a:effectRef idx="0">
+            <a:schemeClr val="accent1"/>
+          </a:effectRef>
+          <a:fontRef idx="minor">
+            <a:schemeClr val="lt1"/>
+          </a:fontRef>
+        </p:style>
+        <p:txBody>
+          <a:bodyPr rtlCol="0" anchor="ctr"/>
+          <a:lstStyle/>
+          <a:p>
+            <a:pPr algn="ctr"/>
+            <a:r>
+              <a:rPr lang="en-US" altLang="ko-KR" sz="1000" dirty="0"/>
+              <a:t>Load Balancing</a:t>
+            </a:r>
+            <a:endParaRPr lang="ko-KR" altLang="en-US" sz="1000" dirty="0"/>
+          </a:p>
+        </p:txBody>
+      </p:sp>
+      <p:sp>
+        <p:nvSpPr>
+          <p:cNvPr id="4" name="직사각형 3">
+            <a:extLst>
+              <a:ext uri="{FF2B5EF4-FFF2-40B4-BE49-F238E27FC236}">
+                <a16:creationId xmlns:a16="http://schemas.microsoft.com/office/drawing/2014/main" id="{CFC41E04-26B2-4BEA-B33C-548D70BE31A4}"/>
+              </a:ext>
+            </a:extLst>
+          </p:cNvPr>
+          <p:cNvSpPr/>
+          <p:nvPr/>
+        </p:nvSpPr>
+        <p:spPr>
+          <a:xfrm>
+            <a:off x="2004736" y="1815461"/>
+            <a:ext cx="7450763" cy="677898"/>
+          </a:xfrm>
+          <a:prstGeom prst="rect">
+            <a:avLst/>
+          </a:prstGeom>
+        </p:spPr>
+        <p:style>
+          <a:lnRef idx="2">
+            <a:schemeClr val="accent1">
+              <a:shade val="50000"/>
+            </a:schemeClr>
+          </a:lnRef>
+          <a:fillRef idx="1">
+            <a:schemeClr val="accent1"/>
+          </a:fillRef>
+          <a:effectRef idx="0">
+            <a:schemeClr val="accent1"/>
+          </a:effectRef>
+          <a:fontRef idx="minor">
+            <a:schemeClr val="lt1"/>
+          </a:fontRef>
+        </p:style>
+        <p:txBody>
+          <a:bodyPr rtlCol="0" anchor="ctr"/>
+          <a:lstStyle/>
+          <a:p>
+            <a:pPr algn="ctr"/>
+            <a:r>
+              <a:rPr lang="en-US" altLang="ko-KR" dirty="0"/>
+              <a:t>Microservice Management Capabilities</a:t>
+            </a:r>
+            <a:endParaRPr lang="ko-KR" altLang="en-US" dirty="0"/>
+          </a:p>
+        </p:txBody>
+      </p:sp>
+      <p:sp>
+        <p:nvSpPr>
           <p:cNvPr id="6" name="직사각형 5">
             <a:extLst>
               <a:ext uri="{FF2B5EF4-FFF2-40B4-BE49-F238E27FC236}">
-                <a16:creationId xmlns:a16="http://schemas.microsoft.com/office/drawing/2014/main" id="{5EC61822-44FE-4CC5-8130-843700E9ED1A}"/>
+                <a16:creationId xmlns:a16="http://schemas.microsoft.com/office/drawing/2014/main" id="{CFA265CD-1B45-4547-8D7A-60F1CFD0F768}"/>
               </a:ext>
             </a:extLst>
           </p:cNvPr>
@@ -8409,369 +6150,1591 @@
         </p:nvSpPr>
         <p:spPr>
           <a:xfrm>
-            <a:off x="1206187" y="566678"/>
-            <a:ext cx="7647963" cy="3282373"/>
+            <a:off x="3211236" y="3421016"/>
+            <a:ext cx="1092312" cy="783615"/>
           </a:xfrm>
           <a:prstGeom prst="rect">
             <a:avLst/>
           </a:prstGeom>
-        </p:spPr>
-        <p:txBody>
-          <a:bodyPr wrap="square">
+          <a:gradFill flip="none" rotWithShape="1">
+            <a:gsLst>
+              <a:gs pos="0">
+                <a:schemeClr val="accent4">
+                  <a:lumMod val="67000"/>
+                </a:schemeClr>
+              </a:gs>
+              <a:gs pos="48000">
+                <a:schemeClr val="accent4">
+                  <a:lumMod val="97000"/>
+                  <a:lumOff val="3000"/>
+                </a:schemeClr>
+              </a:gs>
+              <a:gs pos="100000">
+                <a:schemeClr val="accent4">
+                  <a:lumMod val="60000"/>
+                  <a:lumOff val="40000"/>
+                </a:schemeClr>
+              </a:gs>
+            </a:gsLst>
+            <a:lin ang="16200000" scaled="1"/>
+            <a:tileRect/>
+          </a:gradFill>
+          <a:ln>
+            <a:noFill/>
+          </a:ln>
+        </p:spPr>
+        <p:style>
+          <a:lnRef idx="0">
+            <a:scrgbClr r="0" g="0" b="0"/>
+          </a:lnRef>
+          <a:fillRef idx="0">
+            <a:scrgbClr r="0" g="0" b="0"/>
+          </a:fillRef>
+          <a:effectRef idx="0">
+            <a:scrgbClr r="0" g="0" b="0"/>
+          </a:effectRef>
+          <a:fontRef idx="minor">
+            <a:schemeClr val="lt1"/>
+          </a:fontRef>
+        </p:style>
+        <p:txBody>
+          <a:bodyPr rtlCol="0" anchor="ctr"/>
+          <a:lstStyle/>
+          <a:p>
+            <a:pPr algn="ctr"/>
+            <a:r>
+              <a:rPr lang="en-US" altLang="ko-KR" sz="1400" dirty="0"/>
+              <a:t>voucher</a:t>
+            </a:r>
+            <a:endParaRPr lang="ko-KR" altLang="en-US" sz="1400" dirty="0"/>
+          </a:p>
+        </p:txBody>
+      </p:sp>
+      <p:sp>
+        <p:nvSpPr>
+          <p:cNvPr id="8" name="직사각형 7">
+            <a:extLst>
+              <a:ext uri="{FF2B5EF4-FFF2-40B4-BE49-F238E27FC236}">
+                <a16:creationId xmlns:a16="http://schemas.microsoft.com/office/drawing/2014/main" id="{2A8A770C-64A6-4553-8E44-D26F8F2E4ADB}"/>
+              </a:ext>
+            </a:extLst>
+          </p:cNvPr>
+          <p:cNvSpPr/>
+          <p:nvPr/>
+        </p:nvSpPr>
+        <p:spPr>
+          <a:xfrm>
+            <a:off x="4427260" y="3414664"/>
+            <a:ext cx="1412881" cy="783615"/>
+          </a:xfrm>
+          <a:prstGeom prst="rect">
+            <a:avLst/>
+          </a:prstGeom>
+          <a:gradFill flip="none" rotWithShape="1">
+            <a:gsLst>
+              <a:gs pos="0">
+                <a:schemeClr val="accent4">
+                  <a:lumMod val="67000"/>
+                </a:schemeClr>
+              </a:gs>
+              <a:gs pos="48000">
+                <a:schemeClr val="accent4">
+                  <a:lumMod val="97000"/>
+                  <a:lumOff val="3000"/>
+                </a:schemeClr>
+              </a:gs>
+              <a:gs pos="100000">
+                <a:schemeClr val="accent4">
+                  <a:lumMod val="60000"/>
+                  <a:lumOff val="40000"/>
+                </a:schemeClr>
+              </a:gs>
+            </a:gsLst>
+            <a:lin ang="16200000" scaled="1"/>
+            <a:tileRect/>
+          </a:gradFill>
+          <a:ln>
+            <a:noFill/>
+          </a:ln>
+        </p:spPr>
+        <p:style>
+          <a:lnRef idx="0">
+            <a:scrgbClr r="0" g="0" b="0"/>
+          </a:lnRef>
+          <a:fillRef idx="0">
+            <a:scrgbClr r="0" g="0" b="0"/>
+          </a:fillRef>
+          <a:effectRef idx="0">
+            <a:scrgbClr r="0" g="0" b="0"/>
+          </a:effectRef>
+          <a:fontRef idx="minor">
+            <a:schemeClr val="lt1"/>
+          </a:fontRef>
+        </p:style>
+        <p:txBody>
+          <a:bodyPr rtlCol="0" anchor="ctr"/>
+          <a:lstStyle/>
+          <a:p>
+            <a:pPr algn="ctr"/>
+            <a:r>
+              <a:rPr lang="en-US" altLang="ko-KR" sz="1400" dirty="0"/>
+              <a:t>Customer</a:t>
+            </a:r>
+          </a:p>
+          <a:p>
+            <a:pPr algn="ctr"/>
+            <a:r>
+              <a:rPr lang="en-US" altLang="ko-KR" sz="1400" dirty="0"/>
+              <a:t>Voucher</a:t>
+            </a:r>
+            <a:endParaRPr lang="ko-KR" altLang="en-US" sz="1400" dirty="0"/>
+          </a:p>
+        </p:txBody>
+      </p:sp>
+      <p:sp>
+        <p:nvSpPr>
+          <p:cNvPr id="9" name="직사각형 8">
+            <a:extLst>
+              <a:ext uri="{FF2B5EF4-FFF2-40B4-BE49-F238E27FC236}">
+                <a16:creationId xmlns:a16="http://schemas.microsoft.com/office/drawing/2014/main" id="{91A8723C-D179-40D0-9D8E-36BDFD6D446D}"/>
+              </a:ext>
+            </a:extLst>
+          </p:cNvPr>
+          <p:cNvSpPr/>
+          <p:nvPr/>
+        </p:nvSpPr>
+        <p:spPr>
+          <a:xfrm>
+            <a:off x="6014760" y="3421016"/>
+            <a:ext cx="1163549" cy="783615"/>
+          </a:xfrm>
+          <a:prstGeom prst="rect">
+            <a:avLst/>
+          </a:prstGeom>
+          <a:gradFill flip="none" rotWithShape="1">
+            <a:gsLst>
+              <a:gs pos="0">
+                <a:schemeClr val="accent4">
+                  <a:lumMod val="67000"/>
+                </a:schemeClr>
+              </a:gs>
+              <a:gs pos="48000">
+                <a:schemeClr val="accent4">
+                  <a:lumMod val="97000"/>
+                  <a:lumOff val="3000"/>
+                </a:schemeClr>
+              </a:gs>
+              <a:gs pos="100000">
+                <a:schemeClr val="accent4">
+                  <a:lumMod val="60000"/>
+                  <a:lumOff val="40000"/>
+                </a:schemeClr>
+              </a:gs>
+            </a:gsLst>
+            <a:lin ang="16200000" scaled="1"/>
+            <a:tileRect/>
+          </a:gradFill>
+          <a:ln>
+            <a:noFill/>
+          </a:ln>
+        </p:spPr>
+        <p:style>
+          <a:lnRef idx="0">
+            <a:scrgbClr r="0" g="0" b="0"/>
+          </a:lnRef>
+          <a:fillRef idx="0">
+            <a:scrgbClr r="0" g="0" b="0"/>
+          </a:fillRef>
+          <a:effectRef idx="0">
+            <a:scrgbClr r="0" g="0" b="0"/>
+          </a:effectRef>
+          <a:fontRef idx="minor">
+            <a:schemeClr val="lt1"/>
+          </a:fontRef>
+        </p:style>
+        <p:txBody>
+          <a:bodyPr rtlCol="0" anchor="ctr"/>
+          <a:lstStyle/>
+          <a:p>
+            <a:pPr algn="ctr"/>
+            <a:r>
+              <a:rPr lang="en-US" altLang="ko-KR" sz="1400" dirty="0"/>
+              <a:t>payment</a:t>
+            </a:r>
+            <a:endParaRPr lang="ko-KR" altLang="en-US" sz="1400" dirty="0"/>
+          </a:p>
+        </p:txBody>
+      </p:sp>
+      <p:sp>
+        <p:nvSpPr>
+          <p:cNvPr id="10" name="직사각형 9">
+            <a:extLst>
+              <a:ext uri="{FF2B5EF4-FFF2-40B4-BE49-F238E27FC236}">
+                <a16:creationId xmlns:a16="http://schemas.microsoft.com/office/drawing/2014/main" id="{8CCC858C-66E2-4F4B-82A3-8B55D6AE3FAA}"/>
+              </a:ext>
+            </a:extLst>
+          </p:cNvPr>
+          <p:cNvSpPr/>
+          <p:nvPr/>
+        </p:nvSpPr>
+        <p:spPr>
+          <a:xfrm>
+            <a:off x="2004736" y="5726068"/>
+            <a:ext cx="7741165" cy="979518"/>
+          </a:xfrm>
+          <a:prstGeom prst="rect">
+            <a:avLst/>
+          </a:prstGeom>
+        </p:spPr>
+        <p:style>
+          <a:lnRef idx="2">
+            <a:schemeClr val="accent1">
+              <a:shade val="50000"/>
+            </a:schemeClr>
+          </a:lnRef>
+          <a:fillRef idx="1">
+            <a:schemeClr val="accent1"/>
+          </a:fillRef>
+          <a:effectRef idx="0">
+            <a:schemeClr val="accent1"/>
+          </a:effectRef>
+          <a:fontRef idx="minor">
+            <a:schemeClr val="lt1"/>
+          </a:fontRef>
+        </p:style>
+        <p:txBody>
+          <a:bodyPr rtlCol="0" anchor="ctr"/>
+          <a:lstStyle/>
+          <a:p>
+            <a:pPr algn="ctr"/>
+            <a:r>
+              <a:rPr lang="en-US" altLang="ko-KR" dirty="0"/>
+              <a:t>Operational Capabilities (Automation, Monitoring, etc.)</a:t>
+            </a:r>
+            <a:endParaRPr lang="ko-KR" altLang="en-US" dirty="0"/>
+          </a:p>
+        </p:txBody>
+      </p:sp>
+      <p:sp>
+        <p:nvSpPr>
+          <p:cNvPr id="11" name="사각형: 둥근 모서리 10">
+            <a:extLst>
+              <a:ext uri="{FF2B5EF4-FFF2-40B4-BE49-F238E27FC236}">
+                <a16:creationId xmlns:a16="http://schemas.microsoft.com/office/drawing/2014/main" id="{0F005DD3-B432-47F8-B577-82A4CFE90267}"/>
+              </a:ext>
+            </a:extLst>
+          </p:cNvPr>
+          <p:cNvSpPr/>
+          <p:nvPr/>
+        </p:nvSpPr>
+        <p:spPr>
+          <a:xfrm>
+            <a:off x="2271436" y="5359360"/>
+            <a:ext cx="7201433" cy="255582"/>
+          </a:xfrm>
+          <a:prstGeom prst="roundRect">
+            <a:avLst/>
+          </a:prstGeom>
+        </p:spPr>
+        <p:style>
+          <a:lnRef idx="2">
+            <a:schemeClr val="accent1">
+              <a:shade val="50000"/>
+            </a:schemeClr>
+          </a:lnRef>
+          <a:fillRef idx="1">
+            <a:schemeClr val="accent1"/>
+          </a:fillRef>
+          <a:effectRef idx="0">
+            <a:schemeClr val="accent1"/>
+          </a:effectRef>
+          <a:fontRef idx="minor">
+            <a:schemeClr val="lt1"/>
+          </a:fontRef>
+        </p:style>
+        <p:txBody>
+          <a:bodyPr rtlCol="0" anchor="ctr"/>
+          <a:lstStyle/>
+          <a:p>
+            <a:pPr algn="ctr"/>
+            <a:r>
+              <a:rPr lang="en-US" altLang="ko-KR" sz="1400" dirty="0"/>
+              <a:t>Messaging Channel</a:t>
+            </a:r>
+            <a:endParaRPr lang="ko-KR" altLang="en-US" sz="1400" dirty="0"/>
+          </a:p>
+        </p:txBody>
+      </p:sp>
+      <p:sp>
+        <p:nvSpPr>
+          <p:cNvPr id="12" name="직사각형 11">
+            <a:extLst>
+              <a:ext uri="{FF2B5EF4-FFF2-40B4-BE49-F238E27FC236}">
+                <a16:creationId xmlns:a16="http://schemas.microsoft.com/office/drawing/2014/main" id="{A3BEA4B3-0F54-4059-A720-1F91C2395148}"/>
+              </a:ext>
+            </a:extLst>
+          </p:cNvPr>
+          <p:cNvSpPr/>
+          <p:nvPr/>
+        </p:nvSpPr>
+        <p:spPr>
+          <a:xfrm>
+            <a:off x="8808760" y="3408317"/>
+            <a:ext cx="1187295" cy="783615"/>
+          </a:xfrm>
+          <a:prstGeom prst="rect">
+            <a:avLst/>
+          </a:prstGeom>
+          <a:gradFill flip="none" rotWithShape="1">
+            <a:gsLst>
+              <a:gs pos="0">
+                <a:schemeClr val="accent4">
+                  <a:lumMod val="67000"/>
+                </a:schemeClr>
+              </a:gs>
+              <a:gs pos="48000">
+                <a:schemeClr val="accent4">
+                  <a:lumMod val="97000"/>
+                  <a:lumOff val="3000"/>
+                </a:schemeClr>
+              </a:gs>
+              <a:gs pos="100000">
+                <a:schemeClr val="accent4">
+                  <a:lumMod val="60000"/>
+                  <a:lumOff val="40000"/>
+                </a:schemeClr>
+              </a:gs>
+            </a:gsLst>
+            <a:lin ang="16200000" scaled="1"/>
+            <a:tileRect/>
+          </a:gradFill>
+          <a:ln>
+            <a:noFill/>
+          </a:ln>
+        </p:spPr>
+        <p:style>
+          <a:lnRef idx="0">
+            <a:scrgbClr r="0" g="0" b="0"/>
+          </a:lnRef>
+          <a:fillRef idx="0">
+            <a:scrgbClr r="0" g="0" b="0"/>
+          </a:fillRef>
+          <a:effectRef idx="0">
+            <a:scrgbClr r="0" g="0" b="0"/>
+          </a:effectRef>
+          <a:fontRef idx="minor">
+            <a:schemeClr val="lt1"/>
+          </a:fontRef>
+        </p:style>
+        <p:txBody>
+          <a:bodyPr rtlCol="0" anchor="ctr"/>
+          <a:lstStyle/>
+          <a:p>
+            <a:pPr algn="ctr"/>
+            <a:r>
+              <a:rPr lang="en-US" altLang="ko-KR" sz="1400" dirty="0" err="1"/>
+              <a:t>myPage</a:t>
+            </a:r>
+            <a:endParaRPr lang="ko-KR" altLang="en-US" sz="1400" dirty="0"/>
+          </a:p>
+        </p:txBody>
+      </p:sp>
+      <p:sp>
+        <p:nvSpPr>
+          <p:cNvPr id="13" name="직사각형 12">
+            <a:extLst>
+              <a:ext uri="{FF2B5EF4-FFF2-40B4-BE49-F238E27FC236}">
+                <a16:creationId xmlns:a16="http://schemas.microsoft.com/office/drawing/2014/main" id="{9E3F675D-593C-482A-A6B9-A7EA35EA5C72}"/>
+              </a:ext>
+            </a:extLst>
+          </p:cNvPr>
+          <p:cNvSpPr/>
+          <p:nvPr/>
+        </p:nvSpPr>
+        <p:spPr>
+          <a:xfrm>
+            <a:off x="7310160" y="3433715"/>
+            <a:ext cx="1294152" cy="783615"/>
+          </a:xfrm>
+          <a:prstGeom prst="rect">
+            <a:avLst/>
+          </a:prstGeom>
+          <a:gradFill flip="none" rotWithShape="1">
+            <a:gsLst>
+              <a:gs pos="0">
+                <a:schemeClr val="accent4">
+                  <a:lumMod val="67000"/>
+                </a:schemeClr>
+              </a:gs>
+              <a:gs pos="48000">
+                <a:schemeClr val="accent4">
+                  <a:lumMod val="97000"/>
+                  <a:lumOff val="3000"/>
+                </a:schemeClr>
+              </a:gs>
+              <a:gs pos="100000">
+                <a:schemeClr val="accent4">
+                  <a:lumMod val="60000"/>
+                  <a:lumOff val="40000"/>
+                </a:schemeClr>
+              </a:gs>
+            </a:gsLst>
+            <a:lin ang="16200000" scaled="1"/>
+            <a:tileRect/>
+          </a:gradFill>
+          <a:ln>
+            <a:noFill/>
+          </a:ln>
+        </p:spPr>
+        <p:style>
+          <a:lnRef idx="0">
+            <a:scrgbClr r="0" g="0" b="0"/>
+          </a:lnRef>
+          <a:fillRef idx="0">
+            <a:scrgbClr r="0" g="0" b="0"/>
+          </a:fillRef>
+          <a:effectRef idx="0">
+            <a:scrgbClr r="0" g="0" b="0"/>
+          </a:effectRef>
+          <a:fontRef idx="minor">
+            <a:schemeClr val="lt1"/>
+          </a:fontRef>
+        </p:style>
+        <p:txBody>
+          <a:bodyPr rtlCol="0" anchor="ctr"/>
+          <a:lstStyle/>
+          <a:p>
+            <a:pPr algn="ctr"/>
+            <a:r>
+              <a:rPr lang="en-US" altLang="ko-KR" sz="1400" dirty="0"/>
+              <a:t>notification</a:t>
+            </a:r>
+            <a:endParaRPr lang="ko-KR" altLang="en-US" sz="1400" dirty="0"/>
+          </a:p>
+        </p:txBody>
+      </p:sp>
+      <p:sp>
+        <p:nvSpPr>
+          <p:cNvPr id="17" name="직사각형 16">
+            <a:extLst>
+              <a:ext uri="{FF2B5EF4-FFF2-40B4-BE49-F238E27FC236}">
+                <a16:creationId xmlns:a16="http://schemas.microsoft.com/office/drawing/2014/main" id="{3E7D3B88-E83E-4DC3-A3A2-4097773C7BD6}"/>
+              </a:ext>
+            </a:extLst>
+          </p:cNvPr>
+          <p:cNvSpPr/>
+          <p:nvPr/>
+        </p:nvSpPr>
+        <p:spPr>
+          <a:xfrm>
+            <a:off x="3211236" y="3091716"/>
+            <a:ext cx="1092312" cy="293856"/>
+          </a:xfrm>
+          <a:prstGeom prst="rect">
+            <a:avLst/>
+          </a:prstGeom>
+        </p:spPr>
+        <p:style>
+          <a:lnRef idx="2">
+            <a:schemeClr val="accent1">
+              <a:shade val="50000"/>
+            </a:schemeClr>
+          </a:lnRef>
+          <a:fillRef idx="1">
+            <a:schemeClr val="accent1"/>
+          </a:fillRef>
+          <a:effectRef idx="0">
+            <a:schemeClr val="accent1"/>
+          </a:effectRef>
+          <a:fontRef idx="minor">
+            <a:schemeClr val="lt1"/>
+          </a:fontRef>
+        </p:style>
+        <p:txBody>
+          <a:bodyPr rtlCol="0" anchor="ctr"/>
+          <a:lstStyle/>
+          <a:p>
+            <a:pPr algn="ctr"/>
+            <a:r>
+              <a:rPr lang="en-US" altLang="ko-KR" sz="1000" dirty="0"/>
+              <a:t>Load Balancing</a:t>
+            </a:r>
+            <a:endParaRPr lang="ko-KR" altLang="en-US" sz="1000" dirty="0"/>
+          </a:p>
+        </p:txBody>
+      </p:sp>
+      <p:sp>
+        <p:nvSpPr>
+          <p:cNvPr id="5" name="직사각형 4">
+            <a:extLst>
+              <a:ext uri="{FF2B5EF4-FFF2-40B4-BE49-F238E27FC236}">
+                <a16:creationId xmlns:a16="http://schemas.microsoft.com/office/drawing/2014/main" id="{9D4B3810-61AA-4F52-883A-4D05AACEDBA1}"/>
+              </a:ext>
+            </a:extLst>
+          </p:cNvPr>
+          <p:cNvSpPr/>
+          <p:nvPr/>
+        </p:nvSpPr>
+        <p:spPr>
+          <a:xfrm>
+            <a:off x="1826936" y="3401964"/>
+            <a:ext cx="1258533" cy="795863"/>
+          </a:xfrm>
+          <a:prstGeom prst="rect">
+            <a:avLst/>
+          </a:prstGeom>
+          <a:gradFill flip="none" rotWithShape="1">
+            <a:gsLst>
+              <a:gs pos="0">
+                <a:schemeClr val="accent4">
+                  <a:lumMod val="67000"/>
+                </a:schemeClr>
+              </a:gs>
+              <a:gs pos="48000">
+                <a:schemeClr val="accent4">
+                  <a:lumMod val="97000"/>
+                  <a:lumOff val="3000"/>
+                </a:schemeClr>
+              </a:gs>
+              <a:gs pos="100000">
+                <a:schemeClr val="accent4">
+                  <a:lumMod val="60000"/>
+                  <a:lumOff val="40000"/>
+                </a:schemeClr>
+              </a:gs>
+            </a:gsLst>
+            <a:lin ang="16200000" scaled="1"/>
+            <a:tileRect/>
+          </a:gradFill>
+          <a:ln>
+            <a:noFill/>
+          </a:ln>
+        </p:spPr>
+        <p:style>
+          <a:lnRef idx="0">
+            <a:scrgbClr r="0" g="0" b="0"/>
+          </a:lnRef>
+          <a:fillRef idx="0">
+            <a:scrgbClr r="0" g="0" b="0"/>
+          </a:fillRef>
+          <a:effectRef idx="0">
+            <a:scrgbClr r="0" g="0" b="0"/>
+          </a:effectRef>
+          <a:fontRef idx="minor">
+            <a:schemeClr val="lt1"/>
+          </a:fontRef>
+        </p:style>
+        <p:txBody>
+          <a:bodyPr rtlCol="0" anchor="ctr"/>
+          <a:lstStyle/>
+          <a:p>
+            <a:pPr algn="ctr"/>
+            <a:r>
+              <a:rPr lang="en-US" altLang="ko-KR" sz="1400" dirty="0"/>
+              <a:t>purchase</a:t>
+            </a:r>
+            <a:endParaRPr lang="ko-KR" altLang="en-US" sz="1400" dirty="0"/>
+          </a:p>
+        </p:txBody>
+      </p:sp>
+      <p:sp>
+        <p:nvSpPr>
+          <p:cNvPr id="23" name="직사각형 22">
+            <a:extLst>
+              <a:ext uri="{FF2B5EF4-FFF2-40B4-BE49-F238E27FC236}">
+                <a16:creationId xmlns:a16="http://schemas.microsoft.com/office/drawing/2014/main" id="{13EED354-EF15-4289-B624-2C887891DAD1}"/>
+              </a:ext>
+            </a:extLst>
+          </p:cNvPr>
+          <p:cNvSpPr/>
+          <p:nvPr/>
+        </p:nvSpPr>
+        <p:spPr>
+          <a:xfrm>
+            <a:off x="1814236" y="4205238"/>
+            <a:ext cx="1270406" cy="293856"/>
+          </a:xfrm>
+          <a:prstGeom prst="rect">
+            <a:avLst/>
+          </a:prstGeom>
+        </p:spPr>
+        <p:style>
+          <a:lnRef idx="2">
+            <a:schemeClr val="accent1">
+              <a:shade val="50000"/>
+            </a:schemeClr>
+          </a:lnRef>
+          <a:fillRef idx="1">
+            <a:schemeClr val="accent1"/>
+          </a:fillRef>
+          <a:effectRef idx="0">
+            <a:schemeClr val="accent1"/>
+          </a:effectRef>
+          <a:fontRef idx="minor">
+            <a:schemeClr val="lt1"/>
+          </a:fontRef>
+        </p:style>
+        <p:txBody>
+          <a:bodyPr rtlCol="0" anchor="ctr"/>
+          <a:lstStyle/>
+          <a:p>
+            <a:pPr algn="ctr"/>
+            <a:r>
+              <a:rPr lang="en-US" altLang="ko-KR" sz="1000" dirty="0"/>
+              <a:t>Execution Env</a:t>
+            </a:r>
+            <a:endParaRPr lang="ko-KR" altLang="en-US" sz="1000" dirty="0"/>
+          </a:p>
+        </p:txBody>
+      </p:sp>
+      <p:sp>
+        <p:nvSpPr>
+          <p:cNvPr id="24" name="직사각형 23">
+            <a:extLst>
+              <a:ext uri="{FF2B5EF4-FFF2-40B4-BE49-F238E27FC236}">
+                <a16:creationId xmlns:a16="http://schemas.microsoft.com/office/drawing/2014/main" id="{7596C1A6-E51C-40A6-856D-9A24469DF66E}"/>
+              </a:ext>
+            </a:extLst>
+          </p:cNvPr>
+          <p:cNvSpPr/>
+          <p:nvPr/>
+        </p:nvSpPr>
+        <p:spPr>
+          <a:xfrm>
+            <a:off x="3211236" y="4205238"/>
+            <a:ext cx="1092312" cy="293856"/>
+          </a:xfrm>
+          <a:prstGeom prst="rect">
+            <a:avLst/>
+          </a:prstGeom>
+        </p:spPr>
+        <p:style>
+          <a:lnRef idx="2">
+            <a:schemeClr val="accent1">
+              <a:shade val="50000"/>
+            </a:schemeClr>
+          </a:lnRef>
+          <a:fillRef idx="1">
+            <a:schemeClr val="accent1"/>
+          </a:fillRef>
+          <a:effectRef idx="0">
+            <a:schemeClr val="accent1"/>
+          </a:effectRef>
+          <a:fontRef idx="minor">
+            <a:schemeClr val="lt1"/>
+          </a:fontRef>
+        </p:style>
+        <p:txBody>
+          <a:bodyPr rtlCol="0" anchor="ctr"/>
+          <a:lstStyle/>
+          <a:p>
+            <a:pPr algn="ctr"/>
+            <a:r>
+              <a:rPr lang="en-US" altLang="ko-KR" sz="1000" dirty="0"/>
+              <a:t>Execution Env</a:t>
+            </a:r>
+            <a:endParaRPr lang="ko-KR" altLang="en-US" sz="1000" dirty="0"/>
+          </a:p>
+        </p:txBody>
+      </p:sp>
+      <p:sp>
+        <p:nvSpPr>
+          <p:cNvPr id="26" name="직사각형 25">
+            <a:extLst>
+              <a:ext uri="{FF2B5EF4-FFF2-40B4-BE49-F238E27FC236}">
+                <a16:creationId xmlns:a16="http://schemas.microsoft.com/office/drawing/2014/main" id="{D3AAFD0D-4D88-495D-8324-BA0BA0EBAB9D}"/>
+              </a:ext>
+            </a:extLst>
+          </p:cNvPr>
+          <p:cNvSpPr/>
+          <p:nvPr/>
+        </p:nvSpPr>
+        <p:spPr>
+          <a:xfrm>
+            <a:off x="4427260" y="4205238"/>
+            <a:ext cx="1412881" cy="293856"/>
+          </a:xfrm>
+          <a:prstGeom prst="rect">
+            <a:avLst/>
+          </a:prstGeom>
+        </p:spPr>
+        <p:style>
+          <a:lnRef idx="2">
+            <a:schemeClr val="accent1">
+              <a:shade val="50000"/>
+            </a:schemeClr>
+          </a:lnRef>
+          <a:fillRef idx="1">
+            <a:schemeClr val="accent1"/>
+          </a:fillRef>
+          <a:effectRef idx="0">
+            <a:schemeClr val="accent1"/>
+          </a:effectRef>
+          <a:fontRef idx="minor">
+            <a:schemeClr val="lt1"/>
+          </a:fontRef>
+        </p:style>
+        <p:txBody>
+          <a:bodyPr rtlCol="0" anchor="ctr"/>
+          <a:lstStyle/>
+          <a:p>
+            <a:pPr algn="ctr"/>
+            <a:r>
+              <a:rPr lang="en-US" altLang="ko-KR" sz="1000" dirty="0"/>
+              <a:t>Load Execution Env</a:t>
+            </a:r>
+            <a:endParaRPr lang="ko-KR" altLang="en-US" sz="1000" dirty="0"/>
+          </a:p>
+        </p:txBody>
+      </p:sp>
+      <p:sp>
+        <p:nvSpPr>
+          <p:cNvPr id="27" name="직사각형 26">
+            <a:extLst>
+              <a:ext uri="{FF2B5EF4-FFF2-40B4-BE49-F238E27FC236}">
+                <a16:creationId xmlns:a16="http://schemas.microsoft.com/office/drawing/2014/main" id="{9587038C-5D4C-48CC-8AC8-1E704C51C472}"/>
+              </a:ext>
+            </a:extLst>
+          </p:cNvPr>
+          <p:cNvSpPr/>
+          <p:nvPr/>
+        </p:nvSpPr>
+        <p:spPr>
+          <a:xfrm>
+            <a:off x="6014760" y="4205238"/>
+            <a:ext cx="1163549" cy="293856"/>
+          </a:xfrm>
+          <a:prstGeom prst="rect">
+            <a:avLst/>
+          </a:prstGeom>
+        </p:spPr>
+        <p:style>
+          <a:lnRef idx="2">
+            <a:schemeClr val="accent1">
+              <a:shade val="50000"/>
+            </a:schemeClr>
+          </a:lnRef>
+          <a:fillRef idx="1">
+            <a:schemeClr val="accent1"/>
+          </a:fillRef>
+          <a:effectRef idx="0">
+            <a:schemeClr val="accent1"/>
+          </a:effectRef>
+          <a:fontRef idx="minor">
+            <a:schemeClr val="lt1"/>
+          </a:fontRef>
+        </p:style>
+        <p:txBody>
+          <a:bodyPr rtlCol="0" anchor="ctr"/>
+          <a:lstStyle/>
+          <a:p>
+            <a:pPr algn="ctr"/>
+            <a:r>
+              <a:rPr lang="en-US" altLang="ko-KR" sz="1000" dirty="0"/>
+              <a:t>Execution Env</a:t>
+            </a:r>
+            <a:endParaRPr lang="ko-KR" altLang="en-US" sz="1000" dirty="0"/>
+          </a:p>
+        </p:txBody>
+      </p:sp>
+      <p:sp>
+        <p:nvSpPr>
+          <p:cNvPr id="28" name="직사각형 27">
+            <a:extLst>
+              <a:ext uri="{FF2B5EF4-FFF2-40B4-BE49-F238E27FC236}">
+                <a16:creationId xmlns:a16="http://schemas.microsoft.com/office/drawing/2014/main" id="{0B15446B-19C1-496B-AF15-8D4632C0E3C7}"/>
+              </a:ext>
+            </a:extLst>
+          </p:cNvPr>
+          <p:cNvSpPr/>
+          <p:nvPr/>
+        </p:nvSpPr>
+        <p:spPr>
+          <a:xfrm>
+            <a:off x="7335560" y="4205238"/>
+            <a:ext cx="1270406" cy="293856"/>
+          </a:xfrm>
+          <a:prstGeom prst="rect">
+            <a:avLst/>
+          </a:prstGeom>
+        </p:spPr>
+        <p:style>
+          <a:lnRef idx="2">
+            <a:schemeClr val="accent1">
+              <a:shade val="50000"/>
+            </a:schemeClr>
+          </a:lnRef>
+          <a:fillRef idx="1">
+            <a:schemeClr val="accent1"/>
+          </a:fillRef>
+          <a:effectRef idx="0">
+            <a:schemeClr val="accent1"/>
+          </a:effectRef>
+          <a:fontRef idx="minor">
+            <a:schemeClr val="lt1"/>
+          </a:fontRef>
+        </p:style>
+        <p:txBody>
+          <a:bodyPr rtlCol="0" anchor="ctr"/>
+          <a:lstStyle/>
+          <a:p>
+            <a:pPr algn="ctr"/>
+            <a:r>
+              <a:rPr lang="en-US" altLang="ko-KR" sz="1000" dirty="0"/>
+              <a:t>Execution Env</a:t>
+            </a:r>
+            <a:endParaRPr lang="ko-KR" altLang="en-US" sz="1000" dirty="0"/>
+          </a:p>
+        </p:txBody>
+      </p:sp>
+      <p:sp>
+        <p:nvSpPr>
+          <p:cNvPr id="29" name="직사각형 28">
+            <a:extLst>
+              <a:ext uri="{FF2B5EF4-FFF2-40B4-BE49-F238E27FC236}">
+                <a16:creationId xmlns:a16="http://schemas.microsoft.com/office/drawing/2014/main" id="{FEAC25D8-C585-4ADE-BFB3-89BACFDF0C4B}"/>
+              </a:ext>
+            </a:extLst>
+          </p:cNvPr>
+          <p:cNvSpPr/>
+          <p:nvPr/>
+        </p:nvSpPr>
+        <p:spPr>
+          <a:xfrm>
+            <a:off x="8796060" y="4205238"/>
+            <a:ext cx="1163549" cy="293856"/>
+          </a:xfrm>
+          <a:prstGeom prst="rect">
+            <a:avLst/>
+          </a:prstGeom>
+        </p:spPr>
+        <p:style>
+          <a:lnRef idx="2">
+            <a:schemeClr val="accent1">
+              <a:shade val="50000"/>
+            </a:schemeClr>
+          </a:lnRef>
+          <a:fillRef idx="1">
+            <a:schemeClr val="accent1"/>
+          </a:fillRef>
+          <a:effectRef idx="0">
+            <a:schemeClr val="accent1"/>
+          </a:effectRef>
+          <a:fontRef idx="minor">
+            <a:schemeClr val="lt1"/>
+          </a:fontRef>
+        </p:style>
+        <p:txBody>
+          <a:bodyPr rtlCol="0" anchor="ctr"/>
+          <a:lstStyle/>
+          <a:p>
+            <a:pPr algn="ctr"/>
+            <a:r>
+              <a:rPr lang="en-US" altLang="ko-KR" sz="1000" dirty="0"/>
+              <a:t>Execution Env</a:t>
+            </a:r>
+            <a:endParaRPr lang="ko-KR" altLang="en-US" sz="1000" dirty="0"/>
+          </a:p>
+        </p:txBody>
+      </p:sp>
+      <p:cxnSp>
+        <p:nvCxnSpPr>
+          <p:cNvPr id="31" name="직선 화살표 연결선 30">
+            <a:extLst>
+              <a:ext uri="{FF2B5EF4-FFF2-40B4-BE49-F238E27FC236}">
+                <a16:creationId xmlns:a16="http://schemas.microsoft.com/office/drawing/2014/main" id="{9AED4A1E-97CC-4AE8-87FF-96910C6EBBB1}"/>
+              </a:ext>
+            </a:extLst>
+          </p:cNvPr>
+          <p:cNvCxnSpPr>
+            <a:cxnSpLocks/>
+          </p:cNvCxnSpPr>
+          <p:nvPr/>
+        </p:nvCxnSpPr>
+        <p:spPr>
+          <a:xfrm flipH="1">
+            <a:off x="2493686" y="4528673"/>
+            <a:ext cx="7054" cy="824338"/>
+          </a:xfrm>
+          <a:prstGeom prst="straightConnector1">
+            <a:avLst/>
+          </a:prstGeom>
+          <a:ln>
+            <a:tailEnd type="triangle"/>
+          </a:ln>
+        </p:spPr>
+        <p:style>
+          <a:lnRef idx="1">
+            <a:schemeClr val="accent1"/>
+          </a:lnRef>
+          <a:fillRef idx="0">
+            <a:schemeClr val="accent1"/>
+          </a:fillRef>
+          <a:effectRef idx="0">
+            <a:schemeClr val="accent1"/>
+          </a:effectRef>
+          <a:fontRef idx="minor">
+            <a:schemeClr val="tx1"/>
+          </a:fontRef>
+        </p:style>
+      </p:cxnSp>
+      <p:sp>
+        <p:nvSpPr>
+          <p:cNvPr id="35" name="TextBox 34">
+            <a:extLst>
+              <a:ext uri="{FF2B5EF4-FFF2-40B4-BE49-F238E27FC236}">
+                <a16:creationId xmlns:a16="http://schemas.microsoft.com/office/drawing/2014/main" id="{A357ADB4-EE7D-4F25-AE90-0B329AC0DD6D}"/>
+              </a:ext>
+            </a:extLst>
+          </p:cNvPr>
+          <p:cNvSpPr txBox="1"/>
+          <p:nvPr/>
+        </p:nvSpPr>
+        <p:spPr>
+          <a:xfrm>
+            <a:off x="1814237" y="4681493"/>
+            <a:ext cx="673790" cy="338554"/>
+          </a:xfrm>
+          <a:prstGeom prst="rect">
+            <a:avLst/>
+          </a:prstGeom>
+          <a:noFill/>
+        </p:spPr>
+        <p:txBody>
+          <a:bodyPr wrap="square" rtlCol="0">
             <a:spAutoFit/>
           </a:bodyPr>
           <a:lstStyle/>
           <a:p>
-            <a:pPr>
-              <a:lnSpc>
-                <a:spcPct val="150000"/>
-              </a:lnSpc>
-            </a:pPr>
-            <a:r>
-              <a:rPr lang="en-US" altLang="ko-KR" sz="1400" dirty="0">
-                <a:solidFill>
-                  <a:srgbClr val="000000"/>
-                </a:solidFill>
-                <a:latin typeface="Arial" panose="020B0604020202020204" pitchFamily="34" charset="0"/>
-              </a:rPr>
-              <a:t>[</a:t>
-            </a:r>
-            <a:r>
-              <a:rPr lang="ko-KR" altLang="en-US" sz="1400" dirty="0">
-                <a:solidFill>
-                  <a:srgbClr val="000000"/>
-                </a:solidFill>
-                <a:latin typeface="Arial" panose="020B0604020202020204" pitchFamily="34" charset="0"/>
-              </a:rPr>
-              <a:t>도메인</a:t>
-            </a:r>
-            <a:r>
-              <a:rPr lang="en-US" altLang="ko-KR" sz="1400" dirty="0">
-                <a:solidFill>
-                  <a:srgbClr val="000000"/>
-                </a:solidFill>
-                <a:latin typeface="Arial" panose="020B0604020202020204" pitchFamily="34" charset="0"/>
-              </a:rPr>
-              <a:t>]</a:t>
-            </a:r>
-          </a:p>
-          <a:p>
-            <a:pPr>
-              <a:lnSpc>
-                <a:spcPct val="150000"/>
-              </a:lnSpc>
-            </a:pPr>
-            <a:endParaRPr lang="ko-KR" altLang="en-US" sz="1400" b="0" dirty="0">
-              <a:effectLst/>
-            </a:endParaRPr>
-          </a:p>
-          <a:p>
-            <a:pPr marL="285750" indent="-285750">
-              <a:lnSpc>
-                <a:spcPct val="150000"/>
-              </a:lnSpc>
-              <a:buFont typeface="Wingdings" panose="05000000000000000000" pitchFamily="2" charset="2"/>
-              <a:buChar char="§"/>
-            </a:pPr>
-            <a:r>
-              <a:rPr lang="ko-KR" altLang="en-US" sz="1400" dirty="0">
-                <a:solidFill>
-                  <a:srgbClr val="000000"/>
-                </a:solidFill>
-                <a:latin typeface="Arial" panose="020B0604020202020204" pitchFamily="34" charset="0"/>
-              </a:rPr>
-              <a:t>상품권</a:t>
-            </a:r>
-            <a:r>
-              <a:rPr lang="en-US" altLang="ko-KR" sz="1400" dirty="0">
-                <a:solidFill>
-                  <a:srgbClr val="000000"/>
-                </a:solidFill>
-                <a:latin typeface="Arial" panose="020B0604020202020204" pitchFamily="34" charset="0"/>
-              </a:rPr>
-              <a:t>(Voucher): </a:t>
-            </a:r>
-            <a:r>
-              <a:rPr lang="ko-KR" altLang="en-US" sz="1400" dirty="0">
-                <a:solidFill>
-                  <a:srgbClr val="000000"/>
-                </a:solidFill>
-                <a:latin typeface="Arial" panose="020B0604020202020204" pitchFamily="34" charset="0"/>
-              </a:rPr>
-              <a:t>상품권 총 발행금액과 상태를 관리</a:t>
-            </a:r>
-            <a:endParaRPr lang="ko-KR" altLang="en-US" sz="1400" b="0" dirty="0">
-              <a:effectLst/>
-            </a:endParaRPr>
-          </a:p>
-          <a:p>
-            <a:pPr marL="285750" indent="-285750">
-              <a:lnSpc>
-                <a:spcPct val="150000"/>
-              </a:lnSpc>
-              <a:buFont typeface="Wingdings" panose="05000000000000000000" pitchFamily="2" charset="2"/>
-              <a:buChar char="§"/>
-            </a:pPr>
-            <a:r>
-              <a:rPr lang="ko-KR" altLang="en-US" sz="1400" dirty="0">
-                <a:solidFill>
-                  <a:srgbClr val="000000"/>
-                </a:solidFill>
-                <a:latin typeface="Arial" panose="020B0604020202020204" pitchFamily="34" charset="0"/>
-              </a:rPr>
-              <a:t>구매</a:t>
-            </a:r>
-            <a:r>
-              <a:rPr lang="en-US" altLang="ko-KR" sz="1400" dirty="0">
-                <a:solidFill>
-                  <a:srgbClr val="000000"/>
-                </a:solidFill>
-                <a:latin typeface="Arial" panose="020B0604020202020204" pitchFamily="34" charset="0"/>
-              </a:rPr>
-              <a:t>(Purchase): </a:t>
-            </a:r>
-            <a:r>
-              <a:rPr lang="ko-KR" altLang="en-US" sz="1400" dirty="0">
-                <a:solidFill>
-                  <a:srgbClr val="000000"/>
-                </a:solidFill>
-                <a:latin typeface="Arial" panose="020B0604020202020204" pitchFamily="34" charset="0"/>
-              </a:rPr>
-              <a:t>상품권 구매 및 취소 요청 관리</a:t>
-            </a:r>
-            <a:endParaRPr lang="ko-KR" altLang="en-US" sz="1400" b="0" dirty="0">
-              <a:effectLst/>
-            </a:endParaRPr>
-          </a:p>
-          <a:p>
-            <a:pPr marL="285750" indent="-285750">
-              <a:lnSpc>
-                <a:spcPct val="150000"/>
-              </a:lnSpc>
-              <a:buFont typeface="Wingdings" panose="05000000000000000000" pitchFamily="2" charset="2"/>
-              <a:buChar char="§"/>
-            </a:pPr>
-            <a:r>
-              <a:rPr lang="ko-KR" altLang="en-US" sz="1400" dirty="0">
-                <a:solidFill>
-                  <a:srgbClr val="000000"/>
-                </a:solidFill>
-                <a:latin typeface="Arial" panose="020B0604020202020204" pitchFamily="34" charset="0"/>
-              </a:rPr>
-              <a:t>고객상품권발행내역</a:t>
-            </a:r>
-            <a:r>
-              <a:rPr lang="en-US" altLang="ko-KR" sz="1400" dirty="0">
-                <a:solidFill>
-                  <a:srgbClr val="000000"/>
-                </a:solidFill>
-                <a:latin typeface="Arial" panose="020B0604020202020204" pitchFamily="34" charset="0"/>
-              </a:rPr>
-              <a:t>(</a:t>
-            </a:r>
-            <a:r>
-              <a:rPr lang="en-US" altLang="ko-KR" sz="1400" dirty="0" err="1">
-                <a:solidFill>
-                  <a:srgbClr val="000000"/>
-                </a:solidFill>
-                <a:latin typeface="Arial" panose="020B0604020202020204" pitchFamily="34" charset="0"/>
-              </a:rPr>
-              <a:t>CustomerVoucher</a:t>
-            </a:r>
-            <a:r>
-              <a:rPr lang="en-US" altLang="ko-KR" sz="1400" dirty="0">
-                <a:solidFill>
-                  <a:srgbClr val="000000"/>
-                </a:solidFill>
-                <a:latin typeface="Arial" panose="020B0604020202020204" pitchFamily="34" charset="0"/>
-              </a:rPr>
-              <a:t>) : </a:t>
-            </a:r>
-            <a:r>
-              <a:rPr lang="ko-KR" altLang="en-US" sz="1400" dirty="0">
-                <a:solidFill>
-                  <a:srgbClr val="000000"/>
-                </a:solidFill>
-                <a:latin typeface="Arial" panose="020B0604020202020204" pitchFamily="34" charset="0"/>
-              </a:rPr>
-              <a:t>고객 상품권 발행 관리</a:t>
-            </a:r>
-            <a:endParaRPr lang="ko-KR" altLang="en-US" sz="1400" b="0" dirty="0">
-              <a:effectLst/>
-            </a:endParaRPr>
-          </a:p>
-          <a:p>
-            <a:pPr marL="285750" indent="-285750">
-              <a:lnSpc>
-                <a:spcPct val="150000"/>
-              </a:lnSpc>
-              <a:buFont typeface="Wingdings" panose="05000000000000000000" pitchFamily="2" charset="2"/>
-              <a:buChar char="§"/>
-            </a:pPr>
-            <a:r>
-              <a:rPr lang="ko-KR" altLang="en-US" sz="1400" dirty="0">
-                <a:solidFill>
-                  <a:srgbClr val="000000"/>
-                </a:solidFill>
-                <a:latin typeface="Arial" panose="020B0604020202020204" pitchFamily="34" charset="0"/>
-              </a:rPr>
-              <a:t>발행한도관리</a:t>
-            </a:r>
-            <a:r>
-              <a:rPr lang="en-US" altLang="ko-KR" sz="1400" dirty="0">
-                <a:solidFill>
-                  <a:srgbClr val="000000"/>
-                </a:solidFill>
-                <a:latin typeface="Arial" panose="020B0604020202020204" pitchFamily="34" charset="0"/>
-              </a:rPr>
-              <a:t>(</a:t>
-            </a:r>
-            <a:r>
-              <a:rPr lang="en-US" altLang="ko-KR" sz="1400" dirty="0" err="1">
-                <a:solidFill>
-                  <a:srgbClr val="000000"/>
-                </a:solidFill>
-                <a:latin typeface="Arial" panose="020B0604020202020204" pitchFamily="34" charset="0"/>
-              </a:rPr>
-              <a:t>IssuanceLimit</a:t>
-            </a:r>
-            <a:r>
-              <a:rPr lang="en-US" altLang="ko-KR" sz="1400" dirty="0">
-                <a:solidFill>
-                  <a:srgbClr val="000000"/>
-                </a:solidFill>
-                <a:latin typeface="Arial" panose="020B0604020202020204" pitchFamily="34" charset="0"/>
-              </a:rPr>
-              <a:t>): </a:t>
-            </a:r>
-            <a:r>
-              <a:rPr lang="ko-KR" altLang="en-US" sz="1400" dirty="0">
-                <a:solidFill>
-                  <a:srgbClr val="000000"/>
-                </a:solidFill>
-                <a:latin typeface="Arial" panose="020B0604020202020204" pitchFamily="34" charset="0"/>
-              </a:rPr>
-              <a:t>상품권 총 발행금액 관리</a:t>
-            </a:r>
-            <a:endParaRPr lang="ko-KR" altLang="en-US" sz="1400" b="0" dirty="0">
-              <a:effectLst/>
-            </a:endParaRPr>
-          </a:p>
-          <a:p>
-            <a:pPr marL="285750" indent="-285750">
-              <a:lnSpc>
-                <a:spcPct val="150000"/>
-              </a:lnSpc>
-              <a:buFont typeface="Wingdings" panose="05000000000000000000" pitchFamily="2" charset="2"/>
-              <a:buChar char="§"/>
-            </a:pPr>
-            <a:r>
-              <a:rPr lang="ko-KR" altLang="en-US" sz="1400" dirty="0">
-                <a:solidFill>
-                  <a:srgbClr val="000000"/>
-                </a:solidFill>
-                <a:latin typeface="Arial" panose="020B0604020202020204" pitchFamily="34" charset="0"/>
-              </a:rPr>
-              <a:t>알림</a:t>
-            </a:r>
-            <a:r>
-              <a:rPr lang="en-US" altLang="ko-KR" sz="1400" dirty="0">
-                <a:solidFill>
-                  <a:srgbClr val="000000"/>
-                </a:solidFill>
-                <a:latin typeface="Arial" panose="020B0604020202020204" pitchFamily="34" charset="0"/>
-              </a:rPr>
-              <a:t>(Notification): </a:t>
-            </a:r>
-            <a:r>
-              <a:rPr lang="ko-KR" altLang="en-US" sz="1400" dirty="0">
-                <a:solidFill>
-                  <a:srgbClr val="000000"/>
-                </a:solidFill>
-                <a:latin typeface="Arial" panose="020B0604020202020204" pitchFamily="34" charset="0"/>
-              </a:rPr>
-              <a:t>카카오톡 알림 발송 처리</a:t>
-            </a:r>
-            <a:endParaRPr lang="ko-KR" altLang="en-US" sz="1400" b="0" dirty="0">
-              <a:effectLst/>
-            </a:endParaRPr>
-          </a:p>
-          <a:p>
-            <a:pPr marL="285750" indent="-285750">
-              <a:lnSpc>
-                <a:spcPct val="150000"/>
-              </a:lnSpc>
-              <a:buFont typeface="Wingdings" panose="05000000000000000000" pitchFamily="2" charset="2"/>
-              <a:buChar char="§"/>
-            </a:pPr>
-            <a:r>
-              <a:rPr lang="ko-KR" altLang="en-US" sz="1400" dirty="0">
-                <a:solidFill>
-                  <a:srgbClr val="000000"/>
-                </a:solidFill>
-                <a:latin typeface="Arial" panose="020B0604020202020204" pitchFamily="34" charset="0"/>
-              </a:rPr>
-              <a:t>결제</a:t>
-            </a:r>
-            <a:r>
-              <a:rPr lang="en-US" altLang="ko-KR" sz="1400" dirty="0">
-                <a:solidFill>
-                  <a:srgbClr val="000000"/>
-                </a:solidFill>
-                <a:latin typeface="Arial" panose="020B0604020202020204" pitchFamily="34" charset="0"/>
-              </a:rPr>
-              <a:t>(payment): </a:t>
-            </a:r>
-            <a:r>
-              <a:rPr lang="ko-KR" altLang="en-US" sz="1400" dirty="0">
-                <a:solidFill>
-                  <a:srgbClr val="000000"/>
-                </a:solidFill>
-                <a:latin typeface="Arial" panose="020B0604020202020204" pitchFamily="34" charset="0"/>
-              </a:rPr>
-              <a:t>결제 승인</a:t>
-            </a:r>
-            <a:r>
-              <a:rPr lang="en-US" altLang="ko-KR" sz="1400" dirty="0">
-                <a:solidFill>
-                  <a:srgbClr val="000000"/>
-                </a:solidFill>
-                <a:latin typeface="Arial" panose="020B0604020202020204" pitchFamily="34" charset="0"/>
-              </a:rPr>
-              <a:t>/</a:t>
-            </a:r>
-            <a:r>
-              <a:rPr lang="ko-KR" altLang="en-US" sz="1400" dirty="0">
-                <a:solidFill>
-                  <a:srgbClr val="000000"/>
-                </a:solidFill>
-                <a:latin typeface="Arial" panose="020B0604020202020204" pitchFamily="34" charset="0"/>
-              </a:rPr>
-              <a:t>취소 처리</a:t>
-            </a:r>
-            <a:endParaRPr lang="ko-KR" altLang="en-US" sz="1400" b="0" dirty="0">
-              <a:effectLst/>
-            </a:endParaRPr>
-          </a:p>
-          <a:p>
-            <a:pPr>
-              <a:lnSpc>
-                <a:spcPct val="150000"/>
-              </a:lnSpc>
-            </a:pPr>
-            <a:br>
-              <a:rPr lang="ko-KR" altLang="en-US" sz="1400" dirty="0"/>
-            </a:br>
-            <a:endParaRPr lang="ko-KR" altLang="en-US" sz="1400" dirty="0"/>
+            <a:r>
+              <a:rPr lang="en-US" altLang="ko-KR" sz="800" dirty="0"/>
+              <a:t>Events Published</a:t>
+            </a:r>
+            <a:endParaRPr lang="ko-KR" altLang="en-US" sz="800" dirty="0"/>
+          </a:p>
+        </p:txBody>
+      </p:sp>
+      <p:cxnSp>
+        <p:nvCxnSpPr>
+          <p:cNvPr id="38" name="직선 화살표 연결선 37">
+            <a:extLst>
+              <a:ext uri="{FF2B5EF4-FFF2-40B4-BE49-F238E27FC236}">
+                <a16:creationId xmlns:a16="http://schemas.microsoft.com/office/drawing/2014/main" id="{B8F4E96A-E04A-424D-BE28-96AEF4B23F37}"/>
+              </a:ext>
+            </a:extLst>
+          </p:cNvPr>
+          <p:cNvCxnSpPr>
+            <a:cxnSpLocks/>
+          </p:cNvCxnSpPr>
+          <p:nvPr/>
+        </p:nvCxnSpPr>
+        <p:spPr>
+          <a:xfrm flipV="1">
+            <a:off x="4125636" y="5360842"/>
+            <a:ext cx="0" cy="30270"/>
+          </a:xfrm>
+          <a:prstGeom prst="straightConnector1">
+            <a:avLst/>
+          </a:prstGeom>
+          <a:ln>
+            <a:tailEnd type="triangle"/>
+          </a:ln>
+        </p:spPr>
+        <p:style>
+          <a:lnRef idx="1">
+            <a:schemeClr val="accent1"/>
+          </a:lnRef>
+          <a:fillRef idx="0">
+            <a:schemeClr val="accent1"/>
+          </a:fillRef>
+          <a:effectRef idx="0">
+            <a:schemeClr val="accent1"/>
+          </a:effectRef>
+          <a:fontRef idx="minor">
+            <a:schemeClr val="tx1"/>
+          </a:fontRef>
+        </p:style>
+      </p:cxnSp>
+      <p:sp>
+        <p:nvSpPr>
+          <p:cNvPr id="39" name="TextBox 38">
+            <a:extLst>
+              <a:ext uri="{FF2B5EF4-FFF2-40B4-BE49-F238E27FC236}">
+                <a16:creationId xmlns:a16="http://schemas.microsoft.com/office/drawing/2014/main" id="{1C471805-9ACA-4C2D-954C-07D40095CC3D}"/>
+              </a:ext>
+            </a:extLst>
+          </p:cNvPr>
+          <p:cNvSpPr txBox="1"/>
+          <p:nvPr/>
+        </p:nvSpPr>
+        <p:spPr>
+          <a:xfrm>
+            <a:off x="3319186" y="4729118"/>
+            <a:ext cx="709397" cy="338554"/>
+          </a:xfrm>
+          <a:prstGeom prst="rect">
+            <a:avLst/>
+          </a:prstGeom>
+          <a:noFill/>
+        </p:spPr>
+        <p:txBody>
+          <a:bodyPr wrap="square" rtlCol="0">
+            <a:spAutoFit/>
+          </a:bodyPr>
+          <a:lstStyle/>
+          <a:p>
+            <a:r>
+              <a:rPr lang="en-US" altLang="ko-KR" sz="800" dirty="0"/>
+              <a:t>Events Subscribed</a:t>
+            </a:r>
+            <a:endParaRPr lang="ko-KR" altLang="en-US" sz="800" dirty="0"/>
+          </a:p>
+        </p:txBody>
+      </p:sp>
+      <p:sp>
+        <p:nvSpPr>
+          <p:cNvPr id="40" name="TextBox 39">
+            <a:extLst>
+              <a:ext uri="{FF2B5EF4-FFF2-40B4-BE49-F238E27FC236}">
+                <a16:creationId xmlns:a16="http://schemas.microsoft.com/office/drawing/2014/main" id="{D46E9749-383A-4757-A828-FF3267269C62}"/>
+              </a:ext>
+            </a:extLst>
+          </p:cNvPr>
+          <p:cNvSpPr txBox="1"/>
+          <p:nvPr/>
+        </p:nvSpPr>
+        <p:spPr>
+          <a:xfrm>
+            <a:off x="5963947" y="4667562"/>
+            <a:ext cx="673790" cy="584775"/>
+          </a:xfrm>
+          <a:prstGeom prst="rect">
+            <a:avLst/>
+          </a:prstGeom>
+          <a:noFill/>
+        </p:spPr>
+        <p:txBody>
+          <a:bodyPr wrap="square" rtlCol="0">
+            <a:spAutoFit/>
+          </a:bodyPr>
+          <a:lstStyle/>
+          <a:p>
+            <a:r>
+              <a:rPr lang="en-US" altLang="ko-KR" sz="800" dirty="0"/>
+              <a:t>Events Published/Subscribed</a:t>
+            </a:r>
+            <a:endParaRPr lang="ko-KR" altLang="en-US" sz="800" dirty="0"/>
+          </a:p>
+        </p:txBody>
+      </p:sp>
+      <p:sp>
+        <p:nvSpPr>
+          <p:cNvPr id="41" name="TextBox 40">
+            <a:extLst>
+              <a:ext uri="{FF2B5EF4-FFF2-40B4-BE49-F238E27FC236}">
+                <a16:creationId xmlns:a16="http://schemas.microsoft.com/office/drawing/2014/main" id="{0A0DD3A5-34CE-46D1-B5BB-1A7207A64E5E}"/>
+              </a:ext>
+            </a:extLst>
+          </p:cNvPr>
+          <p:cNvSpPr txBox="1"/>
+          <p:nvPr/>
+        </p:nvSpPr>
+        <p:spPr>
+          <a:xfrm>
+            <a:off x="4462186" y="4659859"/>
+            <a:ext cx="673790" cy="584775"/>
+          </a:xfrm>
+          <a:prstGeom prst="rect">
+            <a:avLst/>
+          </a:prstGeom>
+          <a:noFill/>
+        </p:spPr>
+        <p:txBody>
+          <a:bodyPr wrap="square" rtlCol="0">
+            <a:spAutoFit/>
+          </a:bodyPr>
+          <a:lstStyle/>
+          <a:p>
+            <a:r>
+              <a:rPr lang="en-US" altLang="ko-KR" sz="800" dirty="0"/>
+              <a:t>Events Published/Subscribed</a:t>
+            </a:r>
+            <a:endParaRPr lang="ko-KR" altLang="en-US" sz="800" dirty="0"/>
+          </a:p>
+        </p:txBody>
+      </p:sp>
+      <p:sp>
+        <p:nvSpPr>
+          <p:cNvPr id="43" name="TextBox 42">
+            <a:extLst>
+              <a:ext uri="{FF2B5EF4-FFF2-40B4-BE49-F238E27FC236}">
+                <a16:creationId xmlns:a16="http://schemas.microsoft.com/office/drawing/2014/main" id="{E44C5ECF-7A0C-410C-A537-E9AD10433B0B}"/>
+              </a:ext>
+            </a:extLst>
+          </p:cNvPr>
+          <p:cNvSpPr txBox="1"/>
+          <p:nvPr/>
+        </p:nvSpPr>
+        <p:spPr>
+          <a:xfrm>
+            <a:off x="7546310" y="4707661"/>
+            <a:ext cx="709397" cy="338554"/>
+          </a:xfrm>
+          <a:prstGeom prst="rect">
+            <a:avLst/>
+          </a:prstGeom>
+          <a:noFill/>
+        </p:spPr>
+        <p:txBody>
+          <a:bodyPr wrap="square" rtlCol="0">
+            <a:spAutoFit/>
+          </a:bodyPr>
+          <a:lstStyle/>
+          <a:p>
+            <a:r>
+              <a:rPr lang="en-US" altLang="ko-KR" sz="800" dirty="0"/>
+              <a:t>Events Subscribed</a:t>
+            </a:r>
+            <a:endParaRPr lang="ko-KR" altLang="en-US" sz="800" dirty="0"/>
+          </a:p>
+        </p:txBody>
+      </p:sp>
+      <p:cxnSp>
+        <p:nvCxnSpPr>
+          <p:cNvPr id="46" name="직선 화살표 연결선 45">
+            <a:extLst>
+              <a:ext uri="{FF2B5EF4-FFF2-40B4-BE49-F238E27FC236}">
+                <a16:creationId xmlns:a16="http://schemas.microsoft.com/office/drawing/2014/main" id="{2C02E26D-E036-4D6D-98AB-F6364D4B2107}"/>
+              </a:ext>
+            </a:extLst>
+          </p:cNvPr>
+          <p:cNvCxnSpPr>
+            <a:cxnSpLocks/>
+          </p:cNvCxnSpPr>
+          <p:nvPr/>
+        </p:nvCxnSpPr>
+        <p:spPr>
+          <a:xfrm flipV="1">
+            <a:off x="9168841" y="4532014"/>
+            <a:ext cx="16731" cy="755453"/>
+          </a:xfrm>
+          <a:prstGeom prst="straightConnector1">
+            <a:avLst/>
+          </a:prstGeom>
+          <a:ln>
+            <a:tailEnd type="triangle"/>
+          </a:ln>
+        </p:spPr>
+        <p:style>
+          <a:lnRef idx="1">
+            <a:schemeClr val="accent1"/>
+          </a:lnRef>
+          <a:fillRef idx="0">
+            <a:schemeClr val="accent1"/>
+          </a:fillRef>
+          <a:effectRef idx="0">
+            <a:schemeClr val="accent1"/>
+          </a:effectRef>
+          <a:fontRef idx="minor">
+            <a:schemeClr val="tx1"/>
+          </a:fontRef>
+        </p:style>
+      </p:cxnSp>
+      <p:cxnSp>
+        <p:nvCxnSpPr>
+          <p:cNvPr id="48" name="직선 화살표 연결선 47">
+            <a:extLst>
+              <a:ext uri="{FF2B5EF4-FFF2-40B4-BE49-F238E27FC236}">
+                <a16:creationId xmlns:a16="http://schemas.microsoft.com/office/drawing/2014/main" id="{35851377-1E79-4F0B-8611-07BC7A7A2F2A}"/>
+              </a:ext>
+            </a:extLst>
+          </p:cNvPr>
+          <p:cNvCxnSpPr>
+            <a:cxnSpLocks/>
+          </p:cNvCxnSpPr>
+          <p:nvPr/>
+        </p:nvCxnSpPr>
+        <p:spPr>
+          <a:xfrm>
+            <a:off x="5322610" y="4516386"/>
+            <a:ext cx="0" cy="812704"/>
+          </a:xfrm>
+          <a:prstGeom prst="straightConnector1">
+            <a:avLst/>
+          </a:prstGeom>
+          <a:ln>
+            <a:tailEnd type="triangle"/>
+          </a:ln>
+        </p:spPr>
+        <p:style>
+          <a:lnRef idx="1">
+            <a:schemeClr val="accent1"/>
+          </a:lnRef>
+          <a:fillRef idx="0">
+            <a:schemeClr val="accent1"/>
+          </a:fillRef>
+          <a:effectRef idx="0">
+            <a:schemeClr val="accent1"/>
+          </a:effectRef>
+          <a:fontRef idx="minor">
+            <a:schemeClr val="tx1"/>
+          </a:fontRef>
+        </p:style>
+      </p:cxnSp>
+      <p:cxnSp>
+        <p:nvCxnSpPr>
+          <p:cNvPr id="49" name="직선 화살표 연결선 48">
+            <a:extLst>
+              <a:ext uri="{FF2B5EF4-FFF2-40B4-BE49-F238E27FC236}">
+                <a16:creationId xmlns:a16="http://schemas.microsoft.com/office/drawing/2014/main" id="{914510FB-F34E-404F-98B8-B0470E291739}"/>
+              </a:ext>
+            </a:extLst>
+          </p:cNvPr>
+          <p:cNvCxnSpPr>
+            <a:cxnSpLocks/>
+          </p:cNvCxnSpPr>
+          <p:nvPr/>
+        </p:nvCxnSpPr>
+        <p:spPr>
+          <a:xfrm flipV="1">
+            <a:off x="6913273" y="5341692"/>
+            <a:ext cx="0" cy="30270"/>
+          </a:xfrm>
+          <a:prstGeom prst="straightConnector1">
+            <a:avLst/>
+          </a:prstGeom>
+          <a:ln>
+            <a:tailEnd type="triangle"/>
+          </a:ln>
+        </p:spPr>
+        <p:style>
+          <a:lnRef idx="1">
+            <a:schemeClr val="accent1"/>
+          </a:lnRef>
+          <a:fillRef idx="0">
+            <a:schemeClr val="accent1"/>
+          </a:fillRef>
+          <a:effectRef idx="0">
+            <a:schemeClr val="accent1"/>
+          </a:effectRef>
+          <a:fontRef idx="minor">
+            <a:schemeClr val="tx1"/>
+          </a:fontRef>
+        </p:style>
+      </p:cxnSp>
+      <p:cxnSp>
+        <p:nvCxnSpPr>
+          <p:cNvPr id="50" name="직선 화살표 연결선 49">
+            <a:extLst>
+              <a:ext uri="{FF2B5EF4-FFF2-40B4-BE49-F238E27FC236}">
+                <a16:creationId xmlns:a16="http://schemas.microsoft.com/office/drawing/2014/main" id="{4206AD40-743B-47BF-A2FE-75C3AE07C539}"/>
+              </a:ext>
+            </a:extLst>
+          </p:cNvPr>
+          <p:cNvCxnSpPr>
+            <a:cxnSpLocks/>
+          </p:cNvCxnSpPr>
+          <p:nvPr/>
+        </p:nvCxnSpPr>
+        <p:spPr>
+          <a:xfrm>
+            <a:off x="6732310" y="4551902"/>
+            <a:ext cx="0" cy="812704"/>
+          </a:xfrm>
+          <a:prstGeom prst="straightConnector1">
+            <a:avLst/>
+          </a:prstGeom>
+          <a:ln>
+            <a:tailEnd type="triangle"/>
+          </a:ln>
+        </p:spPr>
+        <p:style>
+          <a:lnRef idx="1">
+            <a:schemeClr val="accent1"/>
+          </a:lnRef>
+          <a:fillRef idx="0">
+            <a:schemeClr val="accent1"/>
+          </a:fillRef>
+          <a:effectRef idx="0">
+            <a:schemeClr val="accent1"/>
+          </a:effectRef>
+          <a:fontRef idx="minor">
+            <a:schemeClr val="tx1"/>
+          </a:fontRef>
+        </p:style>
+      </p:cxnSp>
+      <p:sp>
+        <p:nvSpPr>
+          <p:cNvPr id="51" name="번개 50">
+            <a:extLst>
+              <a:ext uri="{FF2B5EF4-FFF2-40B4-BE49-F238E27FC236}">
+                <a16:creationId xmlns:a16="http://schemas.microsoft.com/office/drawing/2014/main" id="{F301577C-B5D1-4666-A5EC-F4F0C4408F89}"/>
+              </a:ext>
+            </a:extLst>
+          </p:cNvPr>
+          <p:cNvSpPr/>
+          <p:nvPr/>
+        </p:nvSpPr>
+        <p:spPr>
+          <a:xfrm>
+            <a:off x="2293649" y="4611646"/>
+            <a:ext cx="261215" cy="404047"/>
+          </a:xfrm>
+          <a:prstGeom prst="lightningBolt">
+            <a:avLst/>
+          </a:prstGeom>
+        </p:spPr>
+        <p:style>
+          <a:lnRef idx="2">
+            <a:schemeClr val="accent6">
+              <a:shade val="50000"/>
+            </a:schemeClr>
+          </a:lnRef>
+          <a:fillRef idx="1">
+            <a:schemeClr val="accent6"/>
+          </a:fillRef>
+          <a:effectRef idx="0">
+            <a:schemeClr val="accent6"/>
+          </a:effectRef>
+          <a:fontRef idx="minor">
+            <a:schemeClr val="lt1"/>
+          </a:fontRef>
+        </p:style>
+        <p:txBody>
+          <a:bodyPr rtlCol="0" anchor="ctr"/>
+          <a:lstStyle/>
+          <a:p>
+            <a:pPr algn="ctr"/>
+            <a:endParaRPr lang="ko-KR" altLang="en-US"/>
+          </a:p>
+        </p:txBody>
+      </p:sp>
+      <p:sp>
+        <p:nvSpPr>
+          <p:cNvPr id="52" name="번개 51">
+            <a:extLst>
+              <a:ext uri="{FF2B5EF4-FFF2-40B4-BE49-F238E27FC236}">
+                <a16:creationId xmlns:a16="http://schemas.microsoft.com/office/drawing/2014/main" id="{5DC517F2-282B-47D8-902E-33F50273A806}"/>
+              </a:ext>
+            </a:extLst>
+          </p:cNvPr>
+          <p:cNvSpPr/>
+          <p:nvPr/>
+        </p:nvSpPr>
+        <p:spPr>
+          <a:xfrm>
+            <a:off x="3716748" y="4525501"/>
+            <a:ext cx="261215" cy="404047"/>
+          </a:xfrm>
+          <a:prstGeom prst="lightningBolt">
+            <a:avLst/>
+          </a:prstGeom>
+        </p:spPr>
+        <p:style>
+          <a:lnRef idx="2">
+            <a:schemeClr val="accent6">
+              <a:shade val="50000"/>
+            </a:schemeClr>
+          </a:lnRef>
+          <a:fillRef idx="1">
+            <a:schemeClr val="accent6"/>
+          </a:fillRef>
+          <a:effectRef idx="0">
+            <a:schemeClr val="accent6"/>
+          </a:effectRef>
+          <a:fontRef idx="minor">
+            <a:schemeClr val="lt1"/>
+          </a:fontRef>
+        </p:style>
+        <p:txBody>
+          <a:bodyPr rtlCol="0" anchor="ctr"/>
+          <a:lstStyle/>
+          <a:p>
+            <a:pPr algn="ctr"/>
+            <a:endParaRPr lang="ko-KR" altLang="en-US"/>
+          </a:p>
+        </p:txBody>
+      </p:sp>
+      <p:sp>
+        <p:nvSpPr>
+          <p:cNvPr id="54" name="번개 53">
+            <a:extLst>
+              <a:ext uri="{FF2B5EF4-FFF2-40B4-BE49-F238E27FC236}">
+                <a16:creationId xmlns:a16="http://schemas.microsoft.com/office/drawing/2014/main" id="{1CEA9DA3-E972-4245-A5EB-90601A6249FE}"/>
+              </a:ext>
+            </a:extLst>
+          </p:cNvPr>
+          <p:cNvSpPr/>
+          <p:nvPr/>
+        </p:nvSpPr>
+        <p:spPr>
+          <a:xfrm>
+            <a:off x="5206699" y="4583866"/>
+            <a:ext cx="261215" cy="404047"/>
+          </a:xfrm>
+          <a:prstGeom prst="lightningBolt">
+            <a:avLst/>
+          </a:prstGeom>
+        </p:spPr>
+        <p:style>
+          <a:lnRef idx="2">
+            <a:schemeClr val="accent6">
+              <a:shade val="50000"/>
+            </a:schemeClr>
+          </a:lnRef>
+          <a:fillRef idx="1">
+            <a:schemeClr val="accent6"/>
+          </a:fillRef>
+          <a:effectRef idx="0">
+            <a:schemeClr val="accent6"/>
+          </a:effectRef>
+          <a:fontRef idx="minor">
+            <a:schemeClr val="lt1"/>
+          </a:fontRef>
+        </p:style>
+        <p:txBody>
+          <a:bodyPr rtlCol="0" anchor="ctr"/>
+          <a:lstStyle/>
+          <a:p>
+            <a:pPr algn="ctr"/>
+            <a:endParaRPr lang="ko-KR" altLang="en-US"/>
+          </a:p>
+        </p:txBody>
+      </p:sp>
+      <p:sp>
+        <p:nvSpPr>
+          <p:cNvPr id="55" name="번개 54">
+            <a:extLst>
+              <a:ext uri="{FF2B5EF4-FFF2-40B4-BE49-F238E27FC236}">
+                <a16:creationId xmlns:a16="http://schemas.microsoft.com/office/drawing/2014/main" id="{92B74832-C077-47E8-BAF2-02C74AC591BE}"/>
+              </a:ext>
+            </a:extLst>
+          </p:cNvPr>
+          <p:cNvSpPr/>
+          <p:nvPr/>
+        </p:nvSpPr>
+        <p:spPr>
+          <a:xfrm>
+            <a:off x="6627513" y="4667561"/>
+            <a:ext cx="261215" cy="404047"/>
+          </a:xfrm>
+          <a:prstGeom prst="lightningBolt">
+            <a:avLst/>
+          </a:prstGeom>
+        </p:spPr>
+        <p:style>
+          <a:lnRef idx="2">
+            <a:schemeClr val="accent6">
+              <a:shade val="50000"/>
+            </a:schemeClr>
+          </a:lnRef>
+          <a:fillRef idx="1">
+            <a:schemeClr val="accent6"/>
+          </a:fillRef>
+          <a:effectRef idx="0">
+            <a:schemeClr val="accent6"/>
+          </a:effectRef>
+          <a:fontRef idx="minor">
+            <a:schemeClr val="lt1"/>
+          </a:fontRef>
+        </p:style>
+        <p:txBody>
+          <a:bodyPr rtlCol="0" anchor="ctr"/>
+          <a:lstStyle/>
+          <a:p>
+            <a:pPr algn="ctr"/>
+            <a:endParaRPr lang="ko-KR" altLang="en-US"/>
+          </a:p>
+        </p:txBody>
+      </p:sp>
+      <p:sp>
+        <p:nvSpPr>
+          <p:cNvPr id="56" name="번개 55">
+            <a:extLst>
+              <a:ext uri="{FF2B5EF4-FFF2-40B4-BE49-F238E27FC236}">
+                <a16:creationId xmlns:a16="http://schemas.microsoft.com/office/drawing/2014/main" id="{692C974A-D065-4A7A-9B63-BE0A7F6EB937}"/>
+              </a:ext>
+            </a:extLst>
+          </p:cNvPr>
+          <p:cNvSpPr/>
+          <p:nvPr/>
+        </p:nvSpPr>
+        <p:spPr>
+          <a:xfrm>
+            <a:off x="8997063" y="4628288"/>
+            <a:ext cx="261215" cy="404047"/>
+          </a:xfrm>
+          <a:prstGeom prst="lightningBolt">
+            <a:avLst/>
+          </a:prstGeom>
+        </p:spPr>
+        <p:style>
+          <a:lnRef idx="2">
+            <a:schemeClr val="accent6">
+              <a:shade val="50000"/>
+            </a:schemeClr>
+          </a:lnRef>
+          <a:fillRef idx="1">
+            <a:schemeClr val="accent6"/>
+          </a:fillRef>
+          <a:effectRef idx="0">
+            <a:schemeClr val="accent6"/>
+          </a:effectRef>
+          <a:fontRef idx="minor">
+            <a:schemeClr val="lt1"/>
+          </a:fontRef>
+        </p:style>
+        <p:txBody>
+          <a:bodyPr rtlCol="0" anchor="ctr"/>
+          <a:lstStyle/>
+          <a:p>
+            <a:pPr algn="ctr"/>
+            <a:endParaRPr lang="ko-KR" altLang="en-US"/>
+          </a:p>
+        </p:txBody>
+      </p:sp>
+      <p:sp>
+        <p:nvSpPr>
+          <p:cNvPr id="58" name="TextBox 57">
+            <a:extLst>
+              <a:ext uri="{FF2B5EF4-FFF2-40B4-BE49-F238E27FC236}">
+                <a16:creationId xmlns:a16="http://schemas.microsoft.com/office/drawing/2014/main" id="{453E64D4-0AE0-4BA5-96DC-4EE20159A862}"/>
+              </a:ext>
+            </a:extLst>
+          </p:cNvPr>
+          <p:cNvSpPr txBox="1"/>
+          <p:nvPr/>
+        </p:nvSpPr>
+        <p:spPr>
+          <a:xfrm>
+            <a:off x="1871386" y="726515"/>
+            <a:ext cx="1977750" cy="646331"/>
+          </a:xfrm>
+          <a:prstGeom prst="rect">
+            <a:avLst/>
+          </a:prstGeom>
+          <a:noFill/>
+        </p:spPr>
+        <p:txBody>
+          <a:bodyPr wrap="square" rtlCol="0">
+            <a:spAutoFit/>
+          </a:bodyPr>
+          <a:lstStyle/>
+          <a:p>
+            <a:r>
+              <a:rPr lang="en-US" altLang="ko-KR" dirty="0"/>
+              <a:t>Outer Architecture</a:t>
+            </a:r>
+            <a:endParaRPr lang="ko-KR" altLang="en-US" dirty="0"/>
           </a:p>
         </p:txBody>
       </p:sp>
       <p:pic>
         <p:nvPicPr>
-          <p:cNvPr id="2" name="그림 1">
-            <a:extLst>
-              <a:ext uri="{FF2B5EF4-FFF2-40B4-BE49-F238E27FC236}">
-                <a16:creationId xmlns:a16="http://schemas.microsoft.com/office/drawing/2014/main" id="{45F0A250-DD34-4F39-BA57-34BF5D446575}"/>
+          <p:cNvPr id="60" name="그래픽 59" descr="스마트폰">
+            <a:extLst>
+              <a:ext uri="{FF2B5EF4-FFF2-40B4-BE49-F238E27FC236}">
+                <a16:creationId xmlns:a16="http://schemas.microsoft.com/office/drawing/2014/main" id="{1B562B10-B6C5-4CCF-A3F2-8084AC6DE5E8}"/>
               </a:ext>
             </a:extLst>
           </p:cNvPr>
@@ -8781,25 +7744,1005 @@
           <p:nvPr/>
         </p:nvPicPr>
         <p:blipFill>
-          <a:blip r:embed="rId2"/>
+          <a:blip r:embed="rId2">
+            <a:extLst>
+              <a:ext uri="{28A0092B-C50C-407E-A947-70E740481C1C}">
+                <a14:useLocalDpi xmlns:a14="http://schemas.microsoft.com/office/drawing/2010/main" val="0"/>
+              </a:ext>
+              <a:ext uri="{96DAC541-7B7A-43D3-8B79-37D633B846F1}">
+                <asvg:svgBlip xmlns:asvg="http://schemas.microsoft.com/office/drawing/2016/SVG/main" r:embed="rId3"/>
+              </a:ext>
+            </a:extLst>
+          </a:blip>
           <a:stretch>
             <a:fillRect/>
           </a:stretch>
         </p:blipFill>
         <p:spPr>
           <a:xfrm>
-            <a:off x="1576873" y="3234811"/>
-            <a:ext cx="6465604" cy="3541703"/>
+            <a:off x="4893099" y="786348"/>
+            <a:ext cx="524273" cy="524273"/>
           </a:xfrm>
           <a:prstGeom prst="rect">
             <a:avLst/>
           </a:prstGeom>
         </p:spPr>
       </p:pic>
+      <p:pic>
+        <p:nvPicPr>
+          <p:cNvPr id="62" name="그래픽 61" descr="구름">
+            <a:extLst>
+              <a:ext uri="{FF2B5EF4-FFF2-40B4-BE49-F238E27FC236}">
+                <a16:creationId xmlns:a16="http://schemas.microsoft.com/office/drawing/2014/main" id="{EAD00BFB-38D6-4531-91C7-5B833028FE23}"/>
+              </a:ext>
+            </a:extLst>
+          </p:cNvPr>
+          <p:cNvPicPr>
+            <a:picLocks noChangeAspect="1"/>
+          </p:cNvPicPr>
+          <p:nvPr/>
+        </p:nvPicPr>
+        <p:blipFill>
+          <a:blip r:embed="rId4">
+            <a:extLst>
+              <a:ext uri="{28A0092B-C50C-407E-A947-70E740481C1C}">
+                <a14:useLocalDpi xmlns:a14="http://schemas.microsoft.com/office/drawing/2010/main" val="0"/>
+              </a:ext>
+              <a:ext uri="{96DAC541-7B7A-43D3-8B79-37D633B846F1}">
+                <asvg:svgBlip xmlns:asvg="http://schemas.microsoft.com/office/drawing/2016/SVG/main" r:embed="rId5"/>
+              </a:ext>
+            </a:extLst>
+          </a:blip>
+          <a:stretch>
+            <a:fillRect/>
+          </a:stretch>
+        </p:blipFill>
+        <p:spPr>
+          <a:xfrm>
+            <a:off x="5822673" y="739041"/>
+            <a:ext cx="569345" cy="569345"/>
+          </a:xfrm>
+          <a:prstGeom prst="rect">
+            <a:avLst/>
+          </a:prstGeom>
+        </p:spPr>
+      </p:pic>
+      <p:pic>
+        <p:nvPicPr>
+          <p:cNvPr id="64" name="그래픽 63" descr="랩톱">
+            <a:extLst>
+              <a:ext uri="{FF2B5EF4-FFF2-40B4-BE49-F238E27FC236}">
+                <a16:creationId xmlns:a16="http://schemas.microsoft.com/office/drawing/2014/main" id="{CE0451AB-1B75-46B4-B848-14E4BE6CF77D}"/>
+              </a:ext>
+            </a:extLst>
+          </p:cNvPr>
+          <p:cNvPicPr>
+            <a:picLocks noChangeAspect="1"/>
+          </p:cNvPicPr>
+          <p:nvPr/>
+        </p:nvPicPr>
+        <p:blipFill>
+          <a:blip r:embed="rId6">
+            <a:extLst>
+              <a:ext uri="{28A0092B-C50C-407E-A947-70E740481C1C}">
+                <a14:useLocalDpi xmlns:a14="http://schemas.microsoft.com/office/drawing/2010/main" val="0"/>
+              </a:ext>
+              <a:ext uri="{96DAC541-7B7A-43D3-8B79-37D633B846F1}">
+                <asvg:svgBlip xmlns:asvg="http://schemas.microsoft.com/office/drawing/2016/SVG/main" r:embed="rId7"/>
+              </a:ext>
+            </a:extLst>
+          </a:blip>
+          <a:stretch>
+            <a:fillRect/>
+          </a:stretch>
+        </p:blipFill>
+        <p:spPr>
+          <a:xfrm>
+            <a:off x="6949780" y="739041"/>
+            <a:ext cx="584281" cy="584281"/>
+          </a:xfrm>
+          <a:prstGeom prst="rect">
+            <a:avLst/>
+          </a:prstGeom>
+        </p:spPr>
+      </p:pic>
+      <p:cxnSp>
+        <p:nvCxnSpPr>
+          <p:cNvPr id="66" name="직선 화살표 연결선 65">
+            <a:extLst>
+              <a:ext uri="{FF2B5EF4-FFF2-40B4-BE49-F238E27FC236}">
+                <a16:creationId xmlns:a16="http://schemas.microsoft.com/office/drawing/2014/main" id="{03A5FF69-57E5-498C-80B2-51C7BCEB143E}"/>
+              </a:ext>
+            </a:extLst>
+          </p:cNvPr>
+          <p:cNvCxnSpPr>
+            <a:cxnSpLocks/>
+          </p:cNvCxnSpPr>
+          <p:nvPr/>
+        </p:nvCxnSpPr>
+        <p:spPr>
+          <a:xfrm flipH="1">
+            <a:off x="6144937" y="1345084"/>
+            <a:ext cx="1" cy="482952"/>
+          </a:xfrm>
+          <a:prstGeom prst="straightConnector1">
+            <a:avLst/>
+          </a:prstGeom>
+          <a:ln>
+            <a:tailEnd type="triangle"/>
+          </a:ln>
+        </p:spPr>
+        <p:style>
+          <a:lnRef idx="1">
+            <a:schemeClr val="accent1"/>
+          </a:lnRef>
+          <a:fillRef idx="0">
+            <a:schemeClr val="accent1"/>
+          </a:fillRef>
+          <a:effectRef idx="0">
+            <a:schemeClr val="accent1"/>
+          </a:effectRef>
+          <a:fontRef idx="minor">
+            <a:schemeClr val="tx1"/>
+          </a:fontRef>
+        </p:style>
+      </p:cxnSp>
+      <p:cxnSp>
+        <p:nvCxnSpPr>
+          <p:cNvPr id="68" name="직선 화살표 연결선 67">
+            <a:extLst>
+              <a:ext uri="{FF2B5EF4-FFF2-40B4-BE49-F238E27FC236}">
+                <a16:creationId xmlns:a16="http://schemas.microsoft.com/office/drawing/2014/main" id="{D49730AC-E64E-41ED-A098-C9E3A6DD4493}"/>
+              </a:ext>
+            </a:extLst>
+          </p:cNvPr>
+          <p:cNvCxnSpPr>
+            <a:cxnSpLocks/>
+            <a:stCxn id="60" idx="2"/>
+          </p:cNvCxnSpPr>
+          <p:nvPr/>
+        </p:nvCxnSpPr>
+        <p:spPr>
+          <a:xfrm>
+            <a:off x="5155236" y="1310621"/>
+            <a:ext cx="9763" cy="519776"/>
+          </a:xfrm>
+          <a:prstGeom prst="straightConnector1">
+            <a:avLst/>
+          </a:prstGeom>
+          <a:ln>
+            <a:tailEnd type="triangle"/>
+          </a:ln>
+        </p:spPr>
+        <p:style>
+          <a:lnRef idx="1">
+            <a:schemeClr val="accent1"/>
+          </a:lnRef>
+          <a:fillRef idx="0">
+            <a:schemeClr val="accent1"/>
+          </a:fillRef>
+          <a:effectRef idx="0">
+            <a:schemeClr val="accent1"/>
+          </a:effectRef>
+          <a:fontRef idx="minor">
+            <a:schemeClr val="tx1"/>
+          </a:fontRef>
+        </p:style>
+      </p:cxnSp>
+      <p:cxnSp>
+        <p:nvCxnSpPr>
+          <p:cNvPr id="71" name="직선 화살표 연결선 70">
+            <a:extLst>
+              <a:ext uri="{FF2B5EF4-FFF2-40B4-BE49-F238E27FC236}">
+                <a16:creationId xmlns:a16="http://schemas.microsoft.com/office/drawing/2014/main" id="{2470FB8D-23A5-4C06-B0AC-298B02009239}"/>
+              </a:ext>
+            </a:extLst>
+          </p:cNvPr>
+          <p:cNvCxnSpPr>
+            <a:cxnSpLocks/>
+            <a:stCxn id="64" idx="2"/>
+          </p:cNvCxnSpPr>
+          <p:nvPr/>
+        </p:nvCxnSpPr>
+        <p:spPr>
+          <a:xfrm>
+            <a:off x="7241921" y="1323322"/>
+            <a:ext cx="10881" cy="507075"/>
+          </a:xfrm>
+          <a:prstGeom prst="straightConnector1">
+            <a:avLst/>
+          </a:prstGeom>
+          <a:ln>
+            <a:tailEnd type="triangle"/>
+          </a:ln>
+        </p:spPr>
+        <p:style>
+          <a:lnRef idx="1">
+            <a:schemeClr val="accent1"/>
+          </a:lnRef>
+          <a:fillRef idx="0">
+            <a:schemeClr val="accent1"/>
+          </a:fillRef>
+          <a:effectRef idx="0">
+            <a:schemeClr val="accent1"/>
+          </a:effectRef>
+          <a:fontRef idx="minor">
+            <a:schemeClr val="tx1"/>
+          </a:fontRef>
+        </p:style>
+      </p:cxnSp>
+      <p:cxnSp>
+        <p:nvCxnSpPr>
+          <p:cNvPr id="77" name="연결선: 꺾임 76">
+            <a:extLst>
+              <a:ext uri="{FF2B5EF4-FFF2-40B4-BE49-F238E27FC236}">
+                <a16:creationId xmlns:a16="http://schemas.microsoft.com/office/drawing/2014/main" id="{52585B62-461C-4EAC-A122-E3244E8C9B3C}"/>
+              </a:ext>
+            </a:extLst>
+          </p:cNvPr>
+          <p:cNvCxnSpPr>
+            <a:cxnSpLocks/>
+            <a:stCxn id="4" idx="2"/>
+            <a:endCxn id="16" idx="0"/>
+          </p:cNvCxnSpPr>
+          <p:nvPr/>
+        </p:nvCxnSpPr>
+        <p:spPr>
+          <a:xfrm rot="5400000">
+            <a:off x="3790601" y="1152198"/>
+            <a:ext cx="598357" cy="3280679"/>
+          </a:xfrm>
+          <a:prstGeom prst="bentConnector3">
+            <a:avLst>
+              <a:gd name="adj1" fmla="val 76638"/>
+            </a:avLst>
+          </a:prstGeom>
+          <a:ln>
+            <a:tailEnd type="triangle"/>
+          </a:ln>
+        </p:spPr>
+        <p:style>
+          <a:lnRef idx="1">
+            <a:schemeClr val="accent1"/>
+          </a:lnRef>
+          <a:fillRef idx="0">
+            <a:schemeClr val="accent1"/>
+          </a:fillRef>
+          <a:effectRef idx="0">
+            <a:schemeClr val="accent1"/>
+          </a:effectRef>
+          <a:fontRef idx="minor">
+            <a:schemeClr val="tx1"/>
+          </a:fontRef>
+        </p:style>
+      </p:cxnSp>
+      <p:cxnSp>
+        <p:nvCxnSpPr>
+          <p:cNvPr id="59" name="연결선: 꺾임 58">
+            <a:extLst>
+              <a:ext uri="{FF2B5EF4-FFF2-40B4-BE49-F238E27FC236}">
+                <a16:creationId xmlns:a16="http://schemas.microsoft.com/office/drawing/2014/main" id="{D6B35727-251C-4DD2-8727-734318079507}"/>
+              </a:ext>
+            </a:extLst>
+          </p:cNvPr>
+          <p:cNvCxnSpPr>
+            <a:cxnSpLocks/>
+            <a:stCxn id="4" idx="2"/>
+            <a:endCxn id="17" idx="0"/>
+          </p:cNvCxnSpPr>
+          <p:nvPr/>
+        </p:nvCxnSpPr>
+        <p:spPr>
+          <a:xfrm rot="5400000">
+            <a:off x="4444577" y="1806174"/>
+            <a:ext cx="598357" cy="1972726"/>
+          </a:xfrm>
+          <a:prstGeom prst="bentConnector3">
+            <a:avLst>
+              <a:gd name="adj1" fmla="val 76638"/>
+            </a:avLst>
+          </a:prstGeom>
+          <a:ln>
+            <a:tailEnd type="triangle"/>
+          </a:ln>
+        </p:spPr>
+        <p:style>
+          <a:lnRef idx="1">
+            <a:schemeClr val="accent1"/>
+          </a:lnRef>
+          <a:fillRef idx="0">
+            <a:schemeClr val="accent1"/>
+          </a:fillRef>
+          <a:effectRef idx="0">
+            <a:schemeClr val="accent1"/>
+          </a:effectRef>
+          <a:fontRef idx="minor">
+            <a:schemeClr val="tx1"/>
+          </a:fontRef>
+        </p:style>
+      </p:cxnSp>
+      <p:sp>
+        <p:nvSpPr>
+          <p:cNvPr id="69" name="직사각형 68">
+            <a:extLst>
+              <a:ext uri="{FF2B5EF4-FFF2-40B4-BE49-F238E27FC236}">
+                <a16:creationId xmlns:a16="http://schemas.microsoft.com/office/drawing/2014/main" id="{4890601A-40E0-41C3-89F5-D391A23E418F}"/>
+              </a:ext>
+            </a:extLst>
+          </p:cNvPr>
+          <p:cNvSpPr/>
+          <p:nvPr/>
+        </p:nvSpPr>
+        <p:spPr>
+          <a:xfrm>
+            <a:off x="523667" y="143761"/>
+            <a:ext cx="3254929" cy="478173"/>
+          </a:xfrm>
+          <a:prstGeom prst="rect">
+            <a:avLst/>
+          </a:prstGeom>
+        </p:spPr>
+        <p:style>
+          <a:lnRef idx="0">
+            <a:schemeClr val="accent3"/>
+          </a:lnRef>
+          <a:fillRef idx="3">
+            <a:schemeClr val="accent3"/>
+          </a:fillRef>
+          <a:effectRef idx="3">
+            <a:schemeClr val="accent3"/>
+          </a:effectRef>
+          <a:fontRef idx="minor">
+            <a:schemeClr val="lt1"/>
+          </a:fontRef>
+        </p:style>
+        <p:txBody>
+          <a:bodyPr rot="0" spcFirstLastPara="0" vertOverflow="overflow" horzOverflow="overflow" vert="horz" wrap="square" lIns="91440" tIns="45720" rIns="91440" bIns="45720" numCol="1" spcCol="0" rtlCol="0" fromWordArt="0" anchor="ctr" anchorCtr="0" forceAA="0" compatLnSpc="1">
+            <a:prstTxWarp prst="textNoShape">
+              <a:avLst/>
+            </a:prstTxWarp>
+            <a:noAutofit/>
+          </a:bodyPr>
+          <a:lstStyle/>
+          <a:p>
+            <a:pPr algn="ctr"/>
+            <a:r>
+              <a:rPr lang="ko-KR" altLang="en-US" b="1" dirty="0">
+                <a:ln w="10160">
+                  <a:solidFill>
+                    <a:schemeClr val="accent5"/>
+                  </a:solidFill>
+                  <a:prstDash val="solid"/>
+                </a:ln>
+                <a:solidFill>
+                  <a:srgbClr val="FFFFFF"/>
+                </a:solidFill>
+                <a:effectLst>
+                  <a:outerShdw blurRad="38100" dist="22860" dir="5400000" algn="tl" rotWithShape="0">
+                    <a:srgbClr val="000000">
+                      <a:alpha val="30000"/>
+                    </a:srgbClr>
+                  </a:outerShdw>
+                </a:effectLst>
+                <a:latin typeface="맑은 고딕" panose="020B0503020000020004" pitchFamily="50" charset="-127"/>
+              </a:rPr>
+              <a:t>클라우드 아키텍처 구성</a:t>
+            </a:r>
+            <a:endParaRPr lang="ko-KR" altLang="en-US" b="1" dirty="0">
+              <a:ln w="10160">
+                <a:solidFill>
+                  <a:schemeClr val="accent5"/>
+                </a:solidFill>
+                <a:prstDash val="solid"/>
+              </a:ln>
+              <a:solidFill>
+                <a:srgbClr val="FFFFFF"/>
+              </a:solidFill>
+              <a:effectLst>
+                <a:outerShdw blurRad="38100" dist="22860" dir="5400000" algn="tl" rotWithShape="0">
+                  <a:srgbClr val="000000">
+                    <a:alpha val="30000"/>
+                  </a:srgbClr>
+                </a:outerShdw>
+              </a:effectLst>
+            </a:endParaRPr>
+          </a:p>
+        </p:txBody>
+      </p:sp>
+      <p:cxnSp>
+        <p:nvCxnSpPr>
+          <p:cNvPr id="47" name="직선 화살표 연결선 46">
+            <a:extLst>
+              <a:ext uri="{FF2B5EF4-FFF2-40B4-BE49-F238E27FC236}">
+                <a16:creationId xmlns:a16="http://schemas.microsoft.com/office/drawing/2014/main" id="{9D78F892-0528-4A20-9351-5E22E1581E58}"/>
+              </a:ext>
+            </a:extLst>
+          </p:cNvPr>
+          <p:cNvCxnSpPr>
+            <a:cxnSpLocks/>
+          </p:cNvCxnSpPr>
+          <p:nvPr/>
+        </p:nvCxnSpPr>
+        <p:spPr>
+          <a:xfrm flipV="1">
+            <a:off x="5503573" y="4551902"/>
+            <a:ext cx="0" cy="784544"/>
+          </a:xfrm>
+          <a:prstGeom prst="straightConnector1">
+            <a:avLst/>
+          </a:prstGeom>
+          <a:ln>
+            <a:tailEnd type="triangle"/>
+          </a:ln>
+        </p:spPr>
+        <p:style>
+          <a:lnRef idx="1">
+            <a:schemeClr val="accent1"/>
+          </a:lnRef>
+          <a:fillRef idx="0">
+            <a:schemeClr val="accent1"/>
+          </a:fillRef>
+          <a:effectRef idx="0">
+            <a:schemeClr val="accent1"/>
+          </a:effectRef>
+          <a:fontRef idx="minor">
+            <a:schemeClr val="tx1"/>
+          </a:fontRef>
+        </p:style>
+      </p:cxnSp>
+      <p:cxnSp>
+        <p:nvCxnSpPr>
+          <p:cNvPr id="61" name="직선 화살표 연결선 60">
+            <a:extLst>
+              <a:ext uri="{FF2B5EF4-FFF2-40B4-BE49-F238E27FC236}">
+                <a16:creationId xmlns:a16="http://schemas.microsoft.com/office/drawing/2014/main" id="{B583F4C3-2F80-40EE-868B-EB3C97F0C272}"/>
+              </a:ext>
+            </a:extLst>
+          </p:cNvPr>
+          <p:cNvCxnSpPr>
+            <a:cxnSpLocks/>
+          </p:cNvCxnSpPr>
+          <p:nvPr/>
+        </p:nvCxnSpPr>
+        <p:spPr>
+          <a:xfrm>
+            <a:off x="3878613" y="4535343"/>
+            <a:ext cx="0" cy="812704"/>
+          </a:xfrm>
+          <a:prstGeom prst="straightConnector1">
+            <a:avLst/>
+          </a:prstGeom>
+          <a:ln>
+            <a:tailEnd type="triangle"/>
+          </a:ln>
+        </p:spPr>
+        <p:style>
+          <a:lnRef idx="1">
+            <a:schemeClr val="accent1"/>
+          </a:lnRef>
+          <a:fillRef idx="0">
+            <a:schemeClr val="accent1"/>
+          </a:fillRef>
+          <a:effectRef idx="0">
+            <a:schemeClr val="accent1"/>
+          </a:effectRef>
+          <a:fontRef idx="minor">
+            <a:schemeClr val="tx1"/>
+          </a:fontRef>
+        </p:style>
+      </p:cxnSp>
+      <p:cxnSp>
+        <p:nvCxnSpPr>
+          <p:cNvPr id="63" name="직선 화살표 연결선 62">
+            <a:extLst>
+              <a:ext uri="{FF2B5EF4-FFF2-40B4-BE49-F238E27FC236}">
+                <a16:creationId xmlns:a16="http://schemas.microsoft.com/office/drawing/2014/main" id="{F3B4F2BE-337B-4BF3-895D-3BCACEF12ECE}"/>
+              </a:ext>
+            </a:extLst>
+          </p:cNvPr>
+          <p:cNvCxnSpPr>
+            <a:cxnSpLocks/>
+          </p:cNvCxnSpPr>
+          <p:nvPr/>
+        </p:nvCxnSpPr>
+        <p:spPr>
+          <a:xfrm flipV="1">
+            <a:off x="3958908" y="4535343"/>
+            <a:ext cx="0" cy="784544"/>
+          </a:xfrm>
+          <a:prstGeom prst="straightConnector1">
+            <a:avLst/>
+          </a:prstGeom>
+          <a:ln>
+            <a:tailEnd type="triangle"/>
+          </a:ln>
+        </p:spPr>
+        <p:style>
+          <a:lnRef idx="1">
+            <a:schemeClr val="accent1"/>
+          </a:lnRef>
+          <a:fillRef idx="0">
+            <a:schemeClr val="accent1"/>
+          </a:fillRef>
+          <a:effectRef idx="0">
+            <a:schemeClr val="accent1"/>
+          </a:effectRef>
+          <a:fontRef idx="minor">
+            <a:schemeClr val="tx1"/>
+          </a:fontRef>
+        </p:style>
+      </p:cxnSp>
+      <p:cxnSp>
+        <p:nvCxnSpPr>
+          <p:cNvPr id="65" name="직선 화살표 연결선 64">
+            <a:extLst>
+              <a:ext uri="{FF2B5EF4-FFF2-40B4-BE49-F238E27FC236}">
+                <a16:creationId xmlns:a16="http://schemas.microsoft.com/office/drawing/2014/main" id="{894F5E9D-48D8-43D7-9FCC-CDEA6C5785FB}"/>
+              </a:ext>
+            </a:extLst>
+          </p:cNvPr>
+          <p:cNvCxnSpPr>
+            <a:cxnSpLocks/>
+          </p:cNvCxnSpPr>
+          <p:nvPr/>
+        </p:nvCxnSpPr>
+        <p:spPr>
+          <a:xfrm>
+            <a:off x="9377834" y="4551902"/>
+            <a:ext cx="0" cy="812704"/>
+          </a:xfrm>
+          <a:prstGeom prst="straightConnector1">
+            <a:avLst/>
+          </a:prstGeom>
+          <a:ln>
+            <a:tailEnd type="triangle"/>
+          </a:ln>
+        </p:spPr>
+        <p:style>
+          <a:lnRef idx="1">
+            <a:schemeClr val="accent1"/>
+          </a:lnRef>
+          <a:fillRef idx="0">
+            <a:schemeClr val="accent1"/>
+          </a:fillRef>
+          <a:effectRef idx="0">
+            <a:schemeClr val="accent1"/>
+          </a:effectRef>
+          <a:fontRef idx="minor">
+            <a:schemeClr val="tx1"/>
+          </a:fontRef>
+        </p:style>
+      </p:cxnSp>
+      <p:cxnSp>
+        <p:nvCxnSpPr>
+          <p:cNvPr id="67" name="직선 화살표 연결선 66">
+            <a:extLst>
+              <a:ext uri="{FF2B5EF4-FFF2-40B4-BE49-F238E27FC236}">
+                <a16:creationId xmlns:a16="http://schemas.microsoft.com/office/drawing/2014/main" id="{7DDFA5D6-9623-48FD-AE5E-555934114DAE}"/>
+              </a:ext>
+            </a:extLst>
+          </p:cNvPr>
+          <p:cNvCxnSpPr>
+            <a:cxnSpLocks/>
+          </p:cNvCxnSpPr>
+          <p:nvPr/>
+        </p:nvCxnSpPr>
+        <p:spPr>
+          <a:xfrm flipV="1">
+            <a:off x="6888728" y="4544546"/>
+            <a:ext cx="0" cy="784544"/>
+          </a:xfrm>
+          <a:prstGeom prst="straightConnector1">
+            <a:avLst/>
+          </a:prstGeom>
+          <a:ln>
+            <a:tailEnd type="triangle"/>
+          </a:ln>
+        </p:spPr>
+        <p:style>
+          <a:lnRef idx="1">
+            <a:schemeClr val="accent1"/>
+          </a:lnRef>
+          <a:fillRef idx="0">
+            <a:schemeClr val="accent1"/>
+          </a:fillRef>
+          <a:effectRef idx="0">
+            <a:schemeClr val="accent1"/>
+          </a:effectRef>
+          <a:fontRef idx="minor">
+            <a:schemeClr val="tx1"/>
+          </a:fontRef>
+        </p:style>
+      </p:cxnSp>
+      <p:cxnSp>
+        <p:nvCxnSpPr>
+          <p:cNvPr id="70" name="직선 화살표 연결선 69">
+            <a:extLst>
+              <a:ext uri="{FF2B5EF4-FFF2-40B4-BE49-F238E27FC236}">
+                <a16:creationId xmlns:a16="http://schemas.microsoft.com/office/drawing/2014/main" id="{93ACB0B6-4A58-4DEA-9BAF-D1B1A7C26928}"/>
+              </a:ext>
+            </a:extLst>
+          </p:cNvPr>
+          <p:cNvCxnSpPr>
+            <a:cxnSpLocks/>
+          </p:cNvCxnSpPr>
+          <p:nvPr/>
+        </p:nvCxnSpPr>
+        <p:spPr>
+          <a:xfrm flipV="1">
+            <a:off x="8350741" y="4601374"/>
+            <a:ext cx="16731" cy="755453"/>
+          </a:xfrm>
+          <a:prstGeom prst="straightConnector1">
+            <a:avLst/>
+          </a:prstGeom>
+          <a:ln>
+            <a:tailEnd type="triangle"/>
+          </a:ln>
+        </p:spPr>
+        <p:style>
+          <a:lnRef idx="1">
+            <a:schemeClr val="accent1"/>
+          </a:lnRef>
+          <a:fillRef idx="0">
+            <a:schemeClr val="accent1"/>
+          </a:fillRef>
+          <a:effectRef idx="0">
+            <a:schemeClr val="accent1"/>
+          </a:effectRef>
+          <a:fontRef idx="minor">
+            <a:schemeClr val="tx1"/>
+          </a:fontRef>
+        </p:style>
+      </p:cxnSp>
+      <p:sp>
+        <p:nvSpPr>
+          <p:cNvPr id="72" name="번개 71">
+            <a:extLst>
+              <a:ext uri="{FF2B5EF4-FFF2-40B4-BE49-F238E27FC236}">
+                <a16:creationId xmlns:a16="http://schemas.microsoft.com/office/drawing/2014/main" id="{F00E3764-29DD-47A0-9A56-CF16FD26899E}"/>
+              </a:ext>
+            </a:extLst>
+          </p:cNvPr>
+          <p:cNvSpPr/>
+          <p:nvPr/>
+        </p:nvSpPr>
+        <p:spPr>
+          <a:xfrm>
+            <a:off x="8015640" y="4638033"/>
+            <a:ext cx="261215" cy="404047"/>
+          </a:xfrm>
+          <a:prstGeom prst="lightningBolt">
+            <a:avLst/>
+          </a:prstGeom>
+        </p:spPr>
+        <p:style>
+          <a:lnRef idx="2">
+            <a:schemeClr val="accent6">
+              <a:shade val="50000"/>
+            </a:schemeClr>
+          </a:lnRef>
+          <a:fillRef idx="1">
+            <a:schemeClr val="accent6"/>
+          </a:fillRef>
+          <a:effectRef idx="0">
+            <a:schemeClr val="accent6"/>
+          </a:effectRef>
+          <a:fontRef idx="minor">
+            <a:schemeClr val="lt1"/>
+          </a:fontRef>
+        </p:style>
+        <p:txBody>
+          <a:bodyPr rtlCol="0" anchor="ctr"/>
+          <a:lstStyle/>
+          <a:p>
+            <a:pPr algn="ctr"/>
+            <a:endParaRPr lang="ko-KR" altLang="en-US"/>
+          </a:p>
+        </p:txBody>
+      </p:sp>
+      <p:cxnSp>
+        <p:nvCxnSpPr>
+          <p:cNvPr id="73" name="직선 화살표 연결선 72">
+            <a:extLst>
+              <a:ext uri="{FF2B5EF4-FFF2-40B4-BE49-F238E27FC236}">
+                <a16:creationId xmlns:a16="http://schemas.microsoft.com/office/drawing/2014/main" id="{93660F23-44C3-4985-81C7-7B270067F11C}"/>
+              </a:ext>
+            </a:extLst>
+          </p:cNvPr>
+          <p:cNvCxnSpPr>
+            <a:cxnSpLocks/>
+          </p:cNvCxnSpPr>
+          <p:nvPr/>
+        </p:nvCxnSpPr>
+        <p:spPr>
+          <a:xfrm>
+            <a:off x="8223950" y="4572748"/>
+            <a:ext cx="0" cy="812704"/>
+          </a:xfrm>
+          <a:prstGeom prst="straightConnector1">
+            <a:avLst/>
+          </a:prstGeom>
+          <a:ln>
+            <a:tailEnd type="triangle"/>
+          </a:ln>
+        </p:spPr>
+        <p:style>
+          <a:lnRef idx="1">
+            <a:schemeClr val="accent1"/>
+          </a:lnRef>
+          <a:fillRef idx="0">
+            <a:schemeClr val="accent1"/>
+          </a:fillRef>
+          <a:effectRef idx="0">
+            <a:schemeClr val="accent1"/>
+          </a:effectRef>
+          <a:fontRef idx="minor">
+            <a:schemeClr val="tx1"/>
+          </a:fontRef>
+        </p:style>
+      </p:cxnSp>
+      <p:sp>
+        <p:nvSpPr>
+          <p:cNvPr id="74" name="TextBox 73">
+            <a:extLst>
+              <a:ext uri="{FF2B5EF4-FFF2-40B4-BE49-F238E27FC236}">
+                <a16:creationId xmlns:a16="http://schemas.microsoft.com/office/drawing/2014/main" id="{F84A5B52-B60E-481A-9EC9-542BB69B67FF}"/>
+              </a:ext>
+            </a:extLst>
+          </p:cNvPr>
+          <p:cNvSpPr txBox="1"/>
+          <p:nvPr/>
+        </p:nvSpPr>
+        <p:spPr>
+          <a:xfrm>
+            <a:off x="8604312" y="4844980"/>
+            <a:ext cx="709397" cy="338554"/>
+          </a:xfrm>
+          <a:prstGeom prst="rect">
+            <a:avLst/>
+          </a:prstGeom>
+          <a:noFill/>
+        </p:spPr>
+        <p:txBody>
+          <a:bodyPr wrap="square" rtlCol="0">
+            <a:spAutoFit/>
+          </a:bodyPr>
+          <a:lstStyle/>
+          <a:p>
+            <a:r>
+              <a:rPr lang="en-US" altLang="ko-KR" sz="800" dirty="0"/>
+              <a:t>Events Subscribed</a:t>
+            </a:r>
+            <a:endParaRPr lang="ko-KR" altLang="en-US" sz="800" dirty="0"/>
+          </a:p>
+        </p:txBody>
+      </p:sp>
+      <p:cxnSp>
+        <p:nvCxnSpPr>
+          <p:cNvPr id="75" name="직선 화살표 연결선 74">
+            <a:extLst>
+              <a:ext uri="{FF2B5EF4-FFF2-40B4-BE49-F238E27FC236}">
+                <a16:creationId xmlns:a16="http://schemas.microsoft.com/office/drawing/2014/main" id="{7B0A3DE9-DDF7-416B-8D61-97E6342391E8}"/>
+              </a:ext>
+            </a:extLst>
+          </p:cNvPr>
+          <p:cNvCxnSpPr>
+            <a:cxnSpLocks/>
+          </p:cNvCxnSpPr>
+          <p:nvPr/>
+        </p:nvCxnSpPr>
+        <p:spPr>
+          <a:xfrm flipV="1">
+            <a:off x="2743903" y="4517468"/>
+            <a:ext cx="0" cy="784544"/>
+          </a:xfrm>
+          <a:prstGeom prst="straightConnector1">
+            <a:avLst/>
+          </a:prstGeom>
+          <a:ln>
+            <a:tailEnd type="triangle"/>
+          </a:ln>
+        </p:spPr>
+        <p:style>
+          <a:lnRef idx="1">
+            <a:schemeClr val="accent1"/>
+          </a:lnRef>
+          <a:fillRef idx="0">
+            <a:schemeClr val="accent1"/>
+          </a:fillRef>
+          <a:effectRef idx="0">
+            <a:schemeClr val="accent1"/>
+          </a:effectRef>
+          <a:fontRef idx="minor">
+            <a:schemeClr val="tx1"/>
+          </a:fontRef>
+        </p:style>
+      </p:cxnSp>
+      <p:cxnSp>
+        <p:nvCxnSpPr>
+          <p:cNvPr id="78" name="연결선: 꺾임 77">
+            <a:extLst>
+              <a:ext uri="{FF2B5EF4-FFF2-40B4-BE49-F238E27FC236}">
+                <a16:creationId xmlns:a16="http://schemas.microsoft.com/office/drawing/2014/main" id="{F456BDFF-316C-4E92-9CF9-108542288F45}"/>
+              </a:ext>
+            </a:extLst>
+          </p:cNvPr>
+          <p:cNvCxnSpPr>
+            <a:cxnSpLocks/>
+            <a:stCxn id="4" idx="2"/>
+            <a:endCxn id="8" idx="0"/>
+          </p:cNvCxnSpPr>
+          <p:nvPr/>
+        </p:nvCxnSpPr>
+        <p:spPr>
+          <a:xfrm rot="5400000">
+            <a:off x="4971258" y="2655803"/>
+            <a:ext cx="921305" cy="596417"/>
+          </a:xfrm>
+          <a:prstGeom prst="bentConnector3">
+            <a:avLst>
+              <a:gd name="adj1" fmla="val 50000"/>
+            </a:avLst>
+          </a:prstGeom>
+          <a:ln>
+            <a:tailEnd type="triangle"/>
+          </a:ln>
+        </p:spPr>
+        <p:style>
+          <a:lnRef idx="1">
+            <a:schemeClr val="accent1"/>
+          </a:lnRef>
+          <a:fillRef idx="0">
+            <a:schemeClr val="accent1"/>
+          </a:fillRef>
+          <a:effectRef idx="0">
+            <a:schemeClr val="accent1"/>
+          </a:effectRef>
+          <a:fontRef idx="minor">
+            <a:schemeClr val="tx1"/>
+          </a:fontRef>
+        </p:style>
+      </p:cxnSp>
+      <p:cxnSp>
+        <p:nvCxnSpPr>
+          <p:cNvPr id="79" name="연결선: 꺾임 78">
+            <a:extLst>
+              <a:ext uri="{FF2B5EF4-FFF2-40B4-BE49-F238E27FC236}">
+                <a16:creationId xmlns:a16="http://schemas.microsoft.com/office/drawing/2014/main" id="{009145BA-9D94-4992-81CB-D84A8DCAFD52}"/>
+              </a:ext>
+            </a:extLst>
+          </p:cNvPr>
+          <p:cNvCxnSpPr>
+            <a:cxnSpLocks/>
+            <a:stCxn id="4" idx="2"/>
+            <a:endCxn id="9" idx="0"/>
+          </p:cNvCxnSpPr>
+          <p:nvPr/>
+        </p:nvCxnSpPr>
+        <p:spPr>
+          <a:xfrm rot="16200000" flipH="1">
+            <a:off x="5699498" y="2523978"/>
+            <a:ext cx="927657" cy="866417"/>
+          </a:xfrm>
+          <a:prstGeom prst="bentConnector3">
+            <a:avLst>
+              <a:gd name="adj1" fmla="val 50904"/>
+            </a:avLst>
+          </a:prstGeom>
+          <a:ln>
+            <a:tailEnd type="triangle"/>
+          </a:ln>
+        </p:spPr>
+        <p:style>
+          <a:lnRef idx="1">
+            <a:schemeClr val="accent1"/>
+          </a:lnRef>
+          <a:fillRef idx="0">
+            <a:schemeClr val="accent1"/>
+          </a:fillRef>
+          <a:effectRef idx="0">
+            <a:schemeClr val="accent1"/>
+          </a:effectRef>
+          <a:fontRef idx="minor">
+            <a:schemeClr val="tx1"/>
+          </a:fontRef>
+        </p:style>
+      </p:cxnSp>
+      <p:cxnSp>
+        <p:nvCxnSpPr>
+          <p:cNvPr id="80" name="연결선: 꺾임 79">
+            <a:extLst>
+              <a:ext uri="{FF2B5EF4-FFF2-40B4-BE49-F238E27FC236}">
+                <a16:creationId xmlns:a16="http://schemas.microsoft.com/office/drawing/2014/main" id="{949C24AA-0633-4C87-B103-A341528C2D6F}"/>
+              </a:ext>
+            </a:extLst>
+          </p:cNvPr>
+          <p:cNvCxnSpPr>
+            <a:cxnSpLocks/>
+            <a:stCxn id="4" idx="2"/>
+            <a:endCxn id="13" idx="0"/>
+          </p:cNvCxnSpPr>
+          <p:nvPr/>
+        </p:nvCxnSpPr>
+        <p:spPr>
+          <a:xfrm rot="16200000" flipH="1">
+            <a:off x="6373499" y="1849978"/>
+            <a:ext cx="940356" cy="2227118"/>
+          </a:xfrm>
+          <a:prstGeom prst="bentConnector3">
+            <a:avLst>
+              <a:gd name="adj1" fmla="val 50000"/>
+            </a:avLst>
+          </a:prstGeom>
+          <a:ln>
+            <a:tailEnd type="triangle"/>
+          </a:ln>
+        </p:spPr>
+        <p:style>
+          <a:lnRef idx="1">
+            <a:schemeClr val="accent1"/>
+          </a:lnRef>
+          <a:fillRef idx="0">
+            <a:schemeClr val="accent1"/>
+          </a:fillRef>
+          <a:effectRef idx="0">
+            <a:schemeClr val="accent1"/>
+          </a:effectRef>
+          <a:fontRef idx="minor">
+            <a:schemeClr val="tx1"/>
+          </a:fontRef>
+        </p:style>
+      </p:cxnSp>
+      <p:cxnSp>
+        <p:nvCxnSpPr>
+          <p:cNvPr id="81" name="연결선: 꺾임 80">
+            <a:extLst>
+              <a:ext uri="{FF2B5EF4-FFF2-40B4-BE49-F238E27FC236}">
+                <a16:creationId xmlns:a16="http://schemas.microsoft.com/office/drawing/2014/main" id="{68250273-D2B6-40B8-AA1F-1D41BE8B1D2F}"/>
+              </a:ext>
+            </a:extLst>
+          </p:cNvPr>
+          <p:cNvCxnSpPr>
+            <a:cxnSpLocks/>
+            <a:stCxn id="4" idx="2"/>
+            <a:endCxn id="12" idx="0"/>
+          </p:cNvCxnSpPr>
+          <p:nvPr/>
+        </p:nvCxnSpPr>
+        <p:spPr>
+          <a:xfrm rot="16200000" flipH="1">
+            <a:off x="7108784" y="1114693"/>
+            <a:ext cx="914958" cy="3672290"/>
+          </a:xfrm>
+          <a:prstGeom prst="bentConnector3">
+            <a:avLst>
+              <a:gd name="adj1" fmla="val 50000"/>
+            </a:avLst>
+          </a:prstGeom>
+          <a:ln>
+            <a:tailEnd type="triangle"/>
+          </a:ln>
+        </p:spPr>
+        <p:style>
+          <a:lnRef idx="1">
+            <a:schemeClr val="accent1"/>
+          </a:lnRef>
+          <a:fillRef idx="0">
+            <a:schemeClr val="accent1"/>
+          </a:fillRef>
+          <a:effectRef idx="0">
+            <a:schemeClr val="accent1"/>
+          </a:effectRef>
+          <a:fontRef idx="minor">
+            <a:schemeClr val="tx1"/>
+          </a:fontRef>
+        </p:style>
+      </p:cxnSp>
     </p:spTree>
     <p:extLst>
       <p:ext uri="{BB962C8B-B14F-4D97-AF65-F5344CB8AC3E}">
-        <p14:creationId xmlns:p14="http://schemas.microsoft.com/office/powerpoint/2010/main" val="547569038"/>
+        <p14:creationId xmlns:p14="http://schemas.microsoft.com/office/powerpoint/2010/main" val="319514090"/>
       </p:ext>
     </p:extLst>
   </p:cSld>

--- a/MSA_K-VCMall.pptx
+++ b/MSA_K-VCMall.pptx
@@ -8,8 +8,8 @@
     <p:sldId id="256" r:id="rId2"/>
     <p:sldId id="272" r:id="rId3"/>
     <p:sldId id="270" r:id="rId4"/>
-    <p:sldId id="257" r:id="rId5"/>
-    <p:sldId id="269" r:id="rId6"/>
+    <p:sldId id="269" r:id="rId5"/>
+    <p:sldId id="257" r:id="rId6"/>
     <p:sldId id="258" r:id="rId7"/>
     <p:sldId id="263" r:id="rId8"/>
     <p:sldId id="264" r:id="rId9"/>
@@ -5932,6 +5932,198 @@
           <a:chExt cx="0" cy="0"/>
         </a:xfrm>
       </p:grpSpPr>
+      <p:pic>
+        <p:nvPicPr>
+          <p:cNvPr id="4" name="그림 3">
+            <a:extLst>
+              <a:ext uri="{FF2B5EF4-FFF2-40B4-BE49-F238E27FC236}">
+                <a16:creationId xmlns:a16="http://schemas.microsoft.com/office/drawing/2014/main" id="{2F647834-E21E-4FE1-8B23-0ED3B1D12136}"/>
+              </a:ext>
+            </a:extLst>
+          </p:cNvPr>
+          <p:cNvPicPr>
+            <a:picLocks noChangeAspect="1"/>
+          </p:cNvPicPr>
+          <p:nvPr/>
+        </p:nvPicPr>
+        <p:blipFill>
+          <a:blip r:embed="rId2"/>
+          <a:stretch>
+            <a:fillRect/>
+          </a:stretch>
+        </p:blipFill>
+        <p:spPr>
+          <a:xfrm>
+            <a:off x="1350626" y="1251278"/>
+            <a:ext cx="8940419" cy="5405386"/>
+          </a:xfrm>
+          <a:prstGeom prst="rect">
+            <a:avLst/>
+          </a:prstGeom>
+        </p:spPr>
+      </p:pic>
+      <p:sp>
+        <p:nvSpPr>
+          <p:cNvPr id="5" name="직사각형 4">
+            <a:extLst>
+              <a:ext uri="{FF2B5EF4-FFF2-40B4-BE49-F238E27FC236}">
+                <a16:creationId xmlns:a16="http://schemas.microsoft.com/office/drawing/2014/main" id="{B9012EA0-27DD-4846-B4E7-A329C40B61DD}"/>
+              </a:ext>
+            </a:extLst>
+          </p:cNvPr>
+          <p:cNvSpPr/>
+          <p:nvPr/>
+        </p:nvSpPr>
+        <p:spPr>
+          <a:xfrm>
+            <a:off x="1107827" y="509717"/>
+            <a:ext cx="3254929" cy="478173"/>
+          </a:xfrm>
+          <a:prstGeom prst="rect">
+            <a:avLst/>
+          </a:prstGeom>
+        </p:spPr>
+        <p:style>
+          <a:lnRef idx="0">
+            <a:schemeClr val="accent3"/>
+          </a:lnRef>
+          <a:fillRef idx="3">
+            <a:schemeClr val="accent3"/>
+          </a:fillRef>
+          <a:effectRef idx="3">
+            <a:schemeClr val="accent3"/>
+          </a:effectRef>
+          <a:fontRef idx="minor">
+            <a:schemeClr val="lt1"/>
+          </a:fontRef>
+        </p:style>
+        <p:txBody>
+          <a:bodyPr rot="0" spcFirstLastPara="0" vertOverflow="overflow" horzOverflow="overflow" vert="horz" wrap="square" lIns="91440" tIns="45720" rIns="91440" bIns="45720" numCol="1" spcCol="0" rtlCol="0" fromWordArt="0" anchor="ctr" anchorCtr="0" forceAA="0" compatLnSpc="1">
+            <a:prstTxWarp prst="textNoShape">
+              <a:avLst/>
+            </a:prstTxWarp>
+            <a:noAutofit/>
+          </a:bodyPr>
+          <a:lstStyle/>
+          <a:p>
+            <a:pPr algn="ctr"/>
+            <a:r>
+              <a:rPr lang="ko-KR" altLang="en-US" b="1" dirty="0">
+                <a:ln w="10160">
+                  <a:solidFill>
+                    <a:schemeClr val="accent5"/>
+                  </a:solidFill>
+                  <a:prstDash val="solid"/>
+                </a:ln>
+                <a:solidFill>
+                  <a:srgbClr val="FFFFFF"/>
+                </a:solidFill>
+                <a:effectLst>
+                  <a:outerShdw blurRad="38100" dist="22860" dir="5400000" algn="tl" rotWithShape="0">
+                    <a:srgbClr val="000000">
+                      <a:alpha val="30000"/>
+                    </a:srgbClr>
+                  </a:outerShdw>
+                </a:effectLst>
+                <a:latin typeface="맑은 고딕" panose="020B0503020000020004" pitchFamily="50" charset="-127"/>
+              </a:rPr>
+              <a:t>도메인분석 </a:t>
+            </a:r>
+            <a:r>
+              <a:rPr lang="en-US" altLang="ko-KR" b="1" dirty="0">
+                <a:ln w="10160">
+                  <a:solidFill>
+                    <a:schemeClr val="accent5"/>
+                  </a:solidFill>
+                  <a:prstDash val="solid"/>
+                </a:ln>
+                <a:solidFill>
+                  <a:srgbClr val="FFFFFF"/>
+                </a:solidFill>
+                <a:effectLst>
+                  <a:outerShdw blurRad="38100" dist="22860" dir="5400000" algn="tl" rotWithShape="0">
+                    <a:srgbClr val="000000">
+                      <a:alpha val="30000"/>
+                    </a:srgbClr>
+                  </a:outerShdw>
+                </a:effectLst>
+                <a:latin typeface="맑은 고딕" panose="020B0503020000020004" pitchFamily="50" charset="-127"/>
+              </a:rPr>
+              <a:t>- </a:t>
+            </a:r>
+            <a:r>
+              <a:rPr lang="ko-KR" altLang="en-US" b="1" dirty="0" err="1">
+                <a:ln w="10160">
+                  <a:solidFill>
+                    <a:schemeClr val="accent5"/>
+                  </a:solidFill>
+                  <a:prstDash val="solid"/>
+                </a:ln>
+                <a:solidFill>
+                  <a:srgbClr val="FFFFFF"/>
+                </a:solidFill>
+                <a:effectLst>
+                  <a:outerShdw blurRad="38100" dist="22860" dir="5400000" algn="tl" rotWithShape="0">
+                    <a:srgbClr val="000000">
+                      <a:alpha val="30000"/>
+                    </a:srgbClr>
+                  </a:outerShdw>
+                </a:effectLst>
+                <a:latin typeface="맑은 고딕" panose="020B0503020000020004" pitchFamily="50" charset="-127"/>
+              </a:rPr>
+              <a:t>이벤트스토밍</a:t>
+            </a:r>
+            <a:endParaRPr lang="ko-KR" altLang="en-US" b="1" dirty="0">
+              <a:ln w="10160">
+                <a:solidFill>
+                  <a:schemeClr val="accent5"/>
+                </a:solidFill>
+                <a:prstDash val="solid"/>
+              </a:ln>
+              <a:solidFill>
+                <a:srgbClr val="FFFFFF"/>
+              </a:solidFill>
+              <a:effectLst>
+                <a:outerShdw blurRad="38100" dist="22860" dir="5400000" algn="tl" rotWithShape="0">
+                  <a:srgbClr val="000000">
+                    <a:alpha val="30000"/>
+                  </a:srgbClr>
+                </a:outerShdw>
+              </a:effectLst>
+            </a:endParaRPr>
+          </a:p>
+        </p:txBody>
+      </p:sp>
+    </p:spTree>
+    <p:extLst>
+      <p:ext uri="{BB962C8B-B14F-4D97-AF65-F5344CB8AC3E}">
+        <p14:creationId xmlns:p14="http://schemas.microsoft.com/office/powerpoint/2010/main" val="1020357697"/>
+      </p:ext>
+    </p:extLst>
+  </p:cSld>
+  <p:clrMapOvr>
+    <a:masterClrMapping/>
+  </p:clrMapOvr>
+</p:sld>
+</file>
+
+<file path=ppt/slides/slide5.xml><?xml version="1.0" encoding="utf-8"?>
+<p:sld xmlns:a="http://schemas.openxmlformats.org/drawingml/2006/main" xmlns:r="http://schemas.openxmlformats.org/officeDocument/2006/relationships" xmlns:p="http://schemas.openxmlformats.org/presentationml/2006/main">
+  <p:cSld>
+    <p:spTree>
+      <p:nvGrpSpPr>
+        <p:cNvPr id="1" name=""/>
+        <p:cNvGrpSpPr/>
+        <p:nvPr/>
+      </p:nvGrpSpPr>
+      <p:grpSpPr>
+        <a:xfrm>
+          <a:off x="0" y="0"/>
+          <a:ext cx="0" cy="0"/>
+          <a:chOff x="0" y="0"/>
+          <a:chExt cx="0" cy="0"/>
+        </a:xfrm>
+      </p:grpSpPr>
       <p:sp>
         <p:nvSpPr>
           <p:cNvPr id="57" name="직사각형 56">
@@ -8743,198 +8935,6 @@
     <p:extLst>
       <p:ext uri="{BB962C8B-B14F-4D97-AF65-F5344CB8AC3E}">
         <p14:creationId xmlns:p14="http://schemas.microsoft.com/office/powerpoint/2010/main" val="319514090"/>
-      </p:ext>
-    </p:extLst>
-  </p:cSld>
-  <p:clrMapOvr>
-    <a:masterClrMapping/>
-  </p:clrMapOvr>
-</p:sld>
-</file>
-
-<file path=ppt/slides/slide5.xml><?xml version="1.0" encoding="utf-8"?>
-<p:sld xmlns:a="http://schemas.openxmlformats.org/drawingml/2006/main" xmlns:r="http://schemas.openxmlformats.org/officeDocument/2006/relationships" xmlns:p="http://schemas.openxmlformats.org/presentationml/2006/main">
-  <p:cSld>
-    <p:spTree>
-      <p:nvGrpSpPr>
-        <p:cNvPr id="1" name=""/>
-        <p:cNvGrpSpPr/>
-        <p:nvPr/>
-      </p:nvGrpSpPr>
-      <p:grpSpPr>
-        <a:xfrm>
-          <a:off x="0" y="0"/>
-          <a:ext cx="0" cy="0"/>
-          <a:chOff x="0" y="0"/>
-          <a:chExt cx="0" cy="0"/>
-        </a:xfrm>
-      </p:grpSpPr>
-      <p:pic>
-        <p:nvPicPr>
-          <p:cNvPr id="4" name="그림 3">
-            <a:extLst>
-              <a:ext uri="{FF2B5EF4-FFF2-40B4-BE49-F238E27FC236}">
-                <a16:creationId xmlns:a16="http://schemas.microsoft.com/office/drawing/2014/main" id="{2F647834-E21E-4FE1-8B23-0ED3B1D12136}"/>
-              </a:ext>
-            </a:extLst>
-          </p:cNvPr>
-          <p:cNvPicPr>
-            <a:picLocks noChangeAspect="1"/>
-          </p:cNvPicPr>
-          <p:nvPr/>
-        </p:nvPicPr>
-        <p:blipFill>
-          <a:blip r:embed="rId2"/>
-          <a:stretch>
-            <a:fillRect/>
-          </a:stretch>
-        </p:blipFill>
-        <p:spPr>
-          <a:xfrm>
-            <a:off x="1350626" y="1251278"/>
-            <a:ext cx="8940419" cy="5405386"/>
-          </a:xfrm>
-          <a:prstGeom prst="rect">
-            <a:avLst/>
-          </a:prstGeom>
-        </p:spPr>
-      </p:pic>
-      <p:sp>
-        <p:nvSpPr>
-          <p:cNvPr id="5" name="직사각형 4">
-            <a:extLst>
-              <a:ext uri="{FF2B5EF4-FFF2-40B4-BE49-F238E27FC236}">
-                <a16:creationId xmlns:a16="http://schemas.microsoft.com/office/drawing/2014/main" id="{B9012EA0-27DD-4846-B4E7-A329C40B61DD}"/>
-              </a:ext>
-            </a:extLst>
-          </p:cNvPr>
-          <p:cNvSpPr/>
-          <p:nvPr/>
-        </p:nvSpPr>
-        <p:spPr>
-          <a:xfrm>
-            <a:off x="1107827" y="509717"/>
-            <a:ext cx="3254929" cy="478173"/>
-          </a:xfrm>
-          <a:prstGeom prst="rect">
-            <a:avLst/>
-          </a:prstGeom>
-        </p:spPr>
-        <p:style>
-          <a:lnRef idx="0">
-            <a:schemeClr val="accent3"/>
-          </a:lnRef>
-          <a:fillRef idx="3">
-            <a:schemeClr val="accent3"/>
-          </a:fillRef>
-          <a:effectRef idx="3">
-            <a:schemeClr val="accent3"/>
-          </a:effectRef>
-          <a:fontRef idx="minor">
-            <a:schemeClr val="lt1"/>
-          </a:fontRef>
-        </p:style>
-        <p:txBody>
-          <a:bodyPr rot="0" spcFirstLastPara="0" vertOverflow="overflow" horzOverflow="overflow" vert="horz" wrap="square" lIns="91440" tIns="45720" rIns="91440" bIns="45720" numCol="1" spcCol="0" rtlCol="0" fromWordArt="0" anchor="ctr" anchorCtr="0" forceAA="0" compatLnSpc="1">
-            <a:prstTxWarp prst="textNoShape">
-              <a:avLst/>
-            </a:prstTxWarp>
-            <a:noAutofit/>
-          </a:bodyPr>
-          <a:lstStyle/>
-          <a:p>
-            <a:pPr algn="ctr"/>
-            <a:r>
-              <a:rPr lang="ko-KR" altLang="en-US" b="1" dirty="0">
-                <a:ln w="10160">
-                  <a:solidFill>
-                    <a:schemeClr val="accent5"/>
-                  </a:solidFill>
-                  <a:prstDash val="solid"/>
-                </a:ln>
-                <a:solidFill>
-                  <a:srgbClr val="FFFFFF"/>
-                </a:solidFill>
-                <a:effectLst>
-                  <a:outerShdw blurRad="38100" dist="22860" dir="5400000" algn="tl" rotWithShape="0">
-                    <a:srgbClr val="000000">
-                      <a:alpha val="30000"/>
-                    </a:srgbClr>
-                  </a:outerShdw>
-                </a:effectLst>
-                <a:latin typeface="맑은 고딕" panose="020B0503020000020004" pitchFamily="50" charset="-127"/>
-              </a:rPr>
-              <a:t>도메인분석 </a:t>
-            </a:r>
-            <a:r>
-              <a:rPr lang="en-US" altLang="ko-KR" b="1" dirty="0">
-                <a:ln w="10160">
-                  <a:solidFill>
-                    <a:schemeClr val="accent5"/>
-                  </a:solidFill>
-                  <a:prstDash val="solid"/>
-                </a:ln>
-                <a:solidFill>
-                  <a:srgbClr val="FFFFFF"/>
-                </a:solidFill>
-                <a:effectLst>
-                  <a:outerShdw blurRad="38100" dist="22860" dir="5400000" algn="tl" rotWithShape="0">
-                    <a:srgbClr val="000000">
-                      <a:alpha val="30000"/>
-                    </a:srgbClr>
-                  </a:outerShdw>
-                </a:effectLst>
-                <a:latin typeface="맑은 고딕" panose="020B0503020000020004" pitchFamily="50" charset="-127"/>
-              </a:rPr>
-              <a:t>- </a:t>
-            </a:r>
-            <a:r>
-              <a:rPr lang="ko-KR" altLang="en-US" b="1" dirty="0" err="1">
-                <a:ln w="10160">
-                  <a:solidFill>
-                    <a:schemeClr val="accent5"/>
-                  </a:solidFill>
-                  <a:prstDash val="solid"/>
-                </a:ln>
-                <a:solidFill>
-                  <a:srgbClr val="FFFFFF"/>
-                </a:solidFill>
-                <a:effectLst>
-                  <a:outerShdw blurRad="38100" dist="22860" dir="5400000" algn="tl" rotWithShape="0">
-                    <a:srgbClr val="000000">
-                      <a:alpha val="30000"/>
-                    </a:srgbClr>
-                  </a:outerShdw>
-                </a:effectLst>
-                <a:latin typeface="맑은 고딕" panose="020B0503020000020004" pitchFamily="50" charset="-127"/>
-              </a:rPr>
-              <a:t>이벤트스토밍</a:t>
-            </a:r>
-            <a:endParaRPr lang="ko-KR" altLang="en-US" b="1" dirty="0">
-              <a:ln w="10160">
-                <a:solidFill>
-                  <a:schemeClr val="accent5"/>
-                </a:solidFill>
-                <a:prstDash val="solid"/>
-              </a:ln>
-              <a:solidFill>
-                <a:srgbClr val="FFFFFF"/>
-              </a:solidFill>
-              <a:effectLst>
-                <a:outerShdw blurRad="38100" dist="22860" dir="5400000" algn="tl" rotWithShape="0">
-                  <a:srgbClr val="000000">
-                    <a:alpha val="30000"/>
-                  </a:srgbClr>
-                </a:outerShdw>
-              </a:effectLst>
-            </a:endParaRPr>
-          </a:p>
-        </p:txBody>
-      </p:sp>
-    </p:spTree>
-    <p:extLst>
-      <p:ext uri="{BB962C8B-B14F-4D97-AF65-F5344CB8AC3E}">
-        <p14:creationId xmlns:p14="http://schemas.microsoft.com/office/powerpoint/2010/main" val="1020357697"/>
       </p:ext>
     </p:extLst>
   </p:cSld>
